--- a/fordcs-docs/EDUp FORDCS-V1.0 Project-v2022.04/CUSTOMER REQUIREMENTS/EDUp-FORDCS-V1.0 Customer-Requirements-v2022.05.pptx
+++ b/fordcs-docs/EDUp FORDCS-V1.0 Project-v2022.04/CUSTOMER REQUIREMENTS/EDUp-FORDCS-V1.0 Customer-Requirements-v2022.05.pptx
@@ -4,22 +4,26 @@
   <p:sldMasterIdLst>
     <p:sldMasterId id="2147483825" r:id="rId1"/>
   </p:sldMasterIdLst>
+  <p:notesMasterIdLst>
+    <p:notesMasterId r:id="rId18"/>
+  </p:notesMasterIdLst>
   <p:sldIdLst>
     <p:sldId id="256" r:id="rId2"/>
     <p:sldId id="366" r:id="rId3"/>
-    <p:sldId id="360" r:id="rId4"/>
-    <p:sldId id="361" r:id="rId5"/>
-    <p:sldId id="363" r:id="rId6"/>
-    <p:sldId id="339" r:id="rId7"/>
-    <p:sldId id="354" r:id="rId8"/>
-    <p:sldId id="349" r:id="rId9"/>
-    <p:sldId id="350" r:id="rId10"/>
-    <p:sldId id="359" r:id="rId11"/>
-    <p:sldId id="356" r:id="rId12"/>
-    <p:sldId id="353" r:id="rId13"/>
-    <p:sldId id="260" r:id="rId14"/>
-    <p:sldId id="337" r:id="rId15"/>
-    <p:sldId id="267" r:id="rId16"/>
+    <p:sldId id="337" r:id="rId4"/>
+    <p:sldId id="360" r:id="rId5"/>
+    <p:sldId id="361" r:id="rId6"/>
+    <p:sldId id="363" r:id="rId7"/>
+    <p:sldId id="339" r:id="rId8"/>
+    <p:sldId id="354" r:id="rId9"/>
+    <p:sldId id="349" r:id="rId10"/>
+    <p:sldId id="350" r:id="rId11"/>
+    <p:sldId id="348" r:id="rId12"/>
+    <p:sldId id="359" r:id="rId13"/>
+    <p:sldId id="356" r:id="rId14"/>
+    <p:sldId id="353" r:id="rId15"/>
+    <p:sldId id="260" r:id="rId16"/>
+    <p:sldId id="267" r:id="rId17"/>
   </p:sldIdLst>
   <p:sldSz cx="12192000" cy="6858000"/>
   <p:notesSz cx="6858000" cy="9144000"/>
@@ -124,6 +128,474 @@
     </p:ext>
   </p:extLst>
 </p:presentation>
+</file>
+
+<file path=ppt/notesMasters/notesMaster1.xml><?xml version="1.0" encoding="utf-8"?>
+<p:notesMaster xmlns:a="http://schemas.openxmlformats.org/drawingml/2006/main" xmlns:r="http://schemas.openxmlformats.org/officeDocument/2006/relationships" xmlns:p="http://schemas.openxmlformats.org/presentationml/2006/main">
+  <p:cSld>
+    <p:bg>
+      <p:bgRef idx="1001">
+        <a:schemeClr val="bg1"/>
+      </p:bgRef>
+    </p:bg>
+    <p:spTree>
+      <p:nvGrpSpPr>
+        <p:cNvPr id="1" name=""/>
+        <p:cNvGrpSpPr/>
+        <p:nvPr/>
+      </p:nvGrpSpPr>
+      <p:grpSpPr>
+        <a:xfrm>
+          <a:off x="0" y="0"/>
+          <a:ext cx="0" cy="0"/>
+          <a:chOff x="0" y="0"/>
+          <a:chExt cx="0" cy="0"/>
+        </a:xfrm>
+      </p:grpSpPr>
+      <p:sp>
+        <p:nvSpPr>
+          <p:cNvPr id="2" name="Header Placeholder 1"/>
+          <p:cNvSpPr>
+            <a:spLocks noGrp="1"/>
+          </p:cNvSpPr>
+          <p:nvPr>
+            <p:ph type="hdr" sz="quarter"/>
+          </p:nvPr>
+        </p:nvSpPr>
+        <p:spPr>
+          <a:xfrm>
+            <a:off x="0" y="0"/>
+            <a:ext cx="2971800" cy="458788"/>
+          </a:xfrm>
+          <a:prstGeom prst="rect">
+            <a:avLst/>
+          </a:prstGeom>
+        </p:spPr>
+        <p:txBody>
+          <a:bodyPr vert="horz" lIns="91440" tIns="45720" rIns="91440" bIns="45720" rtlCol="0"/>
+          <a:lstStyle>
+            <a:lvl1pPr algn="l">
+              <a:defRPr sz="1200"/>
+            </a:lvl1pPr>
+          </a:lstStyle>
+          <a:p>
+            <a:endParaRPr lang="en-US"/>
+          </a:p>
+        </p:txBody>
+      </p:sp>
+      <p:sp>
+        <p:nvSpPr>
+          <p:cNvPr id="3" name="Date Placeholder 2"/>
+          <p:cNvSpPr>
+            <a:spLocks noGrp="1"/>
+          </p:cNvSpPr>
+          <p:nvPr>
+            <p:ph type="dt" idx="1"/>
+          </p:nvPr>
+        </p:nvSpPr>
+        <p:spPr>
+          <a:xfrm>
+            <a:off x="3884613" y="0"/>
+            <a:ext cx="2971800" cy="458788"/>
+          </a:xfrm>
+          <a:prstGeom prst="rect">
+            <a:avLst/>
+          </a:prstGeom>
+        </p:spPr>
+        <p:txBody>
+          <a:bodyPr vert="horz" lIns="91440" tIns="45720" rIns="91440" bIns="45720" rtlCol="0"/>
+          <a:lstStyle>
+            <a:lvl1pPr algn="r">
+              <a:defRPr sz="1200"/>
+            </a:lvl1pPr>
+          </a:lstStyle>
+          <a:p>
+            <a:fld id="{539DD351-8589-4C54-8C15-6939E203DE67}" type="datetimeFigureOut">
+              <a:rPr lang="en-US" smtClean="0"/>
+              <a:t>2/11/2024</a:t>
+            </a:fld>
+            <a:endParaRPr lang="en-US"/>
+          </a:p>
+        </p:txBody>
+      </p:sp>
+      <p:sp>
+        <p:nvSpPr>
+          <p:cNvPr id="4" name="Slide Image Placeholder 3"/>
+          <p:cNvSpPr>
+            <a:spLocks noGrp="1" noRot="1" noChangeAspect="1"/>
+          </p:cNvSpPr>
+          <p:nvPr>
+            <p:ph type="sldImg" idx="2"/>
+          </p:nvPr>
+        </p:nvSpPr>
+        <p:spPr>
+          <a:xfrm>
+            <a:off x="685800" y="1143000"/>
+            <a:ext cx="5486400" cy="3086100"/>
+          </a:xfrm>
+          <a:prstGeom prst="rect">
+            <a:avLst/>
+          </a:prstGeom>
+          <a:noFill/>
+          <a:ln w="12700">
+            <a:solidFill>
+              <a:prstClr val="black"/>
+            </a:solidFill>
+          </a:ln>
+        </p:spPr>
+        <p:txBody>
+          <a:bodyPr vert="horz" lIns="91440" tIns="45720" rIns="91440" bIns="45720" rtlCol="0" anchor="ctr"/>
+          <a:lstStyle/>
+          <a:p>
+            <a:endParaRPr lang="en-US"/>
+          </a:p>
+        </p:txBody>
+      </p:sp>
+      <p:sp>
+        <p:nvSpPr>
+          <p:cNvPr id="5" name="Notes Placeholder 4"/>
+          <p:cNvSpPr>
+            <a:spLocks noGrp="1"/>
+          </p:cNvSpPr>
+          <p:nvPr>
+            <p:ph type="body" sz="quarter" idx="3"/>
+          </p:nvPr>
+        </p:nvSpPr>
+        <p:spPr>
+          <a:xfrm>
+            <a:off x="685800" y="4400550"/>
+            <a:ext cx="5486400" cy="3600450"/>
+          </a:xfrm>
+          <a:prstGeom prst="rect">
+            <a:avLst/>
+          </a:prstGeom>
+        </p:spPr>
+        <p:txBody>
+          <a:bodyPr vert="horz" lIns="91440" tIns="45720" rIns="91440" bIns="45720" rtlCol="0"/>
+          <a:lstStyle/>
+          <a:p>
+            <a:pPr lvl="0"/>
+            <a:r>
+              <a:rPr lang="en-US"/>
+              <a:t>Click to edit Master text styles</a:t>
+            </a:r>
+          </a:p>
+          <a:p>
+            <a:pPr lvl="1"/>
+            <a:r>
+              <a:rPr lang="en-US"/>
+              <a:t>Second level</a:t>
+            </a:r>
+          </a:p>
+          <a:p>
+            <a:pPr lvl="2"/>
+            <a:r>
+              <a:rPr lang="en-US"/>
+              <a:t>Third level</a:t>
+            </a:r>
+          </a:p>
+          <a:p>
+            <a:pPr lvl="3"/>
+            <a:r>
+              <a:rPr lang="en-US"/>
+              <a:t>Fourth level</a:t>
+            </a:r>
+          </a:p>
+          <a:p>
+            <a:pPr lvl="4"/>
+            <a:r>
+              <a:rPr lang="en-US"/>
+              <a:t>Fifth level</a:t>
+            </a:r>
+          </a:p>
+        </p:txBody>
+      </p:sp>
+      <p:sp>
+        <p:nvSpPr>
+          <p:cNvPr id="6" name="Footer Placeholder 5"/>
+          <p:cNvSpPr>
+            <a:spLocks noGrp="1"/>
+          </p:cNvSpPr>
+          <p:nvPr>
+            <p:ph type="ftr" sz="quarter" idx="4"/>
+          </p:nvPr>
+        </p:nvSpPr>
+        <p:spPr>
+          <a:xfrm>
+            <a:off x="0" y="8685213"/>
+            <a:ext cx="2971800" cy="458787"/>
+          </a:xfrm>
+          <a:prstGeom prst="rect">
+            <a:avLst/>
+          </a:prstGeom>
+        </p:spPr>
+        <p:txBody>
+          <a:bodyPr vert="horz" lIns="91440" tIns="45720" rIns="91440" bIns="45720" rtlCol="0" anchor="b"/>
+          <a:lstStyle>
+            <a:lvl1pPr algn="l">
+              <a:defRPr sz="1200"/>
+            </a:lvl1pPr>
+          </a:lstStyle>
+          <a:p>
+            <a:endParaRPr lang="en-US"/>
+          </a:p>
+        </p:txBody>
+      </p:sp>
+      <p:sp>
+        <p:nvSpPr>
+          <p:cNvPr id="7" name="Slide Number Placeholder 6"/>
+          <p:cNvSpPr>
+            <a:spLocks noGrp="1"/>
+          </p:cNvSpPr>
+          <p:nvPr>
+            <p:ph type="sldNum" sz="quarter" idx="5"/>
+          </p:nvPr>
+        </p:nvSpPr>
+        <p:spPr>
+          <a:xfrm>
+            <a:off x="3884613" y="8685213"/>
+            <a:ext cx="2971800" cy="458787"/>
+          </a:xfrm>
+          <a:prstGeom prst="rect">
+            <a:avLst/>
+          </a:prstGeom>
+        </p:spPr>
+        <p:txBody>
+          <a:bodyPr vert="horz" lIns="91440" tIns="45720" rIns="91440" bIns="45720" rtlCol="0" anchor="b"/>
+          <a:lstStyle>
+            <a:lvl1pPr algn="r">
+              <a:defRPr sz="1200"/>
+            </a:lvl1pPr>
+          </a:lstStyle>
+          <a:p>
+            <a:fld id="{0EBF9246-B757-4BFE-9474-344D99EAC931}" type="slidenum">
+              <a:rPr lang="en-US" smtClean="0"/>
+              <a:t>‹#›</a:t>
+            </a:fld>
+            <a:endParaRPr lang="en-US"/>
+          </a:p>
+        </p:txBody>
+      </p:sp>
+    </p:spTree>
+    <p:extLst>
+      <p:ext uri="{BB962C8B-B14F-4D97-AF65-F5344CB8AC3E}">
+        <p14:creationId xmlns:p14="http://schemas.microsoft.com/office/powerpoint/2010/main" val="2904299059"/>
+      </p:ext>
+    </p:extLst>
+  </p:cSld>
+  <p:clrMap bg1="lt1" tx1="dk1" bg2="lt2" tx2="dk2" accent1="accent1" accent2="accent2" accent3="accent3" accent4="accent4" accent5="accent5" accent6="accent6" hlink="hlink" folHlink="folHlink"/>
+  <p:notesStyle>
+    <a:lvl1pPr marL="0" algn="l" defTabSz="914400" rtl="0" eaLnBrk="1" latinLnBrk="0" hangingPunct="1">
+      <a:defRPr sz="1200" kern="1200">
+        <a:solidFill>
+          <a:schemeClr val="tx1"/>
+        </a:solidFill>
+        <a:latin typeface="+mn-lt"/>
+        <a:ea typeface="+mn-ea"/>
+        <a:cs typeface="+mn-cs"/>
+      </a:defRPr>
+    </a:lvl1pPr>
+    <a:lvl2pPr marL="457200" algn="l" defTabSz="914400" rtl="0" eaLnBrk="1" latinLnBrk="0" hangingPunct="1">
+      <a:defRPr sz="1200" kern="1200">
+        <a:solidFill>
+          <a:schemeClr val="tx1"/>
+        </a:solidFill>
+        <a:latin typeface="+mn-lt"/>
+        <a:ea typeface="+mn-ea"/>
+        <a:cs typeface="+mn-cs"/>
+      </a:defRPr>
+    </a:lvl2pPr>
+    <a:lvl3pPr marL="914400" algn="l" defTabSz="914400" rtl="0" eaLnBrk="1" latinLnBrk="0" hangingPunct="1">
+      <a:defRPr sz="1200" kern="1200">
+        <a:solidFill>
+          <a:schemeClr val="tx1"/>
+        </a:solidFill>
+        <a:latin typeface="+mn-lt"/>
+        <a:ea typeface="+mn-ea"/>
+        <a:cs typeface="+mn-cs"/>
+      </a:defRPr>
+    </a:lvl3pPr>
+    <a:lvl4pPr marL="1371600" algn="l" defTabSz="914400" rtl="0" eaLnBrk="1" latinLnBrk="0" hangingPunct="1">
+      <a:defRPr sz="1200" kern="1200">
+        <a:solidFill>
+          <a:schemeClr val="tx1"/>
+        </a:solidFill>
+        <a:latin typeface="+mn-lt"/>
+        <a:ea typeface="+mn-ea"/>
+        <a:cs typeface="+mn-cs"/>
+      </a:defRPr>
+    </a:lvl4pPr>
+    <a:lvl5pPr marL="1828800" algn="l" defTabSz="914400" rtl="0" eaLnBrk="1" latinLnBrk="0" hangingPunct="1">
+      <a:defRPr sz="1200" kern="1200">
+        <a:solidFill>
+          <a:schemeClr val="tx1"/>
+        </a:solidFill>
+        <a:latin typeface="+mn-lt"/>
+        <a:ea typeface="+mn-ea"/>
+        <a:cs typeface="+mn-cs"/>
+      </a:defRPr>
+    </a:lvl5pPr>
+    <a:lvl6pPr marL="2286000" algn="l" defTabSz="914400" rtl="0" eaLnBrk="1" latinLnBrk="0" hangingPunct="1">
+      <a:defRPr sz="1200" kern="1200">
+        <a:solidFill>
+          <a:schemeClr val="tx1"/>
+        </a:solidFill>
+        <a:latin typeface="+mn-lt"/>
+        <a:ea typeface="+mn-ea"/>
+        <a:cs typeface="+mn-cs"/>
+      </a:defRPr>
+    </a:lvl6pPr>
+    <a:lvl7pPr marL="2743200" algn="l" defTabSz="914400" rtl="0" eaLnBrk="1" latinLnBrk="0" hangingPunct="1">
+      <a:defRPr sz="1200" kern="1200">
+        <a:solidFill>
+          <a:schemeClr val="tx1"/>
+        </a:solidFill>
+        <a:latin typeface="+mn-lt"/>
+        <a:ea typeface="+mn-ea"/>
+        <a:cs typeface="+mn-cs"/>
+      </a:defRPr>
+    </a:lvl7pPr>
+    <a:lvl8pPr marL="3200400" algn="l" defTabSz="914400" rtl="0" eaLnBrk="1" latinLnBrk="0" hangingPunct="1">
+      <a:defRPr sz="1200" kern="1200">
+        <a:solidFill>
+          <a:schemeClr val="tx1"/>
+        </a:solidFill>
+        <a:latin typeface="+mn-lt"/>
+        <a:ea typeface="+mn-ea"/>
+        <a:cs typeface="+mn-cs"/>
+      </a:defRPr>
+    </a:lvl8pPr>
+    <a:lvl9pPr marL="3657600" algn="l" defTabSz="914400" rtl="0" eaLnBrk="1" latinLnBrk="0" hangingPunct="1">
+      <a:defRPr sz="1200" kern="1200">
+        <a:solidFill>
+          <a:schemeClr val="tx1"/>
+        </a:solidFill>
+        <a:latin typeface="+mn-lt"/>
+        <a:ea typeface="+mn-ea"/>
+        <a:cs typeface="+mn-cs"/>
+      </a:defRPr>
+    </a:lvl9pPr>
+  </p:notesStyle>
+</p:notesMaster>
+</file>
+
+<file path=ppt/notesSlides/notesSlide1.xml><?xml version="1.0" encoding="utf-8"?>
+<p:notes xmlns:a="http://schemas.openxmlformats.org/drawingml/2006/main" xmlns:r="http://schemas.openxmlformats.org/officeDocument/2006/relationships" xmlns:p="http://schemas.openxmlformats.org/presentationml/2006/main">
+  <p:cSld>
+    <p:spTree>
+      <p:nvGrpSpPr>
+        <p:cNvPr id="1" name=""/>
+        <p:cNvGrpSpPr/>
+        <p:nvPr/>
+      </p:nvGrpSpPr>
+      <p:grpSpPr>
+        <a:xfrm>
+          <a:off x="0" y="0"/>
+          <a:ext cx="0" cy="0"/>
+          <a:chOff x="0" y="0"/>
+          <a:chExt cx="0" cy="0"/>
+        </a:xfrm>
+      </p:grpSpPr>
+      <p:sp>
+        <p:nvSpPr>
+          <p:cNvPr id="2" name="Slide Image Placeholder 1"/>
+          <p:cNvSpPr>
+            <a:spLocks noGrp="1" noRot="1" noChangeAspect="1"/>
+          </p:cNvSpPr>
+          <p:nvPr>
+            <p:ph type="sldImg"/>
+          </p:nvPr>
+        </p:nvSpPr>
+        <p:spPr/>
+      </p:sp>
+      <p:sp>
+        <p:nvSpPr>
+          <p:cNvPr id="3" name="Notes Placeholder 2"/>
+          <p:cNvSpPr>
+            <a:spLocks noGrp="1"/>
+          </p:cNvSpPr>
+          <p:nvPr>
+            <p:ph type="body" idx="1"/>
+          </p:nvPr>
+        </p:nvSpPr>
+        <p:spPr/>
+        <p:txBody>
+          <a:bodyPr/>
+          <a:lstStyle/>
+          <a:p>
+            <a:pPr marL="0" marR="0" lvl="0" indent="0" algn="l" defTabSz="914400" rtl="0" eaLnBrk="1" fontAlgn="auto" latinLnBrk="0" hangingPunct="1">
+              <a:lnSpc>
+                <a:spcPct val="100000"/>
+              </a:lnSpc>
+              <a:spcBef>
+                <a:spcPts val="0"/>
+              </a:spcBef>
+              <a:spcAft>
+                <a:spcPts val="0"/>
+              </a:spcAft>
+              <a:buClrTx/>
+              <a:buSzTx/>
+              <a:buFontTx/>
+              <a:buNone/>
+              <a:tabLst/>
+              <a:defRPr/>
+            </a:pPr>
+            <a:r>
+              <a:rPr lang="tr-TR" dirty="0">
+                <a:solidFill>
+                  <a:srgbClr val="FF0000"/>
+                </a:solidFill>
+              </a:rPr>
+              <a:t>CHECK: </a:t>
+            </a:r>
+            <a:r>
+              <a:rPr lang="de-AT" dirty="0">
+                <a:solidFill>
+                  <a:srgbClr val="FF0000"/>
+                </a:solidFill>
+              </a:rPr>
+              <a:t>https://objectbox.io/how-ev-charging-benefits-from-edge-computing/</a:t>
+            </a:r>
+          </a:p>
+          <a:p>
+            <a:endParaRPr lang="en-US" dirty="0"/>
+          </a:p>
+        </p:txBody>
+      </p:sp>
+      <p:sp>
+        <p:nvSpPr>
+          <p:cNvPr id="4" name="Slide Number Placeholder 3"/>
+          <p:cNvSpPr>
+            <a:spLocks noGrp="1"/>
+          </p:cNvSpPr>
+          <p:nvPr>
+            <p:ph type="sldNum" sz="quarter" idx="5"/>
+          </p:nvPr>
+        </p:nvSpPr>
+        <p:spPr/>
+        <p:txBody>
+          <a:bodyPr/>
+          <a:lstStyle/>
+          <a:p>
+            <a:fld id="{11014FF8-50FA-41AB-9B1B-6B01440C5E34}" type="slidenum">
+              <a:rPr lang="en-US" smtClean="0"/>
+              <a:t>11</a:t>
+            </a:fld>
+            <a:endParaRPr lang="en-US"/>
+          </a:p>
+        </p:txBody>
+      </p:sp>
+    </p:spTree>
+    <p:extLst>
+      <p:ext uri="{BB962C8B-B14F-4D97-AF65-F5344CB8AC3E}">
+        <p14:creationId xmlns:p14="http://schemas.microsoft.com/office/powerpoint/2010/main" val="2006398451"/>
+      </p:ext>
+    </p:extLst>
+  </p:cSld>
+  <p:clrMapOvr>
+    <a:masterClrMapping/>
+  </p:clrMapOvr>
+</p:notes>
 </file>
 
 <file path=ppt/slideLayouts/slideLayout1.xml><?xml version="1.0" encoding="utf-8"?>
@@ -4635,6 +5107,6005 @@
           <p:cNvPr id="2" name="Title 1">
             <a:extLst>
               <a:ext uri="{FF2B5EF4-FFF2-40B4-BE49-F238E27FC236}">
+                <a16:creationId xmlns:a16="http://schemas.microsoft.com/office/drawing/2014/main" id="{9B7BCF53-9CFD-4D9F-83D8-47F865F273F8}"/>
+              </a:ext>
+            </a:extLst>
+          </p:cNvPr>
+          <p:cNvSpPr>
+            <a:spLocks noGrp="1"/>
+          </p:cNvSpPr>
+          <p:nvPr>
+            <p:ph type="title"/>
+          </p:nvPr>
+        </p:nvSpPr>
+        <p:spPr>
+          <a:xfrm>
+            <a:off x="1066800" y="129374"/>
+            <a:ext cx="5579327" cy="3095696"/>
+          </a:xfrm>
+        </p:spPr>
+        <p:txBody>
+          <a:bodyPr>
+            <a:normAutofit fontScale="90000"/>
+          </a:bodyPr>
+          <a:lstStyle/>
+          <a:p>
+            <a:r>
+              <a:rPr lang="en-GB" dirty="0"/>
+              <a:t>Car charging state</a:t>
+            </a:r>
+            <a:br>
+              <a:rPr lang="en-GB" dirty="0"/>
+            </a:br>
+            <a:r>
+              <a:rPr lang="en-GB" dirty="0"/>
+              <a:t>State/Event Table </a:t>
+            </a:r>
+            <a:br>
+              <a:rPr lang="en-GB" dirty="0"/>
+            </a:br>
+            <a:r>
+              <a:rPr lang="en-GB" dirty="0"/>
+              <a:t>MANDATORY test cases</a:t>
+            </a:r>
+            <a:br>
+              <a:rPr lang="en-GB" dirty="0"/>
+            </a:br>
+            <a:r>
+              <a:rPr lang="en-GB" dirty="0"/>
+              <a:t>(ACCEPTANCE TEST)</a:t>
+            </a:r>
+          </a:p>
+        </p:txBody>
+      </p:sp>
+      <p:pic>
+        <p:nvPicPr>
+          <p:cNvPr id="5" name="Picture 4">
+            <a:extLst>
+              <a:ext uri="{FF2B5EF4-FFF2-40B4-BE49-F238E27FC236}">
+                <a16:creationId xmlns:a16="http://schemas.microsoft.com/office/drawing/2014/main" id="{20391F2F-A7C9-498C-9778-5D1CAFFCB999}"/>
+              </a:ext>
+            </a:extLst>
+          </p:cNvPr>
+          <p:cNvPicPr>
+            <a:picLocks noChangeAspect="1"/>
+          </p:cNvPicPr>
+          <p:nvPr/>
+        </p:nvPicPr>
+        <p:blipFill>
+          <a:blip r:embed="rId2"/>
+          <a:stretch>
+            <a:fillRect/>
+          </a:stretch>
+        </p:blipFill>
+        <p:spPr>
+          <a:xfrm>
+            <a:off x="7939668" y="129374"/>
+            <a:ext cx="4252332" cy="3095697"/>
+          </a:xfrm>
+          <a:prstGeom prst="rect">
+            <a:avLst/>
+          </a:prstGeom>
+        </p:spPr>
+      </p:pic>
+      <p:graphicFrame>
+        <p:nvGraphicFramePr>
+          <p:cNvPr id="9" name="Table 9">
+            <a:extLst>
+              <a:ext uri="{FF2B5EF4-FFF2-40B4-BE49-F238E27FC236}">
+                <a16:creationId xmlns:a16="http://schemas.microsoft.com/office/drawing/2014/main" id="{BBA8A266-2FE4-48EF-B2E6-2B95A0C29AA1}"/>
+              </a:ext>
+            </a:extLst>
+          </p:cNvPr>
+          <p:cNvGraphicFramePr>
+            <a:graphicFrameLocks noGrp="1"/>
+          </p:cNvGraphicFramePr>
+          <p:nvPr/>
+        </p:nvGraphicFramePr>
+        <p:xfrm>
+          <a:off x="201478" y="3632930"/>
+          <a:ext cx="11546239" cy="2270760"/>
+        </p:xfrm>
+        <a:graphic>
+          <a:graphicData uri="http://schemas.openxmlformats.org/drawingml/2006/table">
+            <a:tbl>
+              <a:tblPr firstRow="1" bandRow="1">
+                <a:tableStyleId>{5C22544A-7EE6-4342-B048-85BDC9FD1C3A}</a:tableStyleId>
+              </a:tblPr>
+              <a:tblGrid>
+                <a:gridCol w="2309248">
+                  <a:extLst>
+                    <a:ext uri="{9D8B030D-6E8A-4147-A177-3AD203B41FA5}">
+                      <a16:colId xmlns:a16="http://schemas.microsoft.com/office/drawing/2014/main" val="2775593619"/>
+                    </a:ext>
+                  </a:extLst>
+                </a:gridCol>
+                <a:gridCol w="2448907">
+                  <a:extLst>
+                    <a:ext uri="{9D8B030D-6E8A-4147-A177-3AD203B41FA5}">
+                      <a16:colId xmlns:a16="http://schemas.microsoft.com/office/drawing/2014/main" val="2137340134"/>
+                    </a:ext>
+                  </a:extLst>
+                </a:gridCol>
+                <a:gridCol w="2169588">
+                  <a:extLst>
+                    <a:ext uri="{9D8B030D-6E8A-4147-A177-3AD203B41FA5}">
+                      <a16:colId xmlns:a16="http://schemas.microsoft.com/office/drawing/2014/main" val="4065161330"/>
+                    </a:ext>
+                  </a:extLst>
+                </a:gridCol>
+                <a:gridCol w="2309248">
+                  <a:extLst>
+                    <a:ext uri="{9D8B030D-6E8A-4147-A177-3AD203B41FA5}">
+                      <a16:colId xmlns:a16="http://schemas.microsoft.com/office/drawing/2014/main" val="1197519383"/>
+                    </a:ext>
+                  </a:extLst>
+                </a:gridCol>
+                <a:gridCol w="2309248">
+                  <a:extLst>
+                    <a:ext uri="{9D8B030D-6E8A-4147-A177-3AD203B41FA5}">
+                      <a16:colId xmlns:a16="http://schemas.microsoft.com/office/drawing/2014/main" val="2062070662"/>
+                    </a:ext>
+                  </a:extLst>
+                </a:gridCol>
+              </a:tblGrid>
+              <a:tr h="370840">
+                <a:tc>
+                  <a:txBody>
+                    <a:bodyPr/>
+                    <a:lstStyle/>
+                    <a:p>
+                      <a:r>
+                        <a:rPr lang="tr-TR" sz="1600" dirty="0"/>
+                        <a:t>Test Case</a:t>
+                      </a:r>
+                      <a:endParaRPr lang="de-AT" sz="1600" dirty="0"/>
+                    </a:p>
+                  </a:txBody>
+                  <a:tcPr/>
+                </a:tc>
+                <a:tc>
+                  <a:txBody>
+                    <a:bodyPr/>
+                    <a:lstStyle/>
+                    <a:p>
+                      <a:r>
+                        <a:rPr lang="tr-TR" sz="1600" dirty="0"/>
+                        <a:t>TC #1</a:t>
+                      </a:r>
+                      <a:endParaRPr lang="de-AT" sz="1600" dirty="0"/>
+                    </a:p>
+                  </a:txBody>
+                  <a:tcPr/>
+                </a:tc>
+                <a:tc>
+                  <a:txBody>
+                    <a:bodyPr/>
+                    <a:lstStyle/>
+                    <a:p>
+                      <a:pPr marL="0" marR="0" lvl="0" indent="0" algn="l" defTabSz="914400" rtl="0" eaLnBrk="1" fontAlgn="auto" latinLnBrk="0" hangingPunct="1">
+                        <a:lnSpc>
+                          <a:spcPct val="100000"/>
+                        </a:lnSpc>
+                        <a:spcBef>
+                          <a:spcPts val="0"/>
+                        </a:spcBef>
+                        <a:spcAft>
+                          <a:spcPts val="0"/>
+                        </a:spcAft>
+                        <a:buClrTx/>
+                        <a:buSzTx/>
+                        <a:buFontTx/>
+                        <a:buNone/>
+                        <a:tabLst/>
+                        <a:defRPr/>
+                      </a:pPr>
+                      <a:r>
+                        <a:rPr lang="tr-TR" sz="1600" dirty="0"/>
+                        <a:t>TC #2</a:t>
+                      </a:r>
+                      <a:endParaRPr lang="de-AT" sz="1600" dirty="0"/>
+                    </a:p>
+                  </a:txBody>
+                  <a:tcPr/>
+                </a:tc>
+                <a:tc>
+                  <a:txBody>
+                    <a:bodyPr/>
+                    <a:lstStyle/>
+                    <a:p>
+                      <a:pPr marL="0" marR="0" lvl="0" indent="0" algn="l" defTabSz="914400" rtl="0" eaLnBrk="1" fontAlgn="auto" latinLnBrk="0" hangingPunct="1">
+                        <a:lnSpc>
+                          <a:spcPct val="100000"/>
+                        </a:lnSpc>
+                        <a:spcBef>
+                          <a:spcPts val="0"/>
+                        </a:spcBef>
+                        <a:spcAft>
+                          <a:spcPts val="0"/>
+                        </a:spcAft>
+                        <a:buClrTx/>
+                        <a:buSzTx/>
+                        <a:buFontTx/>
+                        <a:buNone/>
+                        <a:tabLst/>
+                        <a:defRPr/>
+                      </a:pPr>
+                      <a:r>
+                        <a:rPr lang="tr-TR" sz="1600" dirty="0"/>
+                        <a:t>TC #3</a:t>
+                      </a:r>
+                      <a:endParaRPr lang="de-AT" sz="1600" dirty="0"/>
+                    </a:p>
+                  </a:txBody>
+                  <a:tcPr/>
+                </a:tc>
+                <a:tc>
+                  <a:txBody>
+                    <a:bodyPr/>
+                    <a:lstStyle/>
+                    <a:p>
+                      <a:pPr marL="0" marR="0" lvl="0" indent="0" algn="l" defTabSz="914400" rtl="0" eaLnBrk="1" fontAlgn="auto" latinLnBrk="0" hangingPunct="1">
+                        <a:lnSpc>
+                          <a:spcPct val="100000"/>
+                        </a:lnSpc>
+                        <a:spcBef>
+                          <a:spcPts val="0"/>
+                        </a:spcBef>
+                        <a:spcAft>
+                          <a:spcPts val="0"/>
+                        </a:spcAft>
+                        <a:buClrTx/>
+                        <a:buSzTx/>
+                        <a:buFontTx/>
+                        <a:buNone/>
+                        <a:tabLst/>
+                        <a:defRPr/>
+                      </a:pPr>
+                      <a:r>
+                        <a:rPr lang="tr-TR" sz="1600" dirty="0"/>
+                        <a:t>TC #4</a:t>
+                      </a:r>
+                      <a:endParaRPr lang="de-AT" sz="1600" dirty="0"/>
+                    </a:p>
+                  </a:txBody>
+                  <a:tcPr/>
+                </a:tc>
+                <a:extLst>
+                  <a:ext uri="{0D108BD9-81ED-4DB2-BD59-A6C34878D82A}">
+                    <a16:rowId xmlns:a16="http://schemas.microsoft.com/office/drawing/2014/main" val="3527071722"/>
+                  </a:ext>
+                </a:extLst>
+              </a:tr>
+              <a:tr h="370840">
+                <a:tc>
+                  <a:txBody>
+                    <a:bodyPr/>
+                    <a:lstStyle/>
+                    <a:p>
+                      <a:r>
+                        <a:rPr lang="tr-TR" sz="1600" dirty="0"/>
+                        <a:t>Start state</a:t>
+                      </a:r>
+                      <a:endParaRPr lang="de-AT" sz="1600" dirty="0"/>
+                    </a:p>
+                  </a:txBody>
+                  <a:tcPr/>
+                </a:tc>
+                <a:tc>
+                  <a:txBody>
+                    <a:bodyPr/>
+                    <a:lstStyle/>
+                    <a:p>
+                      <a:r>
+                        <a:rPr lang="tr-TR" sz="1600" dirty="0"/>
+                        <a:t>Ready to charge</a:t>
+                      </a:r>
+                      <a:endParaRPr lang="de-AT" sz="1600" dirty="0"/>
+                    </a:p>
+                  </a:txBody>
+                  <a:tcPr/>
+                </a:tc>
+                <a:tc>
+                  <a:txBody>
+                    <a:bodyPr/>
+                    <a:lstStyle/>
+                    <a:p>
+                      <a:r>
+                        <a:rPr lang="tr-TR" sz="1600" dirty="0"/>
+                        <a:t>Vehicle connected</a:t>
+                      </a:r>
+                      <a:endParaRPr lang="de-AT" sz="1600" dirty="0"/>
+                    </a:p>
+                  </a:txBody>
+                  <a:tcPr/>
+                </a:tc>
+                <a:tc>
+                  <a:txBody>
+                    <a:bodyPr/>
+                    <a:lstStyle/>
+                    <a:p>
+                      <a:pPr marL="0" marR="0" lvl="0" indent="0" algn="l" defTabSz="914400" rtl="0" eaLnBrk="1" fontAlgn="auto" latinLnBrk="0" hangingPunct="1">
+                        <a:lnSpc>
+                          <a:spcPct val="100000"/>
+                        </a:lnSpc>
+                        <a:spcBef>
+                          <a:spcPts val="0"/>
+                        </a:spcBef>
+                        <a:spcAft>
+                          <a:spcPts val="0"/>
+                        </a:spcAft>
+                        <a:buClrTx/>
+                        <a:buSzTx/>
+                        <a:buFontTx/>
+                        <a:buNone/>
+                        <a:tabLst/>
+                        <a:defRPr/>
+                      </a:pPr>
+                      <a:r>
+                        <a:rPr lang="tr-TR" sz="1600" dirty="0"/>
+                        <a:t>vehicle charging</a:t>
+                      </a:r>
+                      <a:endParaRPr lang="de-AT" sz="1600" dirty="0"/>
+                    </a:p>
+                  </a:txBody>
+                  <a:tcPr/>
+                </a:tc>
+                <a:tc>
+                  <a:txBody>
+                    <a:bodyPr/>
+                    <a:lstStyle/>
+                    <a:p>
+                      <a:pPr marL="0" marR="0" lvl="0" indent="0" algn="l" defTabSz="914400" rtl="0" eaLnBrk="1" fontAlgn="auto" latinLnBrk="0" hangingPunct="1">
+                        <a:lnSpc>
+                          <a:spcPct val="100000"/>
+                        </a:lnSpc>
+                        <a:spcBef>
+                          <a:spcPts val="0"/>
+                        </a:spcBef>
+                        <a:spcAft>
+                          <a:spcPts val="0"/>
+                        </a:spcAft>
+                        <a:buClrTx/>
+                        <a:buSzTx/>
+                        <a:buFontTx/>
+                        <a:buNone/>
+                        <a:tabLst/>
+                        <a:defRPr/>
+                      </a:pPr>
+                      <a:r>
+                        <a:rPr lang="tr-TR" sz="1600" dirty="0"/>
+                        <a:t>Vehicle connected</a:t>
+                      </a:r>
+                      <a:endParaRPr lang="de-AT" sz="1600" dirty="0"/>
+                    </a:p>
+                  </a:txBody>
+                  <a:tcPr/>
+                </a:tc>
+                <a:extLst>
+                  <a:ext uri="{0D108BD9-81ED-4DB2-BD59-A6C34878D82A}">
+                    <a16:rowId xmlns:a16="http://schemas.microsoft.com/office/drawing/2014/main" val="2131982300"/>
+                  </a:ext>
+                </a:extLst>
+              </a:tr>
+              <a:tr h="370840">
+                <a:tc>
+                  <a:txBody>
+                    <a:bodyPr/>
+                    <a:lstStyle/>
+                    <a:p>
+                      <a:r>
+                        <a:rPr lang="tr-TR" sz="1600" dirty="0"/>
+                        <a:t>Event/Input</a:t>
+                      </a:r>
+                      <a:endParaRPr lang="de-AT" sz="1600" dirty="0"/>
+                    </a:p>
+                  </a:txBody>
+                  <a:tcPr/>
+                </a:tc>
+                <a:tc>
+                  <a:txBody>
+                    <a:bodyPr/>
+                    <a:lstStyle/>
+                    <a:p>
+                      <a:r>
+                        <a:rPr lang="tr-TR" sz="1600" dirty="0"/>
+                        <a:t>Vehicle_connected</a:t>
+                      </a:r>
+                      <a:endParaRPr lang="de-AT" sz="1600" dirty="0"/>
+                    </a:p>
+                  </a:txBody>
+                  <a:tcPr/>
+                </a:tc>
+                <a:tc>
+                  <a:txBody>
+                    <a:bodyPr/>
+                    <a:lstStyle/>
+                    <a:p>
+                      <a:pPr marL="0" marR="0" lvl="0" indent="0" algn="l" defTabSz="914400" rtl="0" eaLnBrk="1" fontAlgn="auto" latinLnBrk="0" hangingPunct="1">
+                        <a:lnSpc>
+                          <a:spcPct val="100000"/>
+                        </a:lnSpc>
+                        <a:spcBef>
+                          <a:spcPts val="0"/>
+                        </a:spcBef>
+                        <a:spcAft>
+                          <a:spcPts val="0"/>
+                        </a:spcAft>
+                        <a:buClrTx/>
+                        <a:buSzTx/>
+                        <a:buFontTx/>
+                        <a:buNone/>
+                        <a:tabLst/>
+                        <a:defRPr/>
+                      </a:pPr>
+                      <a:r>
+                        <a:rPr lang="tr-TR" sz="1600" dirty="0"/>
+                        <a:t>Start_charging</a:t>
+                      </a:r>
+                    </a:p>
+                  </a:txBody>
+                  <a:tcPr/>
+                </a:tc>
+                <a:tc>
+                  <a:txBody>
+                    <a:bodyPr/>
+                    <a:lstStyle/>
+                    <a:p>
+                      <a:pPr marL="0" marR="0" lvl="0" indent="0" algn="l" defTabSz="914400" rtl="0" eaLnBrk="1" fontAlgn="auto" latinLnBrk="0" hangingPunct="1">
+                        <a:lnSpc>
+                          <a:spcPct val="100000"/>
+                        </a:lnSpc>
+                        <a:spcBef>
+                          <a:spcPts val="0"/>
+                        </a:spcBef>
+                        <a:spcAft>
+                          <a:spcPts val="0"/>
+                        </a:spcAft>
+                        <a:buClrTx/>
+                        <a:buSzTx/>
+                        <a:buFontTx/>
+                        <a:buNone/>
+                        <a:tabLst/>
+                        <a:defRPr/>
+                      </a:pPr>
+                      <a:r>
+                        <a:rPr lang="tr-TR" sz="1600" dirty="0"/>
+                        <a:t>Stop_charging</a:t>
+                      </a:r>
+                      <a:endParaRPr lang="de-AT" sz="1600" dirty="0"/>
+                    </a:p>
+                  </a:txBody>
+                  <a:tcPr/>
+                </a:tc>
+                <a:tc>
+                  <a:txBody>
+                    <a:bodyPr/>
+                    <a:lstStyle/>
+                    <a:p>
+                      <a:pPr marL="0" marR="0" lvl="0" indent="0" algn="l" defTabSz="914400" rtl="0" eaLnBrk="1" fontAlgn="auto" latinLnBrk="0" hangingPunct="1">
+                        <a:lnSpc>
+                          <a:spcPct val="100000"/>
+                        </a:lnSpc>
+                        <a:spcBef>
+                          <a:spcPts val="0"/>
+                        </a:spcBef>
+                        <a:spcAft>
+                          <a:spcPts val="0"/>
+                        </a:spcAft>
+                        <a:buClrTx/>
+                        <a:buSzTx/>
+                        <a:buFontTx/>
+                        <a:buNone/>
+                        <a:tabLst/>
+                        <a:defRPr/>
+                      </a:pPr>
+                      <a:r>
+                        <a:rPr lang="tr-TR" sz="1600" dirty="0"/>
+                        <a:t>Vehicle_disconnected</a:t>
+                      </a:r>
+                      <a:endParaRPr lang="de-AT" sz="1600" dirty="0"/>
+                    </a:p>
+                    <a:p>
+                      <a:endParaRPr lang="de-AT" sz="1600" dirty="0"/>
+                    </a:p>
+                  </a:txBody>
+                  <a:tcPr/>
+                </a:tc>
+                <a:extLst>
+                  <a:ext uri="{0D108BD9-81ED-4DB2-BD59-A6C34878D82A}">
+                    <a16:rowId xmlns:a16="http://schemas.microsoft.com/office/drawing/2014/main" val="701844438"/>
+                  </a:ext>
+                </a:extLst>
+              </a:tr>
+              <a:tr h="370840">
+                <a:tc>
+                  <a:txBody>
+                    <a:bodyPr/>
+                    <a:lstStyle/>
+                    <a:p>
+                      <a:r>
+                        <a:rPr lang="tr-TR" sz="1600" dirty="0"/>
+                        <a:t>Expected Output</a:t>
+                      </a:r>
+                      <a:endParaRPr lang="de-AT" sz="1600" dirty="0"/>
+                    </a:p>
+                  </a:txBody>
+                  <a:tcPr/>
+                </a:tc>
+                <a:tc>
+                  <a:txBody>
+                    <a:bodyPr/>
+                    <a:lstStyle/>
+                    <a:p>
+                      <a:pPr marL="0" marR="0" lvl="0" indent="0" algn="l" defTabSz="914400" rtl="0" eaLnBrk="1" fontAlgn="auto" latinLnBrk="0" hangingPunct="1">
+                        <a:lnSpc>
+                          <a:spcPct val="100000"/>
+                        </a:lnSpc>
+                        <a:spcBef>
+                          <a:spcPts val="0"/>
+                        </a:spcBef>
+                        <a:spcAft>
+                          <a:spcPts val="0"/>
+                        </a:spcAft>
+                        <a:buClrTx/>
+                        <a:buSzTx/>
+                        <a:buFontTx/>
+                        <a:buNone/>
+                        <a:tabLst/>
+                        <a:defRPr/>
+                      </a:pPr>
+                      <a:r>
+                        <a:rPr lang="tr-TR" sz="1600" dirty="0"/>
+                        <a:t>«Vehicle connected»</a:t>
+                      </a:r>
+                      <a:endParaRPr lang="de-AT" sz="1600" dirty="0"/>
+                    </a:p>
+                  </a:txBody>
+                  <a:tcPr/>
+                </a:tc>
+                <a:tc>
+                  <a:txBody>
+                    <a:bodyPr/>
+                    <a:lstStyle/>
+                    <a:p>
+                      <a:pPr marL="0" marR="0" lvl="0" indent="0" algn="l" defTabSz="914400" rtl="0" eaLnBrk="1" fontAlgn="auto" latinLnBrk="0" hangingPunct="1">
+                        <a:lnSpc>
+                          <a:spcPct val="100000"/>
+                        </a:lnSpc>
+                        <a:spcBef>
+                          <a:spcPts val="0"/>
+                        </a:spcBef>
+                        <a:spcAft>
+                          <a:spcPts val="0"/>
+                        </a:spcAft>
+                        <a:buClrTx/>
+                        <a:buSzTx/>
+                        <a:buFontTx/>
+                        <a:buNone/>
+                        <a:tabLst/>
+                        <a:defRPr/>
+                      </a:pPr>
+                      <a:r>
+                        <a:rPr lang="tr-TR" sz="1600" dirty="0"/>
+                        <a:t>«vehicle charging»</a:t>
+                      </a:r>
+                      <a:endParaRPr lang="de-AT" sz="1600" dirty="0"/>
+                    </a:p>
+                  </a:txBody>
+                  <a:tcPr/>
+                </a:tc>
+                <a:tc>
+                  <a:txBody>
+                    <a:bodyPr/>
+                    <a:lstStyle/>
+                    <a:p>
+                      <a:pPr marL="0" marR="0" lvl="0" indent="0" algn="l" defTabSz="914400" rtl="0" eaLnBrk="1" fontAlgn="auto" latinLnBrk="0" hangingPunct="1">
+                        <a:lnSpc>
+                          <a:spcPct val="100000"/>
+                        </a:lnSpc>
+                        <a:spcBef>
+                          <a:spcPts val="0"/>
+                        </a:spcBef>
+                        <a:spcAft>
+                          <a:spcPts val="0"/>
+                        </a:spcAft>
+                        <a:buClrTx/>
+                        <a:buSzTx/>
+                        <a:buFontTx/>
+                        <a:buNone/>
+                        <a:tabLst/>
+                        <a:defRPr/>
+                      </a:pPr>
+                      <a:r>
+                        <a:rPr lang="tr-TR" sz="1600" dirty="0"/>
+                        <a:t>«Vehicle connected»</a:t>
+                      </a:r>
+                      <a:endParaRPr lang="de-AT" sz="1600" dirty="0"/>
+                    </a:p>
+                  </a:txBody>
+                  <a:tcPr/>
+                </a:tc>
+                <a:tc>
+                  <a:txBody>
+                    <a:bodyPr/>
+                    <a:lstStyle/>
+                    <a:p>
+                      <a:pPr marL="0" marR="0" lvl="0" indent="0" algn="l" defTabSz="914400" rtl="0" eaLnBrk="1" fontAlgn="auto" latinLnBrk="0" hangingPunct="1">
+                        <a:lnSpc>
+                          <a:spcPct val="100000"/>
+                        </a:lnSpc>
+                        <a:spcBef>
+                          <a:spcPts val="0"/>
+                        </a:spcBef>
+                        <a:spcAft>
+                          <a:spcPts val="0"/>
+                        </a:spcAft>
+                        <a:buClrTx/>
+                        <a:buSzTx/>
+                        <a:buFontTx/>
+                        <a:buNone/>
+                        <a:tabLst/>
+                        <a:defRPr/>
+                      </a:pPr>
+                      <a:r>
+                        <a:rPr lang="tr-TR" sz="1600" dirty="0"/>
+                        <a:t>«Vehicle disconnected»</a:t>
+                      </a:r>
+                      <a:endParaRPr lang="de-AT" sz="1600" dirty="0"/>
+                    </a:p>
+                  </a:txBody>
+                  <a:tcPr/>
+                </a:tc>
+                <a:extLst>
+                  <a:ext uri="{0D108BD9-81ED-4DB2-BD59-A6C34878D82A}">
+                    <a16:rowId xmlns:a16="http://schemas.microsoft.com/office/drawing/2014/main" val="4246435766"/>
+                  </a:ext>
+                </a:extLst>
+              </a:tr>
+              <a:tr h="370840">
+                <a:tc>
+                  <a:txBody>
+                    <a:bodyPr/>
+                    <a:lstStyle/>
+                    <a:p>
+                      <a:r>
+                        <a:rPr lang="tr-TR" sz="1600" dirty="0"/>
+                        <a:t>End state</a:t>
+                      </a:r>
+                      <a:endParaRPr lang="de-AT" sz="1600" dirty="0"/>
+                    </a:p>
+                  </a:txBody>
+                  <a:tcPr/>
+                </a:tc>
+                <a:tc>
+                  <a:txBody>
+                    <a:bodyPr/>
+                    <a:lstStyle/>
+                    <a:p>
+                      <a:pPr marL="0" marR="0" lvl="0" indent="0" algn="l" defTabSz="914400" rtl="0" eaLnBrk="1" fontAlgn="auto" latinLnBrk="0" hangingPunct="1">
+                        <a:lnSpc>
+                          <a:spcPct val="100000"/>
+                        </a:lnSpc>
+                        <a:spcBef>
+                          <a:spcPts val="0"/>
+                        </a:spcBef>
+                        <a:spcAft>
+                          <a:spcPts val="0"/>
+                        </a:spcAft>
+                        <a:buClrTx/>
+                        <a:buSzTx/>
+                        <a:buFontTx/>
+                        <a:buNone/>
+                        <a:tabLst/>
+                        <a:defRPr/>
+                      </a:pPr>
+                      <a:r>
+                        <a:rPr lang="tr-TR" sz="1600" dirty="0"/>
+                        <a:t>Vehicle connected</a:t>
+                      </a:r>
+                      <a:endParaRPr lang="de-AT" sz="1600" dirty="0"/>
+                    </a:p>
+                  </a:txBody>
+                  <a:tcPr/>
+                </a:tc>
+                <a:tc>
+                  <a:txBody>
+                    <a:bodyPr/>
+                    <a:lstStyle/>
+                    <a:p>
+                      <a:pPr marL="0" marR="0" lvl="0" indent="0" algn="l" defTabSz="914400" rtl="0" eaLnBrk="1" fontAlgn="auto" latinLnBrk="0" hangingPunct="1">
+                        <a:lnSpc>
+                          <a:spcPct val="100000"/>
+                        </a:lnSpc>
+                        <a:spcBef>
+                          <a:spcPts val="0"/>
+                        </a:spcBef>
+                        <a:spcAft>
+                          <a:spcPts val="0"/>
+                        </a:spcAft>
+                        <a:buClrTx/>
+                        <a:buSzTx/>
+                        <a:buFontTx/>
+                        <a:buNone/>
+                        <a:tabLst/>
+                        <a:defRPr/>
+                      </a:pPr>
+                      <a:r>
+                        <a:rPr lang="tr-TR" sz="1600" dirty="0"/>
+                        <a:t>vehicle charging</a:t>
+                      </a:r>
+                      <a:endParaRPr lang="de-AT" sz="1600" dirty="0"/>
+                    </a:p>
+                  </a:txBody>
+                  <a:tcPr/>
+                </a:tc>
+                <a:tc>
+                  <a:txBody>
+                    <a:bodyPr/>
+                    <a:lstStyle/>
+                    <a:p>
+                      <a:pPr marL="0" marR="0" lvl="0" indent="0" algn="l" defTabSz="914400" rtl="0" eaLnBrk="1" fontAlgn="auto" latinLnBrk="0" hangingPunct="1">
+                        <a:lnSpc>
+                          <a:spcPct val="100000"/>
+                        </a:lnSpc>
+                        <a:spcBef>
+                          <a:spcPts val="0"/>
+                        </a:spcBef>
+                        <a:spcAft>
+                          <a:spcPts val="0"/>
+                        </a:spcAft>
+                        <a:buClrTx/>
+                        <a:buSzTx/>
+                        <a:buFontTx/>
+                        <a:buNone/>
+                        <a:tabLst/>
+                        <a:defRPr/>
+                      </a:pPr>
+                      <a:r>
+                        <a:rPr lang="tr-TR" sz="1600" dirty="0"/>
+                        <a:t>Vehicle connected</a:t>
+                      </a:r>
+                      <a:endParaRPr lang="de-AT" sz="1600" dirty="0"/>
+                    </a:p>
+                  </a:txBody>
+                  <a:tcPr/>
+                </a:tc>
+                <a:tc>
+                  <a:txBody>
+                    <a:bodyPr/>
+                    <a:lstStyle/>
+                    <a:p>
+                      <a:pPr marL="0" marR="0" lvl="0" indent="0" algn="l" defTabSz="914400" rtl="0" eaLnBrk="1" fontAlgn="auto" latinLnBrk="0" hangingPunct="1">
+                        <a:lnSpc>
+                          <a:spcPct val="100000"/>
+                        </a:lnSpc>
+                        <a:spcBef>
+                          <a:spcPts val="0"/>
+                        </a:spcBef>
+                        <a:spcAft>
+                          <a:spcPts val="0"/>
+                        </a:spcAft>
+                        <a:buClrTx/>
+                        <a:buSzTx/>
+                        <a:buFontTx/>
+                        <a:buNone/>
+                        <a:tabLst/>
+                        <a:defRPr/>
+                      </a:pPr>
+                      <a:r>
+                        <a:rPr lang="tr-TR" sz="1600" dirty="0"/>
+                        <a:t>Ready to charge</a:t>
+                      </a:r>
+                      <a:endParaRPr lang="de-AT" sz="1600" dirty="0"/>
+                    </a:p>
+                  </a:txBody>
+                  <a:tcPr/>
+                </a:tc>
+                <a:extLst>
+                  <a:ext uri="{0D108BD9-81ED-4DB2-BD59-A6C34878D82A}">
+                    <a16:rowId xmlns:a16="http://schemas.microsoft.com/office/drawing/2014/main" val="1942272626"/>
+                  </a:ext>
+                </a:extLst>
+              </a:tr>
+            </a:tbl>
+          </a:graphicData>
+        </a:graphic>
+      </p:graphicFrame>
+      <p:sp>
+        <p:nvSpPr>
+          <p:cNvPr id="11" name="Rectangle 10">
+            <a:extLst>
+              <a:ext uri="{FF2B5EF4-FFF2-40B4-BE49-F238E27FC236}">
+                <a16:creationId xmlns:a16="http://schemas.microsoft.com/office/drawing/2014/main" id="{A2675C9D-59CF-4F29-91A3-2F5DA858D1DA}"/>
+              </a:ext>
+            </a:extLst>
+          </p:cNvPr>
+          <p:cNvSpPr/>
+          <p:nvPr/>
+        </p:nvSpPr>
+        <p:spPr>
+          <a:xfrm>
+            <a:off x="0" y="6217272"/>
+            <a:ext cx="11990522" cy="569563"/>
+          </a:xfrm>
+          <a:prstGeom prst="rect">
+            <a:avLst/>
+          </a:prstGeom>
+          <a:solidFill>
+            <a:schemeClr val="bg1"/>
+          </a:solidFill>
+          <a:ln>
+            <a:solidFill>
+              <a:schemeClr val="bg2"/>
+            </a:solidFill>
+          </a:ln>
+        </p:spPr>
+        <p:style>
+          <a:lnRef idx="2">
+            <a:schemeClr val="accent1">
+              <a:shade val="50000"/>
+            </a:schemeClr>
+          </a:lnRef>
+          <a:fillRef idx="1">
+            <a:schemeClr val="accent1"/>
+          </a:fillRef>
+          <a:effectRef idx="0">
+            <a:schemeClr val="accent1"/>
+          </a:effectRef>
+          <a:fontRef idx="minor">
+            <a:schemeClr val="lt1"/>
+          </a:fontRef>
+        </p:style>
+        <p:txBody>
+          <a:bodyPr rtlCol="0" anchor="ctr"/>
+          <a:lstStyle/>
+          <a:p>
+            <a:pPr algn="ctr"/>
+            <a:endParaRPr lang="de-AT"/>
+          </a:p>
+        </p:txBody>
+      </p:sp>
+    </p:spTree>
+    <p:extLst>
+      <p:ext uri="{BB962C8B-B14F-4D97-AF65-F5344CB8AC3E}">
+        <p14:creationId xmlns:p14="http://schemas.microsoft.com/office/powerpoint/2010/main" val="337136024"/>
+      </p:ext>
+    </p:extLst>
+  </p:cSld>
+  <p:clrMapOvr>
+    <a:masterClrMapping/>
+  </p:clrMapOvr>
+</p:sld>
+</file>
+
+<file path=ppt/slides/slide11.xml><?xml version="1.0" encoding="utf-8"?>
+<p:sld xmlns:a="http://schemas.openxmlformats.org/drawingml/2006/main" xmlns:r="http://schemas.openxmlformats.org/officeDocument/2006/relationships" xmlns:p="http://schemas.openxmlformats.org/presentationml/2006/main">
+  <p:cSld>
+    <p:spTree>
+      <p:nvGrpSpPr>
+        <p:cNvPr id="1" name=""/>
+        <p:cNvGrpSpPr/>
+        <p:nvPr/>
+      </p:nvGrpSpPr>
+      <p:grpSpPr>
+        <a:xfrm>
+          <a:off x="0" y="0"/>
+          <a:ext cx="0" cy="0"/>
+          <a:chOff x="0" y="0"/>
+          <a:chExt cx="0" cy="0"/>
+        </a:xfrm>
+      </p:grpSpPr>
+      <p:grpSp>
+        <p:nvGrpSpPr>
+          <p:cNvPr id="109" name="Group 108">
+            <a:extLst>
+              <a:ext uri="{FF2B5EF4-FFF2-40B4-BE49-F238E27FC236}">
+                <a16:creationId xmlns:a16="http://schemas.microsoft.com/office/drawing/2014/main" id="{9C2DAB49-20C7-A486-779E-33BA7518FF86}"/>
+              </a:ext>
+            </a:extLst>
+          </p:cNvPr>
+          <p:cNvGrpSpPr/>
+          <p:nvPr/>
+        </p:nvGrpSpPr>
+        <p:grpSpPr>
+          <a:xfrm>
+            <a:off x="2332518" y="2999365"/>
+            <a:ext cx="6646953" cy="2513339"/>
+            <a:chOff x="2245491" y="150023"/>
+            <a:chExt cx="6646953" cy="2513339"/>
+          </a:xfrm>
+        </p:grpSpPr>
+        <p:pic>
+          <p:nvPicPr>
+            <p:cNvPr id="111" name="Picture 110">
+              <a:extLst>
+                <a:ext uri="{FF2B5EF4-FFF2-40B4-BE49-F238E27FC236}">
+                  <a16:creationId xmlns:a16="http://schemas.microsoft.com/office/drawing/2014/main" id="{249B795B-C728-4F34-9A83-E4CF47A28525}"/>
+                </a:ext>
+              </a:extLst>
+            </p:cNvPr>
+            <p:cNvPicPr>
+              <a:picLocks noChangeAspect="1"/>
+            </p:cNvPicPr>
+            <p:nvPr/>
+          </p:nvPicPr>
+          <p:blipFill>
+            <a:blip r:embed="rId3"/>
+            <a:stretch>
+              <a:fillRect/>
+            </a:stretch>
+          </p:blipFill>
+          <p:spPr>
+            <a:xfrm>
+              <a:off x="2245491" y="150023"/>
+              <a:ext cx="6646953" cy="2513339"/>
+            </a:xfrm>
+            <a:prstGeom prst="rect">
+              <a:avLst/>
+            </a:prstGeom>
+          </p:spPr>
+        </p:pic>
+        <p:sp>
+          <p:nvSpPr>
+            <p:cNvPr id="103" name="Rectangle: Rounded Corners 102">
+              <a:extLst>
+                <a:ext uri="{FF2B5EF4-FFF2-40B4-BE49-F238E27FC236}">
+                  <a16:creationId xmlns:a16="http://schemas.microsoft.com/office/drawing/2014/main" id="{0C18D966-3F1E-D59D-4900-D689D009D2E2}"/>
+                </a:ext>
+              </a:extLst>
+            </p:cNvPr>
+            <p:cNvSpPr/>
+            <p:nvPr/>
+          </p:nvSpPr>
+          <p:spPr>
+            <a:xfrm>
+              <a:off x="2430379" y="252663"/>
+              <a:ext cx="6256421" cy="2321240"/>
+            </a:xfrm>
+            <a:prstGeom prst="roundRect">
+              <a:avLst/>
+            </a:prstGeom>
+            <a:solidFill>
+              <a:srgbClr val="FFFFFF">
+                <a:alpha val="74902"/>
+              </a:srgbClr>
+            </a:solidFill>
+          </p:spPr>
+          <p:style>
+            <a:lnRef idx="2">
+              <a:schemeClr val="accent6"/>
+            </a:lnRef>
+            <a:fillRef idx="1">
+              <a:schemeClr val="lt1"/>
+            </a:fillRef>
+            <a:effectRef idx="0">
+              <a:schemeClr val="accent6"/>
+            </a:effectRef>
+            <a:fontRef idx="minor">
+              <a:schemeClr val="dk1"/>
+            </a:fontRef>
+          </p:style>
+          <p:txBody>
+            <a:bodyPr rtlCol="0" anchor="ctr"/>
+            <a:lstStyle/>
+            <a:p>
+              <a:pPr algn="ctr"/>
+              <a:endParaRPr lang="en-US"/>
+            </a:p>
+          </p:txBody>
+        </p:sp>
+      </p:grpSp>
+      <p:sp>
+        <p:nvSpPr>
+          <p:cNvPr id="2" name="Title 1">
+            <a:extLst>
+              <a:ext uri="{FF2B5EF4-FFF2-40B4-BE49-F238E27FC236}">
+                <a16:creationId xmlns:a16="http://schemas.microsoft.com/office/drawing/2014/main" id="{533D3FC1-9A74-44F1-B8E0-9196ADE4FA41}"/>
+              </a:ext>
+            </a:extLst>
+          </p:cNvPr>
+          <p:cNvSpPr>
+            <a:spLocks noGrp="1"/>
+          </p:cNvSpPr>
+          <p:nvPr>
+            <p:ph type="title"/>
+          </p:nvPr>
+        </p:nvSpPr>
+        <p:spPr>
+          <a:xfrm>
+            <a:off x="779488" y="153261"/>
+            <a:ext cx="11036591" cy="1706757"/>
+          </a:xfrm>
+        </p:spPr>
+        <p:txBody>
+          <a:bodyPr>
+            <a:noAutofit/>
+          </a:bodyPr>
+          <a:lstStyle/>
+          <a:p>
+            <a:r>
+              <a:rPr lang="de-AT" sz="4800" dirty="0"/>
+              <a:t>RECOMMENDED DEVELOPMENT/TEST ENVIRONMENT</a:t>
+            </a:r>
+            <a:br>
+              <a:rPr lang="de-AT" sz="4800" dirty="0"/>
+            </a:br>
+            <a:r>
+              <a:rPr lang="tr-TR" sz="4800" dirty="0"/>
+              <a:t>FORD CHARGER ApplIcatIon</a:t>
+            </a:r>
+            <a:endParaRPr lang="en-GB" sz="4800" dirty="0"/>
+          </a:p>
+        </p:txBody>
+      </p:sp>
+      <p:grpSp>
+        <p:nvGrpSpPr>
+          <p:cNvPr id="8" name="Group 7">
+            <a:extLst>
+              <a:ext uri="{FF2B5EF4-FFF2-40B4-BE49-F238E27FC236}">
+                <a16:creationId xmlns:a16="http://schemas.microsoft.com/office/drawing/2014/main" id="{50D2C02A-9F20-434C-BEBE-9F886B661181}"/>
+              </a:ext>
+            </a:extLst>
+          </p:cNvPr>
+          <p:cNvGrpSpPr/>
+          <p:nvPr/>
+        </p:nvGrpSpPr>
+        <p:grpSpPr>
+          <a:xfrm>
+            <a:off x="9626540" y="4280216"/>
+            <a:ext cx="1510629" cy="897133"/>
+            <a:chOff x="1734420" y="2048681"/>
+            <a:chExt cx="1510629" cy="897133"/>
+          </a:xfrm>
+        </p:grpSpPr>
+        <p:grpSp>
+          <p:nvGrpSpPr>
+            <p:cNvPr id="9" name="Group 8">
+              <a:extLst>
+                <a:ext uri="{FF2B5EF4-FFF2-40B4-BE49-F238E27FC236}">
+                  <a16:creationId xmlns:a16="http://schemas.microsoft.com/office/drawing/2014/main" id="{573825F5-E58F-4152-819B-A67FB7896284}"/>
+                </a:ext>
+              </a:extLst>
+            </p:cNvPr>
+            <p:cNvGrpSpPr/>
+            <p:nvPr/>
+          </p:nvGrpSpPr>
+          <p:grpSpPr>
+            <a:xfrm>
+              <a:off x="1979861" y="2048681"/>
+              <a:ext cx="1153418" cy="656419"/>
+              <a:chOff x="8314432" y="2039156"/>
+              <a:chExt cx="1153418" cy="656419"/>
+            </a:xfrm>
+          </p:grpSpPr>
+          <p:sp>
+            <p:nvSpPr>
+              <p:cNvPr id="11" name="Oval 10">
+                <a:extLst>
+                  <a:ext uri="{FF2B5EF4-FFF2-40B4-BE49-F238E27FC236}">
+                    <a16:creationId xmlns:a16="http://schemas.microsoft.com/office/drawing/2014/main" id="{E6EDF70F-10B3-4B77-9EC7-88D67AABD579}"/>
+                  </a:ext>
+                </a:extLst>
+              </p:cNvPr>
+              <p:cNvSpPr/>
+              <p:nvPr/>
+            </p:nvSpPr>
+            <p:spPr>
+              <a:xfrm>
+                <a:off x="8686800" y="2143125"/>
+                <a:ext cx="276225" cy="228600"/>
+              </a:xfrm>
+              <a:prstGeom prst="ellipse">
+                <a:avLst/>
+              </a:prstGeom>
+              <a:noFill/>
+              <a:ln w="19050">
+                <a:solidFill>
+                  <a:srgbClr val="0070C0"/>
+                </a:solidFill>
+              </a:ln>
+            </p:spPr>
+            <p:style>
+              <a:lnRef idx="2">
+                <a:schemeClr val="accent1">
+                  <a:shade val="50000"/>
+                </a:schemeClr>
+              </a:lnRef>
+              <a:fillRef idx="1">
+                <a:schemeClr val="accent1"/>
+              </a:fillRef>
+              <a:effectRef idx="0">
+                <a:schemeClr val="accent1"/>
+              </a:effectRef>
+              <a:fontRef idx="minor">
+                <a:schemeClr val="lt1"/>
+              </a:fontRef>
+            </p:style>
+            <p:txBody>
+              <a:bodyPr rtlCol="0" anchor="ctr"/>
+              <a:lstStyle/>
+              <a:p>
+                <a:pPr algn="ctr"/>
+                <a:endParaRPr lang="en-GB" sz="1200" dirty="0">
+                  <a:solidFill>
+                    <a:schemeClr val="tx1"/>
+                  </a:solidFill>
+                </a:endParaRPr>
+              </a:p>
+            </p:txBody>
+          </p:sp>
+          <p:sp>
+            <p:nvSpPr>
+              <p:cNvPr id="12" name="Arc 11">
+                <a:extLst>
+                  <a:ext uri="{FF2B5EF4-FFF2-40B4-BE49-F238E27FC236}">
+                    <a16:creationId xmlns:a16="http://schemas.microsoft.com/office/drawing/2014/main" id="{E274F893-5ECE-4CA8-8648-3C71C15683FD}"/>
+                  </a:ext>
+                </a:extLst>
+              </p:cNvPr>
+              <p:cNvSpPr/>
+              <p:nvPr/>
+            </p:nvSpPr>
+            <p:spPr>
+              <a:xfrm rot="11622756">
+                <a:off x="8829675" y="2181225"/>
+                <a:ext cx="638175" cy="514350"/>
+              </a:xfrm>
+              <a:prstGeom prst="arc">
+                <a:avLst/>
+              </a:prstGeom>
+              <a:ln w="19050">
+                <a:solidFill>
+                  <a:srgbClr val="0070C0"/>
+                </a:solidFill>
+              </a:ln>
+            </p:spPr>
+            <p:style>
+              <a:lnRef idx="1">
+                <a:schemeClr val="accent1"/>
+              </a:lnRef>
+              <a:fillRef idx="0">
+                <a:schemeClr val="accent1"/>
+              </a:fillRef>
+              <a:effectRef idx="0">
+                <a:schemeClr val="accent1"/>
+              </a:effectRef>
+              <a:fontRef idx="minor">
+                <a:schemeClr val="tx1"/>
+              </a:fontRef>
+            </p:style>
+            <p:txBody>
+              <a:bodyPr rtlCol="0" anchor="ctr"/>
+              <a:lstStyle/>
+              <a:p>
+                <a:pPr algn="ctr"/>
+                <a:endParaRPr lang="en-GB"/>
+              </a:p>
+            </p:txBody>
+          </p:sp>
+          <p:sp>
+            <p:nvSpPr>
+              <p:cNvPr id="13" name="Arc 12">
+                <a:extLst>
+                  <a:ext uri="{FF2B5EF4-FFF2-40B4-BE49-F238E27FC236}">
+                    <a16:creationId xmlns:a16="http://schemas.microsoft.com/office/drawing/2014/main" id="{4710222A-DE2A-4B2C-86F6-3D18B5B2888E}"/>
+                  </a:ext>
+                </a:extLst>
+              </p:cNvPr>
+              <p:cNvSpPr/>
+              <p:nvPr/>
+            </p:nvSpPr>
+            <p:spPr>
+              <a:xfrm rot="5724638">
+                <a:off x="8252519" y="2101069"/>
+                <a:ext cx="638175" cy="514350"/>
+              </a:xfrm>
+              <a:prstGeom prst="arc">
+                <a:avLst/>
+              </a:prstGeom>
+              <a:ln w="19050">
+                <a:solidFill>
+                  <a:srgbClr val="0070C0"/>
+                </a:solidFill>
+              </a:ln>
+            </p:spPr>
+            <p:style>
+              <a:lnRef idx="1">
+                <a:schemeClr val="accent1"/>
+              </a:lnRef>
+              <a:fillRef idx="0">
+                <a:schemeClr val="accent1"/>
+              </a:fillRef>
+              <a:effectRef idx="0">
+                <a:schemeClr val="accent1"/>
+              </a:effectRef>
+              <a:fontRef idx="minor">
+                <a:schemeClr val="tx1"/>
+              </a:fontRef>
+            </p:style>
+            <p:txBody>
+              <a:bodyPr rtlCol="0" anchor="ctr"/>
+              <a:lstStyle/>
+              <a:p>
+                <a:pPr algn="ctr"/>
+                <a:endParaRPr lang="en-GB"/>
+              </a:p>
+            </p:txBody>
+          </p:sp>
+        </p:grpSp>
+        <p:sp>
+          <p:nvSpPr>
+            <p:cNvPr id="10" name="Rectangle 9">
+              <a:extLst>
+                <a:ext uri="{FF2B5EF4-FFF2-40B4-BE49-F238E27FC236}">
+                  <a16:creationId xmlns:a16="http://schemas.microsoft.com/office/drawing/2014/main" id="{DF6CFE9F-CB3C-40A2-B2A2-6AC7B6B1E5CD}"/>
+                </a:ext>
+              </a:extLst>
+            </p:cNvPr>
+            <p:cNvSpPr/>
+            <p:nvPr/>
+          </p:nvSpPr>
+          <p:spPr>
+            <a:xfrm>
+              <a:off x="1734420" y="2668815"/>
+              <a:ext cx="1510629" cy="276999"/>
+            </a:xfrm>
+            <a:prstGeom prst="rect">
+              <a:avLst/>
+            </a:prstGeom>
+          </p:spPr>
+          <p:txBody>
+            <a:bodyPr wrap="square">
+              <a:spAutoFit/>
+            </a:bodyPr>
+            <a:lstStyle/>
+            <a:p>
+              <a:pPr algn="ctr"/>
+              <a:r>
+                <a:rPr lang="tr-TR" sz="1200" dirty="0">
+                  <a:solidFill>
+                    <a:srgbClr val="0070C0"/>
+                  </a:solidFill>
+                </a:rPr>
+                <a:t>Developer</a:t>
+              </a:r>
+              <a:endParaRPr lang="en-GB" sz="1200" dirty="0">
+                <a:solidFill>
+                  <a:srgbClr val="0070C0"/>
+                </a:solidFill>
+              </a:endParaRPr>
+            </a:p>
+          </p:txBody>
+        </p:sp>
+      </p:grpSp>
+      <p:grpSp>
+        <p:nvGrpSpPr>
+          <p:cNvPr id="14" name="Group 13">
+            <a:extLst>
+              <a:ext uri="{FF2B5EF4-FFF2-40B4-BE49-F238E27FC236}">
+                <a16:creationId xmlns:a16="http://schemas.microsoft.com/office/drawing/2014/main" id="{6DDE89F0-1C50-4421-AFE1-8182D230AD2A}"/>
+              </a:ext>
+            </a:extLst>
+          </p:cNvPr>
+          <p:cNvGrpSpPr/>
+          <p:nvPr/>
+        </p:nvGrpSpPr>
+        <p:grpSpPr>
+          <a:xfrm>
+            <a:off x="9620890" y="2460992"/>
+            <a:ext cx="1510629" cy="897133"/>
+            <a:chOff x="1734420" y="2048681"/>
+            <a:chExt cx="1510629" cy="897133"/>
+          </a:xfrm>
+        </p:grpSpPr>
+        <p:grpSp>
+          <p:nvGrpSpPr>
+            <p:cNvPr id="15" name="Group 14">
+              <a:extLst>
+                <a:ext uri="{FF2B5EF4-FFF2-40B4-BE49-F238E27FC236}">
+                  <a16:creationId xmlns:a16="http://schemas.microsoft.com/office/drawing/2014/main" id="{D62321EA-9C28-4477-9832-CE89D1B79B69}"/>
+                </a:ext>
+              </a:extLst>
+            </p:cNvPr>
+            <p:cNvGrpSpPr/>
+            <p:nvPr/>
+          </p:nvGrpSpPr>
+          <p:grpSpPr>
+            <a:xfrm>
+              <a:off x="1979861" y="2048681"/>
+              <a:ext cx="1153418" cy="656419"/>
+              <a:chOff x="8314432" y="2039156"/>
+              <a:chExt cx="1153418" cy="656419"/>
+            </a:xfrm>
+          </p:grpSpPr>
+          <p:sp>
+            <p:nvSpPr>
+              <p:cNvPr id="17" name="Oval 16">
+                <a:extLst>
+                  <a:ext uri="{FF2B5EF4-FFF2-40B4-BE49-F238E27FC236}">
+                    <a16:creationId xmlns:a16="http://schemas.microsoft.com/office/drawing/2014/main" id="{9FACF52B-CED1-4B6D-AD32-05955F43D450}"/>
+                  </a:ext>
+                </a:extLst>
+              </p:cNvPr>
+              <p:cNvSpPr/>
+              <p:nvPr/>
+            </p:nvSpPr>
+            <p:spPr>
+              <a:xfrm>
+                <a:off x="8686800" y="2143125"/>
+                <a:ext cx="276225" cy="228600"/>
+              </a:xfrm>
+              <a:prstGeom prst="ellipse">
+                <a:avLst/>
+              </a:prstGeom>
+              <a:noFill/>
+              <a:ln w="19050">
+                <a:solidFill>
+                  <a:srgbClr val="C00000"/>
+                </a:solidFill>
+              </a:ln>
+            </p:spPr>
+            <p:style>
+              <a:lnRef idx="2">
+                <a:schemeClr val="accent1">
+                  <a:shade val="50000"/>
+                </a:schemeClr>
+              </a:lnRef>
+              <a:fillRef idx="1">
+                <a:schemeClr val="accent1"/>
+              </a:fillRef>
+              <a:effectRef idx="0">
+                <a:schemeClr val="accent1"/>
+              </a:effectRef>
+              <a:fontRef idx="minor">
+                <a:schemeClr val="lt1"/>
+              </a:fontRef>
+            </p:style>
+            <p:txBody>
+              <a:bodyPr rtlCol="0" anchor="ctr"/>
+              <a:lstStyle/>
+              <a:p>
+                <a:pPr algn="ctr"/>
+                <a:endParaRPr lang="en-GB" sz="1200" dirty="0">
+                  <a:solidFill>
+                    <a:srgbClr val="C00000"/>
+                  </a:solidFill>
+                </a:endParaRPr>
+              </a:p>
+            </p:txBody>
+          </p:sp>
+          <p:sp>
+            <p:nvSpPr>
+              <p:cNvPr id="18" name="Arc 17">
+                <a:extLst>
+                  <a:ext uri="{FF2B5EF4-FFF2-40B4-BE49-F238E27FC236}">
+                    <a16:creationId xmlns:a16="http://schemas.microsoft.com/office/drawing/2014/main" id="{060F7751-C5FA-4C1F-A5EB-F502F625EABF}"/>
+                  </a:ext>
+                </a:extLst>
+              </p:cNvPr>
+              <p:cNvSpPr/>
+              <p:nvPr/>
+            </p:nvSpPr>
+            <p:spPr>
+              <a:xfrm rot="11622756">
+                <a:off x="8829675" y="2181225"/>
+                <a:ext cx="638175" cy="514350"/>
+              </a:xfrm>
+              <a:prstGeom prst="arc">
+                <a:avLst/>
+              </a:prstGeom>
+              <a:ln w="19050">
+                <a:solidFill>
+                  <a:srgbClr val="C00000"/>
+                </a:solidFill>
+              </a:ln>
+            </p:spPr>
+            <p:style>
+              <a:lnRef idx="1">
+                <a:schemeClr val="accent1"/>
+              </a:lnRef>
+              <a:fillRef idx="0">
+                <a:schemeClr val="accent1"/>
+              </a:fillRef>
+              <a:effectRef idx="0">
+                <a:schemeClr val="accent1"/>
+              </a:effectRef>
+              <a:fontRef idx="minor">
+                <a:schemeClr val="tx1"/>
+              </a:fontRef>
+            </p:style>
+            <p:txBody>
+              <a:bodyPr rtlCol="0" anchor="ctr"/>
+              <a:lstStyle/>
+              <a:p>
+                <a:pPr algn="ctr"/>
+                <a:endParaRPr lang="en-GB">
+                  <a:solidFill>
+                    <a:srgbClr val="C00000"/>
+                  </a:solidFill>
+                </a:endParaRPr>
+              </a:p>
+            </p:txBody>
+          </p:sp>
+          <p:sp>
+            <p:nvSpPr>
+              <p:cNvPr id="19" name="Arc 18">
+                <a:extLst>
+                  <a:ext uri="{FF2B5EF4-FFF2-40B4-BE49-F238E27FC236}">
+                    <a16:creationId xmlns:a16="http://schemas.microsoft.com/office/drawing/2014/main" id="{144CCE22-706E-4370-BC4B-12C49987A666}"/>
+                  </a:ext>
+                </a:extLst>
+              </p:cNvPr>
+              <p:cNvSpPr/>
+              <p:nvPr/>
+            </p:nvSpPr>
+            <p:spPr>
+              <a:xfrm rot="5724638">
+                <a:off x="8252519" y="2101069"/>
+                <a:ext cx="638175" cy="514350"/>
+              </a:xfrm>
+              <a:prstGeom prst="arc">
+                <a:avLst/>
+              </a:prstGeom>
+              <a:ln w="19050">
+                <a:solidFill>
+                  <a:srgbClr val="C00000"/>
+                </a:solidFill>
+              </a:ln>
+            </p:spPr>
+            <p:style>
+              <a:lnRef idx="1">
+                <a:schemeClr val="accent1"/>
+              </a:lnRef>
+              <a:fillRef idx="0">
+                <a:schemeClr val="accent1"/>
+              </a:fillRef>
+              <a:effectRef idx="0">
+                <a:schemeClr val="accent1"/>
+              </a:effectRef>
+              <a:fontRef idx="minor">
+                <a:schemeClr val="tx1"/>
+              </a:fontRef>
+            </p:style>
+            <p:txBody>
+              <a:bodyPr rtlCol="0" anchor="ctr"/>
+              <a:lstStyle/>
+              <a:p>
+                <a:pPr algn="ctr"/>
+                <a:endParaRPr lang="en-GB">
+                  <a:solidFill>
+                    <a:srgbClr val="C00000"/>
+                  </a:solidFill>
+                </a:endParaRPr>
+              </a:p>
+            </p:txBody>
+          </p:sp>
+        </p:grpSp>
+        <p:sp>
+          <p:nvSpPr>
+            <p:cNvPr id="16" name="Rectangle 15">
+              <a:extLst>
+                <a:ext uri="{FF2B5EF4-FFF2-40B4-BE49-F238E27FC236}">
+                  <a16:creationId xmlns:a16="http://schemas.microsoft.com/office/drawing/2014/main" id="{E6476675-80E3-4C39-BE2B-EBC8988F02D4}"/>
+                </a:ext>
+              </a:extLst>
+            </p:cNvPr>
+            <p:cNvSpPr/>
+            <p:nvPr/>
+          </p:nvSpPr>
+          <p:spPr>
+            <a:xfrm>
+              <a:off x="1734420" y="2668815"/>
+              <a:ext cx="1510629" cy="276999"/>
+            </a:xfrm>
+            <a:prstGeom prst="rect">
+              <a:avLst/>
+            </a:prstGeom>
+            <a:ln>
+              <a:noFill/>
+            </a:ln>
+          </p:spPr>
+          <p:txBody>
+            <a:bodyPr wrap="square">
+              <a:spAutoFit/>
+            </a:bodyPr>
+            <a:lstStyle/>
+            <a:p>
+              <a:pPr algn="ctr"/>
+              <a:r>
+                <a:rPr lang="tr-TR" sz="1200" dirty="0">
+                  <a:solidFill>
+                    <a:srgbClr val="C00000"/>
+                  </a:solidFill>
+                </a:rPr>
+                <a:t>UX/UI</a:t>
+              </a:r>
+              <a:endParaRPr lang="en-GB" sz="1200" dirty="0">
+                <a:solidFill>
+                  <a:srgbClr val="C00000"/>
+                </a:solidFill>
+              </a:endParaRPr>
+            </a:p>
+          </p:txBody>
+        </p:sp>
+      </p:grpSp>
+      <p:grpSp>
+        <p:nvGrpSpPr>
+          <p:cNvPr id="22" name="Group 21">
+            <a:extLst>
+              <a:ext uri="{FF2B5EF4-FFF2-40B4-BE49-F238E27FC236}">
+                <a16:creationId xmlns:a16="http://schemas.microsoft.com/office/drawing/2014/main" id="{BA18A5AB-18ED-40D6-998D-B295D0C612BE}"/>
+              </a:ext>
+            </a:extLst>
+          </p:cNvPr>
+          <p:cNvGrpSpPr/>
+          <p:nvPr/>
+        </p:nvGrpSpPr>
+        <p:grpSpPr>
+          <a:xfrm>
+            <a:off x="4117475" y="2959948"/>
+            <a:ext cx="2848045" cy="2579185"/>
+            <a:chOff x="4073280" y="1555023"/>
+            <a:chExt cx="2238860" cy="2148297"/>
+          </a:xfrm>
+        </p:grpSpPr>
+        <p:cxnSp>
+          <p:nvCxnSpPr>
+            <p:cNvPr id="78" name="Straight Connector 77">
+              <a:extLst>
+                <a:ext uri="{FF2B5EF4-FFF2-40B4-BE49-F238E27FC236}">
+                  <a16:creationId xmlns:a16="http://schemas.microsoft.com/office/drawing/2014/main" id="{9D937910-4304-4B95-A934-8E92683CA1E2}"/>
+                </a:ext>
+              </a:extLst>
+            </p:cNvPr>
+            <p:cNvCxnSpPr>
+              <a:cxnSpLocks/>
+            </p:cNvCxnSpPr>
+            <p:nvPr/>
+          </p:nvCxnSpPr>
+          <p:spPr>
+            <a:xfrm flipH="1">
+              <a:off x="4073280" y="1559378"/>
+              <a:ext cx="5074" cy="2143942"/>
+            </a:xfrm>
+            <a:prstGeom prst="line">
+              <a:avLst/>
+            </a:prstGeom>
+            <a:ln>
+              <a:solidFill>
+                <a:schemeClr val="accent1">
+                  <a:lumMod val="75000"/>
+                </a:schemeClr>
+              </a:solidFill>
+              <a:prstDash val="lgDash"/>
+            </a:ln>
+          </p:spPr>
+          <p:style>
+            <a:lnRef idx="1">
+              <a:schemeClr val="accent1"/>
+            </a:lnRef>
+            <a:fillRef idx="0">
+              <a:schemeClr val="accent1"/>
+            </a:fillRef>
+            <a:effectRef idx="0">
+              <a:schemeClr val="accent1"/>
+            </a:effectRef>
+            <a:fontRef idx="minor">
+              <a:schemeClr val="tx1"/>
+            </a:fontRef>
+          </p:style>
+        </p:cxnSp>
+        <p:cxnSp>
+          <p:nvCxnSpPr>
+            <p:cNvPr id="79" name="Straight Connector 78">
+              <a:extLst>
+                <a:ext uri="{FF2B5EF4-FFF2-40B4-BE49-F238E27FC236}">
+                  <a16:creationId xmlns:a16="http://schemas.microsoft.com/office/drawing/2014/main" id="{281076CD-5DEE-4BCF-8D6D-9FDC46280351}"/>
+                </a:ext>
+              </a:extLst>
+            </p:cNvPr>
+            <p:cNvCxnSpPr>
+              <a:cxnSpLocks/>
+            </p:cNvCxnSpPr>
+            <p:nvPr/>
+          </p:nvCxnSpPr>
+          <p:spPr>
+            <a:xfrm flipH="1">
+              <a:off x="6307066" y="1555023"/>
+              <a:ext cx="5074" cy="2143942"/>
+            </a:xfrm>
+            <a:prstGeom prst="line">
+              <a:avLst/>
+            </a:prstGeom>
+            <a:ln>
+              <a:solidFill>
+                <a:schemeClr val="accent1">
+                  <a:lumMod val="75000"/>
+                </a:schemeClr>
+              </a:solidFill>
+              <a:prstDash val="lgDash"/>
+            </a:ln>
+          </p:spPr>
+          <p:style>
+            <a:lnRef idx="1">
+              <a:schemeClr val="accent1"/>
+            </a:lnRef>
+            <a:fillRef idx="0">
+              <a:schemeClr val="accent1"/>
+            </a:fillRef>
+            <a:effectRef idx="0">
+              <a:schemeClr val="accent1"/>
+            </a:effectRef>
+            <a:fontRef idx="minor">
+              <a:schemeClr val="tx1"/>
+            </a:fontRef>
+          </p:style>
+        </p:cxnSp>
+      </p:grpSp>
+      <p:grpSp>
+        <p:nvGrpSpPr>
+          <p:cNvPr id="23" name="Group 22">
+            <a:extLst>
+              <a:ext uri="{FF2B5EF4-FFF2-40B4-BE49-F238E27FC236}">
+                <a16:creationId xmlns:a16="http://schemas.microsoft.com/office/drawing/2014/main" id="{88FECF07-60E8-4239-9E73-D531F108492C}"/>
+              </a:ext>
+            </a:extLst>
+          </p:cNvPr>
+          <p:cNvGrpSpPr/>
+          <p:nvPr/>
+        </p:nvGrpSpPr>
+        <p:grpSpPr>
+          <a:xfrm>
+            <a:off x="1949474" y="3576594"/>
+            <a:ext cx="1660417" cy="679441"/>
+            <a:chOff x="1561764" y="2295525"/>
+            <a:chExt cx="1305261" cy="495300"/>
+          </a:xfrm>
+        </p:grpSpPr>
+        <p:sp>
+          <p:nvSpPr>
+            <p:cNvPr id="67" name="Rectangle 66">
+              <a:extLst>
+                <a:ext uri="{FF2B5EF4-FFF2-40B4-BE49-F238E27FC236}">
+                  <a16:creationId xmlns:a16="http://schemas.microsoft.com/office/drawing/2014/main" id="{94D40DB6-D481-492A-85F0-BA78342BC88D}"/>
+                </a:ext>
+              </a:extLst>
+            </p:cNvPr>
+            <p:cNvSpPr/>
+            <p:nvPr/>
+          </p:nvSpPr>
+          <p:spPr>
+            <a:xfrm>
+              <a:off x="1733550" y="2295525"/>
+              <a:ext cx="971550" cy="495300"/>
+            </a:xfrm>
+            <a:prstGeom prst="rect">
+              <a:avLst/>
+            </a:prstGeom>
+            <a:noFill/>
+            <a:ln w="19050">
+              <a:solidFill>
+                <a:schemeClr val="accent1">
+                  <a:lumMod val="75000"/>
+                </a:schemeClr>
+              </a:solidFill>
+            </a:ln>
+          </p:spPr>
+          <p:style>
+            <a:lnRef idx="2">
+              <a:schemeClr val="accent1">
+                <a:shade val="50000"/>
+              </a:schemeClr>
+            </a:lnRef>
+            <a:fillRef idx="1">
+              <a:schemeClr val="accent1"/>
+            </a:fillRef>
+            <a:effectRef idx="0">
+              <a:schemeClr val="accent1"/>
+            </a:effectRef>
+            <a:fontRef idx="minor">
+              <a:schemeClr val="lt1"/>
+            </a:fontRef>
+          </p:style>
+          <p:txBody>
+            <a:bodyPr rtlCol="0" anchor="ctr"/>
+            <a:lstStyle/>
+            <a:p>
+              <a:pPr algn="ctr"/>
+              <a:endParaRPr lang="en-GB" sz="1200" dirty="0">
+                <a:solidFill>
+                  <a:schemeClr val="tx1"/>
+                </a:solidFill>
+              </a:endParaRPr>
+            </a:p>
+          </p:txBody>
+        </p:sp>
+        <p:grpSp>
+          <p:nvGrpSpPr>
+            <p:cNvPr id="68" name="Group 67">
+              <a:extLst>
+                <a:ext uri="{FF2B5EF4-FFF2-40B4-BE49-F238E27FC236}">
+                  <a16:creationId xmlns:a16="http://schemas.microsoft.com/office/drawing/2014/main" id="{798275B6-7C34-4593-BF72-0C7563D33FDA}"/>
+                </a:ext>
+              </a:extLst>
+            </p:cNvPr>
+            <p:cNvGrpSpPr/>
+            <p:nvPr/>
+          </p:nvGrpSpPr>
+          <p:grpSpPr>
+            <a:xfrm>
+              <a:off x="2705100" y="2333625"/>
+              <a:ext cx="161925" cy="419100"/>
+              <a:chOff x="2714625" y="2371725"/>
+              <a:chExt cx="161925" cy="419100"/>
+            </a:xfrm>
+          </p:grpSpPr>
+          <p:sp>
+            <p:nvSpPr>
+              <p:cNvPr id="74" name="Oval 73">
+                <a:extLst>
+                  <a:ext uri="{FF2B5EF4-FFF2-40B4-BE49-F238E27FC236}">
+                    <a16:creationId xmlns:a16="http://schemas.microsoft.com/office/drawing/2014/main" id="{EEB33850-EFC4-46F3-A3B8-0D558D30EDB0}"/>
+                  </a:ext>
+                </a:extLst>
+              </p:cNvPr>
+              <p:cNvSpPr/>
+              <p:nvPr/>
+            </p:nvSpPr>
+            <p:spPr>
+              <a:xfrm>
+                <a:off x="2714625" y="2371725"/>
+                <a:ext cx="161925" cy="171450"/>
+              </a:xfrm>
+              <a:prstGeom prst="ellipse">
+                <a:avLst/>
+              </a:prstGeom>
+              <a:noFill/>
+              <a:ln w="19050">
+                <a:solidFill>
+                  <a:schemeClr val="accent1">
+                    <a:lumMod val="75000"/>
+                  </a:schemeClr>
+                </a:solidFill>
+              </a:ln>
+            </p:spPr>
+            <p:style>
+              <a:lnRef idx="2">
+                <a:schemeClr val="accent1">
+                  <a:shade val="50000"/>
+                </a:schemeClr>
+              </a:lnRef>
+              <a:fillRef idx="1">
+                <a:schemeClr val="accent1"/>
+              </a:fillRef>
+              <a:effectRef idx="0">
+                <a:schemeClr val="accent1"/>
+              </a:effectRef>
+              <a:fontRef idx="minor">
+                <a:schemeClr val="lt1"/>
+              </a:fontRef>
+            </p:style>
+            <p:txBody>
+              <a:bodyPr rtlCol="0" anchor="ctr"/>
+              <a:lstStyle/>
+              <a:p>
+                <a:pPr algn="ctr"/>
+                <a:endParaRPr lang="en-GB" sz="1200" dirty="0">
+                  <a:solidFill>
+                    <a:schemeClr val="tx1"/>
+                  </a:solidFill>
+                </a:endParaRPr>
+              </a:p>
+            </p:txBody>
+          </p:sp>
+          <p:grpSp>
+            <p:nvGrpSpPr>
+              <p:cNvPr id="75" name="Group 74">
+                <a:extLst>
+                  <a:ext uri="{FF2B5EF4-FFF2-40B4-BE49-F238E27FC236}">
+                    <a16:creationId xmlns:a16="http://schemas.microsoft.com/office/drawing/2014/main" id="{872059C0-E0AD-4AD2-A974-13915D47175B}"/>
+                  </a:ext>
+                </a:extLst>
+              </p:cNvPr>
+              <p:cNvGrpSpPr/>
+              <p:nvPr/>
+            </p:nvGrpSpPr>
+            <p:grpSpPr>
+              <a:xfrm>
+                <a:off x="2714625" y="2619375"/>
+                <a:ext cx="161925" cy="171450"/>
+                <a:chOff x="3724275" y="2705100"/>
+                <a:chExt cx="161925" cy="171450"/>
+              </a:xfrm>
+            </p:grpSpPr>
+            <p:sp>
+              <p:nvSpPr>
+                <p:cNvPr id="76" name="Oval 75">
+                  <a:extLst>
+                    <a:ext uri="{FF2B5EF4-FFF2-40B4-BE49-F238E27FC236}">
+                      <a16:creationId xmlns:a16="http://schemas.microsoft.com/office/drawing/2014/main" id="{7FCFD6A4-0923-49BF-9E12-8F865FE57E72}"/>
+                    </a:ext>
+                  </a:extLst>
+                </p:cNvPr>
+                <p:cNvSpPr/>
+                <p:nvPr/>
+              </p:nvSpPr>
+              <p:spPr>
+                <a:xfrm>
+                  <a:off x="3724275" y="2705100"/>
+                  <a:ext cx="161925" cy="171450"/>
+                </a:xfrm>
+                <a:prstGeom prst="ellipse">
+                  <a:avLst/>
+                </a:prstGeom>
+                <a:noFill/>
+                <a:ln w="19050">
+                  <a:solidFill>
+                    <a:schemeClr val="accent1">
+                      <a:lumMod val="75000"/>
+                    </a:schemeClr>
+                  </a:solidFill>
+                </a:ln>
+              </p:spPr>
+              <p:style>
+                <a:lnRef idx="2">
+                  <a:schemeClr val="accent1">
+                    <a:shade val="50000"/>
+                  </a:schemeClr>
+                </a:lnRef>
+                <a:fillRef idx="1">
+                  <a:schemeClr val="accent1"/>
+                </a:fillRef>
+                <a:effectRef idx="0">
+                  <a:schemeClr val="accent1"/>
+                </a:effectRef>
+                <a:fontRef idx="minor">
+                  <a:schemeClr val="lt1"/>
+                </a:fontRef>
+              </p:style>
+              <p:txBody>
+                <a:bodyPr rtlCol="0" anchor="ctr"/>
+                <a:lstStyle/>
+                <a:p>
+                  <a:pPr algn="ctr"/>
+                  <a:endParaRPr lang="en-GB" sz="1200" dirty="0">
+                    <a:solidFill>
+                      <a:schemeClr val="tx1"/>
+                    </a:solidFill>
+                  </a:endParaRPr>
+                </a:p>
+              </p:txBody>
+            </p:sp>
+            <p:sp>
+              <p:nvSpPr>
+                <p:cNvPr id="77" name="Rectangle 76">
+                  <a:extLst>
+                    <a:ext uri="{FF2B5EF4-FFF2-40B4-BE49-F238E27FC236}">
+                      <a16:creationId xmlns:a16="http://schemas.microsoft.com/office/drawing/2014/main" id="{C512B1DD-8885-48D3-8070-33FA82AADA00}"/>
+                    </a:ext>
+                  </a:extLst>
+                </p:cNvPr>
+                <p:cNvSpPr/>
+                <p:nvPr/>
+              </p:nvSpPr>
+              <p:spPr>
+                <a:xfrm>
+                  <a:off x="3800475" y="2705100"/>
+                  <a:ext cx="85725" cy="171450"/>
+                </a:xfrm>
+                <a:prstGeom prst="rect">
+                  <a:avLst/>
+                </a:prstGeom>
+                <a:solidFill>
+                  <a:schemeClr val="bg1"/>
+                </a:solidFill>
+                <a:ln w="19050">
+                  <a:solidFill>
+                    <a:schemeClr val="accent1">
+                      <a:lumMod val="75000"/>
+                    </a:schemeClr>
+                  </a:solidFill>
+                </a:ln>
+              </p:spPr>
+              <p:style>
+                <a:lnRef idx="2">
+                  <a:schemeClr val="accent1">
+                    <a:shade val="50000"/>
+                  </a:schemeClr>
+                </a:lnRef>
+                <a:fillRef idx="1">
+                  <a:schemeClr val="accent1"/>
+                </a:fillRef>
+                <a:effectRef idx="0">
+                  <a:schemeClr val="accent1"/>
+                </a:effectRef>
+                <a:fontRef idx="minor">
+                  <a:schemeClr val="lt1"/>
+                </a:fontRef>
+              </p:style>
+              <p:txBody>
+                <a:bodyPr rtlCol="0" anchor="ctr"/>
+                <a:lstStyle/>
+                <a:p>
+                  <a:pPr algn="ctr"/>
+                  <a:endParaRPr lang="en-GB" sz="1200" dirty="0">
+                    <a:solidFill>
+                      <a:schemeClr val="tx1"/>
+                    </a:solidFill>
+                  </a:endParaRPr>
+                </a:p>
+              </p:txBody>
+            </p:sp>
+          </p:grpSp>
+        </p:grpSp>
+        <p:grpSp>
+          <p:nvGrpSpPr>
+            <p:cNvPr id="69" name="Group 68">
+              <a:extLst>
+                <a:ext uri="{FF2B5EF4-FFF2-40B4-BE49-F238E27FC236}">
+                  <a16:creationId xmlns:a16="http://schemas.microsoft.com/office/drawing/2014/main" id="{879D46A4-DD6B-4AB8-81B9-3B04AC9DEB17}"/>
+                </a:ext>
+              </a:extLst>
+            </p:cNvPr>
+            <p:cNvGrpSpPr/>
+            <p:nvPr/>
+          </p:nvGrpSpPr>
+          <p:grpSpPr>
+            <a:xfrm rot="10800000">
+              <a:off x="1561764" y="2333624"/>
+              <a:ext cx="161926" cy="419100"/>
+              <a:chOff x="2714625" y="2371725"/>
+              <a:chExt cx="161926" cy="419100"/>
+            </a:xfrm>
+          </p:grpSpPr>
+          <p:sp>
+            <p:nvSpPr>
+              <p:cNvPr id="70" name="Oval 69">
+                <a:extLst>
+                  <a:ext uri="{FF2B5EF4-FFF2-40B4-BE49-F238E27FC236}">
+                    <a16:creationId xmlns:a16="http://schemas.microsoft.com/office/drawing/2014/main" id="{C4E310EE-2BAE-440C-904D-76A1566D81B0}"/>
+                  </a:ext>
+                </a:extLst>
+              </p:cNvPr>
+              <p:cNvSpPr/>
+              <p:nvPr/>
+            </p:nvSpPr>
+            <p:spPr>
+              <a:xfrm>
+                <a:off x="2714625" y="2371725"/>
+                <a:ext cx="161925" cy="171450"/>
+              </a:xfrm>
+              <a:prstGeom prst="ellipse">
+                <a:avLst/>
+              </a:prstGeom>
+              <a:noFill/>
+              <a:ln w="19050">
+                <a:solidFill>
+                  <a:schemeClr val="accent1">
+                    <a:lumMod val="75000"/>
+                  </a:schemeClr>
+                </a:solidFill>
+              </a:ln>
+            </p:spPr>
+            <p:style>
+              <a:lnRef idx="2">
+                <a:schemeClr val="accent1">
+                  <a:shade val="50000"/>
+                </a:schemeClr>
+              </a:lnRef>
+              <a:fillRef idx="1">
+                <a:schemeClr val="accent1"/>
+              </a:fillRef>
+              <a:effectRef idx="0">
+                <a:schemeClr val="accent1"/>
+              </a:effectRef>
+              <a:fontRef idx="minor">
+                <a:schemeClr val="lt1"/>
+              </a:fontRef>
+            </p:style>
+            <p:txBody>
+              <a:bodyPr rtlCol="0" anchor="ctr"/>
+              <a:lstStyle/>
+              <a:p>
+                <a:pPr algn="ctr"/>
+                <a:endParaRPr lang="en-GB" sz="1200" dirty="0">
+                  <a:solidFill>
+                    <a:schemeClr val="tx1"/>
+                  </a:solidFill>
+                </a:endParaRPr>
+              </a:p>
+            </p:txBody>
+          </p:sp>
+          <p:grpSp>
+            <p:nvGrpSpPr>
+              <p:cNvPr id="71" name="Group 70">
+                <a:extLst>
+                  <a:ext uri="{FF2B5EF4-FFF2-40B4-BE49-F238E27FC236}">
+                    <a16:creationId xmlns:a16="http://schemas.microsoft.com/office/drawing/2014/main" id="{518BDC98-7CE3-427F-97A6-3DAA63E79550}"/>
+                  </a:ext>
+                </a:extLst>
+              </p:cNvPr>
+              <p:cNvGrpSpPr/>
+              <p:nvPr/>
+            </p:nvGrpSpPr>
+            <p:grpSpPr>
+              <a:xfrm>
+                <a:off x="2714625" y="2619375"/>
+                <a:ext cx="161926" cy="171450"/>
+                <a:chOff x="3724275" y="2705100"/>
+                <a:chExt cx="161926" cy="171450"/>
+              </a:xfrm>
+            </p:grpSpPr>
+            <p:sp>
+              <p:nvSpPr>
+                <p:cNvPr id="72" name="Oval 71">
+                  <a:extLst>
+                    <a:ext uri="{FF2B5EF4-FFF2-40B4-BE49-F238E27FC236}">
+                      <a16:creationId xmlns:a16="http://schemas.microsoft.com/office/drawing/2014/main" id="{FE344F22-A36D-449B-B7ED-40E79027AB0A}"/>
+                    </a:ext>
+                  </a:extLst>
+                </p:cNvPr>
+                <p:cNvSpPr/>
+                <p:nvPr/>
+              </p:nvSpPr>
+              <p:spPr>
+                <a:xfrm>
+                  <a:off x="3724275" y="2705100"/>
+                  <a:ext cx="161925" cy="171450"/>
+                </a:xfrm>
+                <a:prstGeom prst="ellipse">
+                  <a:avLst/>
+                </a:prstGeom>
+                <a:noFill/>
+                <a:ln w="19050">
+                  <a:solidFill>
+                    <a:schemeClr val="accent1">
+                      <a:lumMod val="75000"/>
+                    </a:schemeClr>
+                  </a:solidFill>
+                </a:ln>
+              </p:spPr>
+              <p:style>
+                <a:lnRef idx="2">
+                  <a:schemeClr val="accent1">
+                    <a:shade val="50000"/>
+                  </a:schemeClr>
+                </a:lnRef>
+                <a:fillRef idx="1">
+                  <a:schemeClr val="accent1"/>
+                </a:fillRef>
+                <a:effectRef idx="0">
+                  <a:schemeClr val="accent1"/>
+                </a:effectRef>
+                <a:fontRef idx="minor">
+                  <a:schemeClr val="lt1"/>
+                </a:fontRef>
+              </p:style>
+              <p:txBody>
+                <a:bodyPr rtlCol="0" anchor="ctr"/>
+                <a:lstStyle/>
+                <a:p>
+                  <a:pPr algn="ctr"/>
+                  <a:endParaRPr lang="en-GB" sz="1200" dirty="0">
+                    <a:solidFill>
+                      <a:schemeClr val="tx1"/>
+                    </a:solidFill>
+                  </a:endParaRPr>
+                </a:p>
+              </p:txBody>
+            </p:sp>
+            <p:sp>
+              <p:nvSpPr>
+                <p:cNvPr id="73" name="Rectangle 72">
+                  <a:extLst>
+                    <a:ext uri="{FF2B5EF4-FFF2-40B4-BE49-F238E27FC236}">
+                      <a16:creationId xmlns:a16="http://schemas.microsoft.com/office/drawing/2014/main" id="{F564471E-084F-4FD9-8D56-8E23B5BF2448}"/>
+                    </a:ext>
+                  </a:extLst>
+                </p:cNvPr>
+                <p:cNvSpPr/>
+                <p:nvPr/>
+              </p:nvSpPr>
+              <p:spPr>
+                <a:xfrm>
+                  <a:off x="3800476" y="2705100"/>
+                  <a:ext cx="85725" cy="171450"/>
+                </a:xfrm>
+                <a:prstGeom prst="rect">
+                  <a:avLst/>
+                </a:prstGeom>
+                <a:solidFill>
+                  <a:schemeClr val="bg1"/>
+                </a:solidFill>
+                <a:ln w="19050">
+                  <a:solidFill>
+                    <a:schemeClr val="accent1">
+                      <a:lumMod val="75000"/>
+                    </a:schemeClr>
+                  </a:solidFill>
+                </a:ln>
+              </p:spPr>
+              <p:style>
+                <a:lnRef idx="2">
+                  <a:schemeClr val="accent1">
+                    <a:shade val="50000"/>
+                  </a:schemeClr>
+                </a:lnRef>
+                <a:fillRef idx="1">
+                  <a:schemeClr val="accent1"/>
+                </a:fillRef>
+                <a:effectRef idx="0">
+                  <a:schemeClr val="accent1"/>
+                </a:effectRef>
+                <a:fontRef idx="minor">
+                  <a:schemeClr val="lt1"/>
+                </a:fontRef>
+              </p:style>
+              <p:txBody>
+                <a:bodyPr rtlCol="0" anchor="ctr"/>
+                <a:lstStyle/>
+                <a:p>
+                  <a:pPr algn="ctr"/>
+                  <a:endParaRPr lang="en-GB" sz="1200" dirty="0">
+                    <a:solidFill>
+                      <a:schemeClr val="tx1"/>
+                    </a:solidFill>
+                  </a:endParaRPr>
+                </a:p>
+              </p:txBody>
+            </p:sp>
+          </p:grpSp>
+        </p:grpSp>
+      </p:grpSp>
+      <p:sp>
+        <p:nvSpPr>
+          <p:cNvPr id="24" name="Rectangle: Rounded Corners 23">
+            <a:extLst>
+              <a:ext uri="{FF2B5EF4-FFF2-40B4-BE49-F238E27FC236}">
+                <a16:creationId xmlns:a16="http://schemas.microsoft.com/office/drawing/2014/main" id="{D7A4864C-DAFF-4D02-A4BB-8474020FBD92}"/>
+              </a:ext>
+            </a:extLst>
+          </p:cNvPr>
+          <p:cNvSpPr/>
+          <p:nvPr/>
+        </p:nvSpPr>
+        <p:spPr>
+          <a:xfrm>
+            <a:off x="2155459" y="2920671"/>
+            <a:ext cx="6855401" cy="2612297"/>
+          </a:xfrm>
+          <a:prstGeom prst="roundRect">
+            <a:avLst/>
+          </a:prstGeom>
+          <a:noFill/>
+          <a:ln w="19050">
+            <a:solidFill>
+              <a:schemeClr val="accent1">
+                <a:lumMod val="75000"/>
+              </a:schemeClr>
+            </a:solidFill>
+          </a:ln>
+        </p:spPr>
+        <p:style>
+          <a:lnRef idx="2">
+            <a:schemeClr val="accent1">
+              <a:shade val="50000"/>
+            </a:schemeClr>
+          </a:lnRef>
+          <a:fillRef idx="1">
+            <a:schemeClr val="accent1"/>
+          </a:fillRef>
+          <a:effectRef idx="0">
+            <a:schemeClr val="accent1"/>
+          </a:effectRef>
+          <a:fontRef idx="minor">
+            <a:schemeClr val="lt1"/>
+          </a:fontRef>
+        </p:style>
+        <p:txBody>
+          <a:bodyPr rtlCol="0" anchor="ctr"/>
+          <a:lstStyle/>
+          <a:p>
+            <a:pPr algn="ctr"/>
+            <a:endParaRPr lang="en-GB" sz="1200" dirty="0">
+              <a:solidFill>
+                <a:schemeClr val="tx1"/>
+              </a:solidFill>
+            </a:endParaRPr>
+          </a:p>
+        </p:txBody>
+      </p:sp>
+      <p:grpSp>
+        <p:nvGrpSpPr>
+          <p:cNvPr id="25" name="Group 24">
+            <a:extLst>
+              <a:ext uri="{FF2B5EF4-FFF2-40B4-BE49-F238E27FC236}">
+                <a16:creationId xmlns:a16="http://schemas.microsoft.com/office/drawing/2014/main" id="{B8DC90E3-D49C-4788-9729-39D3C55CDF4E}"/>
+              </a:ext>
+            </a:extLst>
+          </p:cNvPr>
+          <p:cNvGrpSpPr/>
+          <p:nvPr/>
+        </p:nvGrpSpPr>
+        <p:grpSpPr>
+          <a:xfrm>
+            <a:off x="4633538" y="3576594"/>
+            <a:ext cx="1672108" cy="679441"/>
+            <a:chOff x="4571999" y="2295525"/>
+            <a:chExt cx="1314451" cy="495300"/>
+          </a:xfrm>
+        </p:grpSpPr>
+        <p:sp>
+          <p:nvSpPr>
+            <p:cNvPr id="56" name="Rectangle 55">
+              <a:extLst>
+                <a:ext uri="{FF2B5EF4-FFF2-40B4-BE49-F238E27FC236}">
+                  <a16:creationId xmlns:a16="http://schemas.microsoft.com/office/drawing/2014/main" id="{4820340C-6958-4E91-AC4F-05F31BE81677}"/>
+                </a:ext>
+              </a:extLst>
+            </p:cNvPr>
+            <p:cNvSpPr/>
+            <p:nvPr/>
+          </p:nvSpPr>
+          <p:spPr>
+            <a:xfrm>
+              <a:off x="4743450" y="2295525"/>
+              <a:ext cx="971550" cy="495300"/>
+            </a:xfrm>
+            <a:prstGeom prst="rect">
+              <a:avLst/>
+            </a:prstGeom>
+            <a:noFill/>
+            <a:ln w="19050">
+              <a:solidFill>
+                <a:schemeClr val="accent1">
+                  <a:lumMod val="75000"/>
+                </a:schemeClr>
+              </a:solidFill>
+            </a:ln>
+          </p:spPr>
+          <p:style>
+            <a:lnRef idx="2">
+              <a:schemeClr val="accent1">
+                <a:shade val="50000"/>
+              </a:schemeClr>
+            </a:lnRef>
+            <a:fillRef idx="1">
+              <a:schemeClr val="accent1"/>
+            </a:fillRef>
+            <a:effectRef idx="0">
+              <a:schemeClr val="accent1"/>
+            </a:effectRef>
+            <a:fontRef idx="minor">
+              <a:schemeClr val="lt1"/>
+            </a:fontRef>
+          </p:style>
+          <p:txBody>
+            <a:bodyPr rtlCol="0" anchor="ctr"/>
+            <a:lstStyle/>
+            <a:p>
+              <a:pPr algn="ctr"/>
+              <a:endParaRPr lang="en-GB" sz="1200" dirty="0">
+                <a:solidFill>
+                  <a:schemeClr val="tx1"/>
+                </a:solidFill>
+              </a:endParaRPr>
+            </a:p>
+          </p:txBody>
+        </p:sp>
+        <p:grpSp>
+          <p:nvGrpSpPr>
+            <p:cNvPr id="57" name="Group 56">
+              <a:extLst>
+                <a:ext uri="{FF2B5EF4-FFF2-40B4-BE49-F238E27FC236}">
+                  <a16:creationId xmlns:a16="http://schemas.microsoft.com/office/drawing/2014/main" id="{52E81D6E-B8DE-403C-9305-B2EE378ADB1F}"/>
+                </a:ext>
+              </a:extLst>
+            </p:cNvPr>
+            <p:cNvGrpSpPr/>
+            <p:nvPr/>
+          </p:nvGrpSpPr>
+          <p:grpSpPr>
+            <a:xfrm>
+              <a:off x="5724525" y="2333625"/>
+              <a:ext cx="161925" cy="419100"/>
+              <a:chOff x="5724525" y="2371725"/>
+              <a:chExt cx="161925" cy="419100"/>
+            </a:xfrm>
+          </p:grpSpPr>
+          <p:sp>
+            <p:nvSpPr>
+              <p:cNvPr id="63" name="Oval 62">
+                <a:extLst>
+                  <a:ext uri="{FF2B5EF4-FFF2-40B4-BE49-F238E27FC236}">
+                    <a16:creationId xmlns:a16="http://schemas.microsoft.com/office/drawing/2014/main" id="{3E9A4007-4A9D-4DC9-9AE9-823BE6295E59}"/>
+                  </a:ext>
+                </a:extLst>
+              </p:cNvPr>
+              <p:cNvSpPr/>
+              <p:nvPr/>
+            </p:nvSpPr>
+            <p:spPr>
+              <a:xfrm>
+                <a:off x="5724525" y="2371725"/>
+                <a:ext cx="161925" cy="171450"/>
+              </a:xfrm>
+              <a:prstGeom prst="ellipse">
+                <a:avLst/>
+              </a:prstGeom>
+              <a:noFill/>
+              <a:ln w="19050">
+                <a:solidFill>
+                  <a:schemeClr val="accent1">
+                    <a:lumMod val="75000"/>
+                  </a:schemeClr>
+                </a:solidFill>
+              </a:ln>
+            </p:spPr>
+            <p:style>
+              <a:lnRef idx="2">
+                <a:schemeClr val="accent1">
+                  <a:shade val="50000"/>
+                </a:schemeClr>
+              </a:lnRef>
+              <a:fillRef idx="1">
+                <a:schemeClr val="accent1"/>
+              </a:fillRef>
+              <a:effectRef idx="0">
+                <a:schemeClr val="accent1"/>
+              </a:effectRef>
+              <a:fontRef idx="minor">
+                <a:schemeClr val="lt1"/>
+              </a:fontRef>
+            </p:style>
+            <p:txBody>
+              <a:bodyPr rtlCol="0" anchor="ctr"/>
+              <a:lstStyle/>
+              <a:p>
+                <a:pPr algn="ctr"/>
+                <a:endParaRPr lang="en-GB" sz="1200" dirty="0">
+                  <a:solidFill>
+                    <a:schemeClr val="tx1"/>
+                  </a:solidFill>
+                </a:endParaRPr>
+              </a:p>
+            </p:txBody>
+          </p:sp>
+          <p:grpSp>
+            <p:nvGrpSpPr>
+              <p:cNvPr id="64" name="Group 63">
+                <a:extLst>
+                  <a:ext uri="{FF2B5EF4-FFF2-40B4-BE49-F238E27FC236}">
+                    <a16:creationId xmlns:a16="http://schemas.microsoft.com/office/drawing/2014/main" id="{425C2784-221E-42CD-9300-51F41A43AA58}"/>
+                  </a:ext>
+                </a:extLst>
+              </p:cNvPr>
+              <p:cNvGrpSpPr/>
+              <p:nvPr/>
+            </p:nvGrpSpPr>
+            <p:grpSpPr>
+              <a:xfrm>
+                <a:off x="5724525" y="2619375"/>
+                <a:ext cx="161925" cy="171450"/>
+                <a:chOff x="3724275" y="2705100"/>
+                <a:chExt cx="161925" cy="171450"/>
+              </a:xfrm>
+            </p:grpSpPr>
+            <p:sp>
+              <p:nvSpPr>
+                <p:cNvPr id="65" name="Oval 64">
+                  <a:extLst>
+                    <a:ext uri="{FF2B5EF4-FFF2-40B4-BE49-F238E27FC236}">
+                      <a16:creationId xmlns:a16="http://schemas.microsoft.com/office/drawing/2014/main" id="{F9277645-7BDA-4F7D-96B7-0C1AAFE6E928}"/>
+                    </a:ext>
+                  </a:extLst>
+                </p:cNvPr>
+                <p:cNvSpPr/>
+                <p:nvPr/>
+              </p:nvSpPr>
+              <p:spPr>
+                <a:xfrm>
+                  <a:off x="3724275" y="2705100"/>
+                  <a:ext cx="161925" cy="171450"/>
+                </a:xfrm>
+                <a:prstGeom prst="ellipse">
+                  <a:avLst/>
+                </a:prstGeom>
+                <a:noFill/>
+                <a:ln w="19050">
+                  <a:solidFill>
+                    <a:schemeClr val="accent1">
+                      <a:lumMod val="75000"/>
+                    </a:schemeClr>
+                  </a:solidFill>
+                </a:ln>
+              </p:spPr>
+              <p:style>
+                <a:lnRef idx="2">
+                  <a:schemeClr val="accent1">
+                    <a:shade val="50000"/>
+                  </a:schemeClr>
+                </a:lnRef>
+                <a:fillRef idx="1">
+                  <a:schemeClr val="accent1"/>
+                </a:fillRef>
+                <a:effectRef idx="0">
+                  <a:schemeClr val="accent1"/>
+                </a:effectRef>
+                <a:fontRef idx="minor">
+                  <a:schemeClr val="lt1"/>
+                </a:fontRef>
+              </p:style>
+              <p:txBody>
+                <a:bodyPr rtlCol="0" anchor="ctr"/>
+                <a:lstStyle/>
+                <a:p>
+                  <a:pPr algn="ctr"/>
+                  <a:endParaRPr lang="en-GB" sz="1200" dirty="0">
+                    <a:solidFill>
+                      <a:schemeClr val="tx1"/>
+                    </a:solidFill>
+                  </a:endParaRPr>
+                </a:p>
+              </p:txBody>
+            </p:sp>
+            <p:sp>
+              <p:nvSpPr>
+                <p:cNvPr id="66" name="Rectangle 65">
+                  <a:extLst>
+                    <a:ext uri="{FF2B5EF4-FFF2-40B4-BE49-F238E27FC236}">
+                      <a16:creationId xmlns:a16="http://schemas.microsoft.com/office/drawing/2014/main" id="{6D7485B1-FFDD-4979-8766-76478B981909}"/>
+                    </a:ext>
+                  </a:extLst>
+                </p:cNvPr>
+                <p:cNvSpPr/>
+                <p:nvPr/>
+              </p:nvSpPr>
+              <p:spPr>
+                <a:xfrm>
+                  <a:off x="3800475" y="2705100"/>
+                  <a:ext cx="85725" cy="171450"/>
+                </a:xfrm>
+                <a:prstGeom prst="rect">
+                  <a:avLst/>
+                </a:prstGeom>
+                <a:solidFill>
+                  <a:schemeClr val="bg1"/>
+                </a:solidFill>
+                <a:ln w="19050">
+                  <a:solidFill>
+                    <a:schemeClr val="accent1">
+                      <a:lumMod val="75000"/>
+                    </a:schemeClr>
+                  </a:solidFill>
+                </a:ln>
+              </p:spPr>
+              <p:style>
+                <a:lnRef idx="2">
+                  <a:schemeClr val="accent1">
+                    <a:shade val="50000"/>
+                  </a:schemeClr>
+                </a:lnRef>
+                <a:fillRef idx="1">
+                  <a:schemeClr val="accent1"/>
+                </a:fillRef>
+                <a:effectRef idx="0">
+                  <a:schemeClr val="accent1"/>
+                </a:effectRef>
+                <a:fontRef idx="minor">
+                  <a:schemeClr val="lt1"/>
+                </a:fontRef>
+              </p:style>
+              <p:txBody>
+                <a:bodyPr rtlCol="0" anchor="ctr"/>
+                <a:lstStyle/>
+                <a:p>
+                  <a:pPr algn="ctr"/>
+                  <a:endParaRPr lang="en-GB" sz="1200" dirty="0">
+                    <a:solidFill>
+                      <a:schemeClr val="tx1"/>
+                    </a:solidFill>
+                  </a:endParaRPr>
+                </a:p>
+              </p:txBody>
+            </p:sp>
+          </p:grpSp>
+        </p:grpSp>
+        <p:grpSp>
+          <p:nvGrpSpPr>
+            <p:cNvPr id="58" name="Group 57">
+              <a:extLst>
+                <a:ext uri="{FF2B5EF4-FFF2-40B4-BE49-F238E27FC236}">
+                  <a16:creationId xmlns:a16="http://schemas.microsoft.com/office/drawing/2014/main" id="{CACC77D9-07D1-4513-815F-CF9B60A086FE}"/>
+                </a:ext>
+              </a:extLst>
+            </p:cNvPr>
+            <p:cNvGrpSpPr/>
+            <p:nvPr/>
+          </p:nvGrpSpPr>
+          <p:grpSpPr>
+            <a:xfrm rot="10800000">
+              <a:off x="4571999" y="2333624"/>
+              <a:ext cx="161926" cy="419100"/>
+              <a:chOff x="2714625" y="2371725"/>
+              <a:chExt cx="161926" cy="419100"/>
+            </a:xfrm>
+          </p:grpSpPr>
+          <p:sp>
+            <p:nvSpPr>
+              <p:cNvPr id="59" name="Oval 58">
+                <a:extLst>
+                  <a:ext uri="{FF2B5EF4-FFF2-40B4-BE49-F238E27FC236}">
+                    <a16:creationId xmlns:a16="http://schemas.microsoft.com/office/drawing/2014/main" id="{41716D6E-3E17-4E4F-9824-C3AB8612A243}"/>
+                  </a:ext>
+                </a:extLst>
+              </p:cNvPr>
+              <p:cNvSpPr/>
+              <p:nvPr/>
+            </p:nvSpPr>
+            <p:spPr>
+              <a:xfrm>
+                <a:off x="2714625" y="2371725"/>
+                <a:ext cx="161925" cy="171450"/>
+              </a:xfrm>
+              <a:prstGeom prst="ellipse">
+                <a:avLst/>
+              </a:prstGeom>
+              <a:noFill/>
+              <a:ln w="19050">
+                <a:solidFill>
+                  <a:schemeClr val="accent1">
+                    <a:lumMod val="75000"/>
+                  </a:schemeClr>
+                </a:solidFill>
+              </a:ln>
+            </p:spPr>
+            <p:style>
+              <a:lnRef idx="2">
+                <a:schemeClr val="accent1">
+                  <a:shade val="50000"/>
+                </a:schemeClr>
+              </a:lnRef>
+              <a:fillRef idx="1">
+                <a:schemeClr val="accent1"/>
+              </a:fillRef>
+              <a:effectRef idx="0">
+                <a:schemeClr val="accent1"/>
+              </a:effectRef>
+              <a:fontRef idx="minor">
+                <a:schemeClr val="lt1"/>
+              </a:fontRef>
+            </p:style>
+            <p:txBody>
+              <a:bodyPr rtlCol="0" anchor="ctr"/>
+              <a:lstStyle/>
+              <a:p>
+                <a:pPr algn="ctr"/>
+                <a:endParaRPr lang="en-GB" sz="1200" dirty="0">
+                  <a:solidFill>
+                    <a:schemeClr val="tx1"/>
+                  </a:solidFill>
+                </a:endParaRPr>
+              </a:p>
+            </p:txBody>
+          </p:sp>
+          <p:grpSp>
+            <p:nvGrpSpPr>
+              <p:cNvPr id="60" name="Group 59">
+                <a:extLst>
+                  <a:ext uri="{FF2B5EF4-FFF2-40B4-BE49-F238E27FC236}">
+                    <a16:creationId xmlns:a16="http://schemas.microsoft.com/office/drawing/2014/main" id="{57CAD33D-9437-4737-A2A6-00A7D07EC82C}"/>
+                  </a:ext>
+                </a:extLst>
+              </p:cNvPr>
+              <p:cNvGrpSpPr/>
+              <p:nvPr/>
+            </p:nvGrpSpPr>
+            <p:grpSpPr>
+              <a:xfrm>
+                <a:off x="2714625" y="2619375"/>
+                <a:ext cx="161926" cy="171450"/>
+                <a:chOff x="3724275" y="2705100"/>
+                <a:chExt cx="161926" cy="171450"/>
+              </a:xfrm>
+            </p:grpSpPr>
+            <p:sp>
+              <p:nvSpPr>
+                <p:cNvPr id="61" name="Oval 60">
+                  <a:extLst>
+                    <a:ext uri="{FF2B5EF4-FFF2-40B4-BE49-F238E27FC236}">
+                      <a16:creationId xmlns:a16="http://schemas.microsoft.com/office/drawing/2014/main" id="{97779E32-9E50-45F5-8621-A7F6B9FFCD43}"/>
+                    </a:ext>
+                  </a:extLst>
+                </p:cNvPr>
+                <p:cNvSpPr/>
+                <p:nvPr/>
+              </p:nvSpPr>
+              <p:spPr>
+                <a:xfrm>
+                  <a:off x="3724275" y="2705100"/>
+                  <a:ext cx="161925" cy="171450"/>
+                </a:xfrm>
+                <a:prstGeom prst="ellipse">
+                  <a:avLst/>
+                </a:prstGeom>
+                <a:noFill/>
+                <a:ln w="19050">
+                  <a:solidFill>
+                    <a:schemeClr val="accent1">
+                      <a:lumMod val="75000"/>
+                    </a:schemeClr>
+                  </a:solidFill>
+                </a:ln>
+              </p:spPr>
+              <p:style>
+                <a:lnRef idx="2">
+                  <a:schemeClr val="accent1">
+                    <a:shade val="50000"/>
+                  </a:schemeClr>
+                </a:lnRef>
+                <a:fillRef idx="1">
+                  <a:schemeClr val="accent1"/>
+                </a:fillRef>
+                <a:effectRef idx="0">
+                  <a:schemeClr val="accent1"/>
+                </a:effectRef>
+                <a:fontRef idx="minor">
+                  <a:schemeClr val="lt1"/>
+                </a:fontRef>
+              </p:style>
+              <p:txBody>
+                <a:bodyPr rtlCol="0" anchor="ctr"/>
+                <a:lstStyle/>
+                <a:p>
+                  <a:pPr algn="ctr"/>
+                  <a:endParaRPr lang="en-GB" sz="1200" dirty="0">
+                    <a:solidFill>
+                      <a:schemeClr val="tx1"/>
+                    </a:solidFill>
+                  </a:endParaRPr>
+                </a:p>
+              </p:txBody>
+            </p:sp>
+            <p:sp>
+              <p:nvSpPr>
+                <p:cNvPr id="62" name="Rectangle 61">
+                  <a:extLst>
+                    <a:ext uri="{FF2B5EF4-FFF2-40B4-BE49-F238E27FC236}">
+                      <a16:creationId xmlns:a16="http://schemas.microsoft.com/office/drawing/2014/main" id="{A4007CA3-31E9-4111-AC7E-DBB5F519DD4D}"/>
+                    </a:ext>
+                  </a:extLst>
+                </p:cNvPr>
+                <p:cNvSpPr/>
+                <p:nvPr/>
+              </p:nvSpPr>
+              <p:spPr>
+                <a:xfrm>
+                  <a:off x="3800476" y="2705100"/>
+                  <a:ext cx="85725" cy="171450"/>
+                </a:xfrm>
+                <a:prstGeom prst="rect">
+                  <a:avLst/>
+                </a:prstGeom>
+                <a:solidFill>
+                  <a:schemeClr val="bg1"/>
+                </a:solidFill>
+                <a:ln w="19050">
+                  <a:solidFill>
+                    <a:schemeClr val="accent1">
+                      <a:lumMod val="75000"/>
+                    </a:schemeClr>
+                  </a:solidFill>
+                </a:ln>
+              </p:spPr>
+              <p:style>
+                <a:lnRef idx="2">
+                  <a:schemeClr val="accent1">
+                    <a:shade val="50000"/>
+                  </a:schemeClr>
+                </a:lnRef>
+                <a:fillRef idx="1">
+                  <a:schemeClr val="accent1"/>
+                </a:fillRef>
+                <a:effectRef idx="0">
+                  <a:schemeClr val="accent1"/>
+                </a:effectRef>
+                <a:fontRef idx="minor">
+                  <a:schemeClr val="lt1"/>
+                </a:fontRef>
+              </p:style>
+              <p:txBody>
+                <a:bodyPr rtlCol="0" anchor="ctr"/>
+                <a:lstStyle/>
+                <a:p>
+                  <a:pPr algn="ctr"/>
+                  <a:endParaRPr lang="en-GB" sz="1200" dirty="0">
+                    <a:solidFill>
+                      <a:schemeClr val="tx1"/>
+                    </a:solidFill>
+                  </a:endParaRPr>
+                </a:p>
+              </p:txBody>
+            </p:sp>
+          </p:grpSp>
+        </p:grpSp>
+      </p:grpSp>
+      <p:grpSp>
+        <p:nvGrpSpPr>
+          <p:cNvPr id="26" name="Group 25">
+            <a:extLst>
+              <a:ext uri="{FF2B5EF4-FFF2-40B4-BE49-F238E27FC236}">
+                <a16:creationId xmlns:a16="http://schemas.microsoft.com/office/drawing/2014/main" id="{19DE0D71-497C-4BD9-B401-9DA8A3F05B7E}"/>
+              </a:ext>
+            </a:extLst>
+          </p:cNvPr>
+          <p:cNvGrpSpPr/>
+          <p:nvPr/>
+        </p:nvGrpSpPr>
+        <p:grpSpPr>
+          <a:xfrm>
+            <a:off x="7545779" y="3576594"/>
+            <a:ext cx="1660417" cy="679441"/>
+            <a:chOff x="1561764" y="2295525"/>
+            <a:chExt cx="1305261" cy="495300"/>
+          </a:xfrm>
+        </p:grpSpPr>
+        <p:sp>
+          <p:nvSpPr>
+            <p:cNvPr id="49" name="Rectangle 48">
+              <a:extLst>
+                <a:ext uri="{FF2B5EF4-FFF2-40B4-BE49-F238E27FC236}">
+                  <a16:creationId xmlns:a16="http://schemas.microsoft.com/office/drawing/2014/main" id="{63B3B725-C3AF-4F40-9D1A-417669381C04}"/>
+                </a:ext>
+              </a:extLst>
+            </p:cNvPr>
+            <p:cNvSpPr/>
+            <p:nvPr/>
+          </p:nvSpPr>
+          <p:spPr>
+            <a:xfrm>
+              <a:off x="1733550" y="2295525"/>
+              <a:ext cx="971550" cy="495300"/>
+            </a:xfrm>
+            <a:prstGeom prst="rect">
+              <a:avLst/>
+            </a:prstGeom>
+            <a:noFill/>
+            <a:ln w="19050">
+              <a:solidFill>
+                <a:schemeClr val="accent1">
+                  <a:lumMod val="75000"/>
+                </a:schemeClr>
+              </a:solidFill>
+            </a:ln>
+          </p:spPr>
+          <p:style>
+            <a:lnRef idx="2">
+              <a:schemeClr val="accent1">
+                <a:shade val="50000"/>
+              </a:schemeClr>
+            </a:lnRef>
+            <a:fillRef idx="1">
+              <a:schemeClr val="accent1"/>
+            </a:fillRef>
+            <a:effectRef idx="0">
+              <a:schemeClr val="accent1"/>
+            </a:effectRef>
+            <a:fontRef idx="minor">
+              <a:schemeClr val="lt1"/>
+            </a:fontRef>
+          </p:style>
+          <p:txBody>
+            <a:bodyPr rtlCol="0" anchor="ctr"/>
+            <a:lstStyle/>
+            <a:p>
+              <a:pPr algn="ctr"/>
+              <a:endParaRPr lang="en-GB" sz="1200" dirty="0">
+                <a:solidFill>
+                  <a:schemeClr val="tx1"/>
+                </a:solidFill>
+              </a:endParaRPr>
+            </a:p>
+          </p:txBody>
+        </p:sp>
+        <p:sp>
+          <p:nvSpPr>
+            <p:cNvPr id="50" name="Oval 49">
+              <a:extLst>
+                <a:ext uri="{FF2B5EF4-FFF2-40B4-BE49-F238E27FC236}">
+                  <a16:creationId xmlns:a16="http://schemas.microsoft.com/office/drawing/2014/main" id="{6E1960B5-0BC8-43A2-9D0B-9B10AAD31344}"/>
+                </a:ext>
+              </a:extLst>
+            </p:cNvPr>
+            <p:cNvSpPr/>
+            <p:nvPr/>
+          </p:nvSpPr>
+          <p:spPr>
+            <a:xfrm>
+              <a:off x="2705100" y="2581275"/>
+              <a:ext cx="161925" cy="171450"/>
+            </a:xfrm>
+            <a:prstGeom prst="ellipse">
+              <a:avLst/>
+            </a:prstGeom>
+            <a:noFill/>
+            <a:ln w="19050">
+              <a:solidFill>
+                <a:schemeClr val="accent1">
+                  <a:lumMod val="75000"/>
+                </a:schemeClr>
+              </a:solidFill>
+            </a:ln>
+          </p:spPr>
+          <p:style>
+            <a:lnRef idx="2">
+              <a:schemeClr val="accent1">
+                <a:shade val="50000"/>
+              </a:schemeClr>
+            </a:lnRef>
+            <a:fillRef idx="1">
+              <a:schemeClr val="accent1"/>
+            </a:fillRef>
+            <a:effectRef idx="0">
+              <a:schemeClr val="accent1"/>
+            </a:effectRef>
+            <a:fontRef idx="minor">
+              <a:schemeClr val="lt1"/>
+            </a:fontRef>
+          </p:style>
+          <p:txBody>
+            <a:bodyPr rtlCol="0" anchor="ctr"/>
+            <a:lstStyle/>
+            <a:p>
+              <a:pPr algn="ctr"/>
+              <a:endParaRPr lang="en-GB" sz="1200" dirty="0">
+                <a:solidFill>
+                  <a:schemeClr val="tx1"/>
+                </a:solidFill>
+              </a:endParaRPr>
+            </a:p>
+          </p:txBody>
+        </p:sp>
+        <p:grpSp>
+          <p:nvGrpSpPr>
+            <p:cNvPr id="51" name="Group 50">
+              <a:extLst>
+                <a:ext uri="{FF2B5EF4-FFF2-40B4-BE49-F238E27FC236}">
+                  <a16:creationId xmlns:a16="http://schemas.microsoft.com/office/drawing/2014/main" id="{BBC70BB8-F099-4CBE-9B4E-CBE59F415D66}"/>
+                </a:ext>
+              </a:extLst>
+            </p:cNvPr>
+            <p:cNvGrpSpPr/>
+            <p:nvPr/>
+          </p:nvGrpSpPr>
+          <p:grpSpPr>
+            <a:xfrm rot="10800000">
+              <a:off x="1561764" y="2333624"/>
+              <a:ext cx="161926" cy="419100"/>
+              <a:chOff x="2714625" y="2371725"/>
+              <a:chExt cx="161926" cy="419100"/>
+            </a:xfrm>
+          </p:grpSpPr>
+          <p:sp>
+            <p:nvSpPr>
+              <p:cNvPr id="52" name="Oval 51">
+                <a:extLst>
+                  <a:ext uri="{FF2B5EF4-FFF2-40B4-BE49-F238E27FC236}">
+                    <a16:creationId xmlns:a16="http://schemas.microsoft.com/office/drawing/2014/main" id="{D33B0D8E-F599-472E-A247-C1D3AB55CBEA}"/>
+                  </a:ext>
+                </a:extLst>
+              </p:cNvPr>
+              <p:cNvSpPr/>
+              <p:nvPr/>
+            </p:nvSpPr>
+            <p:spPr>
+              <a:xfrm>
+                <a:off x="2714625" y="2371725"/>
+                <a:ext cx="161925" cy="171450"/>
+              </a:xfrm>
+              <a:prstGeom prst="ellipse">
+                <a:avLst/>
+              </a:prstGeom>
+              <a:noFill/>
+              <a:ln w="19050">
+                <a:solidFill>
+                  <a:schemeClr val="accent1">
+                    <a:lumMod val="75000"/>
+                  </a:schemeClr>
+                </a:solidFill>
+              </a:ln>
+            </p:spPr>
+            <p:style>
+              <a:lnRef idx="2">
+                <a:schemeClr val="accent1">
+                  <a:shade val="50000"/>
+                </a:schemeClr>
+              </a:lnRef>
+              <a:fillRef idx="1">
+                <a:schemeClr val="accent1"/>
+              </a:fillRef>
+              <a:effectRef idx="0">
+                <a:schemeClr val="accent1"/>
+              </a:effectRef>
+              <a:fontRef idx="minor">
+                <a:schemeClr val="lt1"/>
+              </a:fontRef>
+            </p:style>
+            <p:txBody>
+              <a:bodyPr rtlCol="0" anchor="ctr"/>
+              <a:lstStyle/>
+              <a:p>
+                <a:pPr algn="ctr"/>
+                <a:endParaRPr lang="en-GB" sz="1200" dirty="0">
+                  <a:solidFill>
+                    <a:schemeClr val="tx1"/>
+                  </a:solidFill>
+                </a:endParaRPr>
+              </a:p>
+            </p:txBody>
+          </p:sp>
+          <p:grpSp>
+            <p:nvGrpSpPr>
+              <p:cNvPr id="53" name="Group 52">
+                <a:extLst>
+                  <a:ext uri="{FF2B5EF4-FFF2-40B4-BE49-F238E27FC236}">
+                    <a16:creationId xmlns:a16="http://schemas.microsoft.com/office/drawing/2014/main" id="{E80BCEA7-BCA8-4057-AC48-1184C7E600C5}"/>
+                  </a:ext>
+                </a:extLst>
+              </p:cNvPr>
+              <p:cNvGrpSpPr/>
+              <p:nvPr/>
+            </p:nvGrpSpPr>
+            <p:grpSpPr>
+              <a:xfrm>
+                <a:off x="2714625" y="2619375"/>
+                <a:ext cx="161926" cy="171450"/>
+                <a:chOff x="3724275" y="2705100"/>
+                <a:chExt cx="161926" cy="171450"/>
+              </a:xfrm>
+            </p:grpSpPr>
+            <p:sp>
+              <p:nvSpPr>
+                <p:cNvPr id="54" name="Oval 53">
+                  <a:extLst>
+                    <a:ext uri="{FF2B5EF4-FFF2-40B4-BE49-F238E27FC236}">
+                      <a16:creationId xmlns:a16="http://schemas.microsoft.com/office/drawing/2014/main" id="{D614DB0B-BBB5-4E08-97AF-BAE5A24891FE}"/>
+                    </a:ext>
+                  </a:extLst>
+                </p:cNvPr>
+                <p:cNvSpPr/>
+                <p:nvPr/>
+              </p:nvSpPr>
+              <p:spPr>
+                <a:xfrm>
+                  <a:off x="3724275" y="2705100"/>
+                  <a:ext cx="161925" cy="171450"/>
+                </a:xfrm>
+                <a:prstGeom prst="ellipse">
+                  <a:avLst/>
+                </a:prstGeom>
+                <a:noFill/>
+                <a:ln w="19050">
+                  <a:solidFill>
+                    <a:schemeClr val="accent1">
+                      <a:lumMod val="75000"/>
+                    </a:schemeClr>
+                  </a:solidFill>
+                </a:ln>
+              </p:spPr>
+              <p:style>
+                <a:lnRef idx="2">
+                  <a:schemeClr val="accent1">
+                    <a:shade val="50000"/>
+                  </a:schemeClr>
+                </a:lnRef>
+                <a:fillRef idx="1">
+                  <a:schemeClr val="accent1"/>
+                </a:fillRef>
+                <a:effectRef idx="0">
+                  <a:schemeClr val="accent1"/>
+                </a:effectRef>
+                <a:fontRef idx="minor">
+                  <a:schemeClr val="lt1"/>
+                </a:fontRef>
+              </p:style>
+              <p:txBody>
+                <a:bodyPr rtlCol="0" anchor="ctr"/>
+                <a:lstStyle/>
+                <a:p>
+                  <a:pPr algn="ctr"/>
+                  <a:endParaRPr lang="en-GB" sz="1200" dirty="0">
+                    <a:solidFill>
+                      <a:schemeClr val="tx1"/>
+                    </a:solidFill>
+                  </a:endParaRPr>
+                </a:p>
+              </p:txBody>
+            </p:sp>
+            <p:sp>
+              <p:nvSpPr>
+                <p:cNvPr id="55" name="Rectangle 54">
+                  <a:extLst>
+                    <a:ext uri="{FF2B5EF4-FFF2-40B4-BE49-F238E27FC236}">
+                      <a16:creationId xmlns:a16="http://schemas.microsoft.com/office/drawing/2014/main" id="{10E0CC0C-1DD2-42EA-A395-39F4BEBF74CD}"/>
+                    </a:ext>
+                  </a:extLst>
+                </p:cNvPr>
+                <p:cNvSpPr/>
+                <p:nvPr/>
+              </p:nvSpPr>
+              <p:spPr>
+                <a:xfrm>
+                  <a:off x="3800476" y="2705100"/>
+                  <a:ext cx="85725" cy="171450"/>
+                </a:xfrm>
+                <a:prstGeom prst="rect">
+                  <a:avLst/>
+                </a:prstGeom>
+                <a:solidFill>
+                  <a:schemeClr val="bg1"/>
+                </a:solidFill>
+                <a:ln w="19050">
+                  <a:solidFill>
+                    <a:schemeClr val="accent1">
+                      <a:lumMod val="75000"/>
+                    </a:schemeClr>
+                  </a:solidFill>
+                </a:ln>
+              </p:spPr>
+              <p:style>
+                <a:lnRef idx="2">
+                  <a:schemeClr val="accent1">
+                    <a:shade val="50000"/>
+                  </a:schemeClr>
+                </a:lnRef>
+                <a:fillRef idx="1">
+                  <a:schemeClr val="accent1"/>
+                </a:fillRef>
+                <a:effectRef idx="0">
+                  <a:schemeClr val="accent1"/>
+                </a:effectRef>
+                <a:fontRef idx="minor">
+                  <a:schemeClr val="lt1"/>
+                </a:fontRef>
+              </p:style>
+              <p:txBody>
+                <a:bodyPr rtlCol="0" anchor="ctr"/>
+                <a:lstStyle/>
+                <a:p>
+                  <a:pPr algn="ctr"/>
+                  <a:endParaRPr lang="en-GB" sz="1200" dirty="0">
+                    <a:solidFill>
+                      <a:schemeClr val="tx1"/>
+                    </a:solidFill>
+                  </a:endParaRPr>
+                </a:p>
+              </p:txBody>
+            </p:sp>
+          </p:grpSp>
+        </p:grpSp>
+      </p:grpSp>
+      <p:grpSp>
+        <p:nvGrpSpPr>
+          <p:cNvPr id="27" name="Group 26">
+            <a:extLst>
+              <a:ext uri="{FF2B5EF4-FFF2-40B4-BE49-F238E27FC236}">
+                <a16:creationId xmlns:a16="http://schemas.microsoft.com/office/drawing/2014/main" id="{5650DF0F-1B5E-4F6C-BC95-A530182581F5}"/>
+              </a:ext>
+            </a:extLst>
+          </p:cNvPr>
+          <p:cNvGrpSpPr/>
+          <p:nvPr/>
+        </p:nvGrpSpPr>
+        <p:grpSpPr>
+          <a:xfrm>
+            <a:off x="2568901" y="4729750"/>
+            <a:ext cx="690592" cy="655189"/>
+            <a:chOff x="9761694" y="1995602"/>
+            <a:chExt cx="785980" cy="802842"/>
+          </a:xfrm>
+        </p:grpSpPr>
+        <p:sp>
+          <p:nvSpPr>
+            <p:cNvPr id="44" name="Cylinder 43">
+              <a:extLst>
+                <a:ext uri="{FF2B5EF4-FFF2-40B4-BE49-F238E27FC236}">
+                  <a16:creationId xmlns:a16="http://schemas.microsoft.com/office/drawing/2014/main" id="{4D037C1E-3CBA-4FEC-B30A-74CE9CEA4A7E}"/>
+                </a:ext>
+              </a:extLst>
+            </p:cNvPr>
+            <p:cNvSpPr/>
+            <p:nvPr/>
+          </p:nvSpPr>
+          <p:spPr>
+            <a:xfrm>
+              <a:off x="9766456" y="1995602"/>
+              <a:ext cx="781218" cy="161696"/>
+            </a:xfrm>
+            <a:prstGeom prst="can">
+              <a:avLst/>
+            </a:prstGeom>
+            <a:noFill/>
+            <a:ln w="19050">
+              <a:solidFill>
+                <a:schemeClr val="accent1">
+                  <a:lumMod val="75000"/>
+                </a:schemeClr>
+              </a:solidFill>
+            </a:ln>
+          </p:spPr>
+          <p:style>
+            <a:lnRef idx="2">
+              <a:schemeClr val="accent1">
+                <a:shade val="50000"/>
+              </a:schemeClr>
+            </a:lnRef>
+            <a:fillRef idx="1">
+              <a:schemeClr val="accent1"/>
+            </a:fillRef>
+            <a:effectRef idx="0">
+              <a:schemeClr val="accent1"/>
+            </a:effectRef>
+            <a:fontRef idx="minor">
+              <a:schemeClr val="lt1"/>
+            </a:fontRef>
+          </p:style>
+          <p:txBody>
+            <a:bodyPr rtlCol="0" anchor="ctr"/>
+            <a:lstStyle/>
+            <a:p>
+              <a:pPr algn="ctr"/>
+              <a:endParaRPr lang="en-GB" sz="1200" dirty="0">
+                <a:solidFill>
+                  <a:schemeClr val="tx1"/>
+                </a:solidFill>
+              </a:endParaRPr>
+            </a:p>
+          </p:txBody>
+        </p:sp>
+        <p:sp>
+          <p:nvSpPr>
+            <p:cNvPr id="45" name="Cylinder 44">
+              <a:extLst>
+                <a:ext uri="{FF2B5EF4-FFF2-40B4-BE49-F238E27FC236}">
+                  <a16:creationId xmlns:a16="http://schemas.microsoft.com/office/drawing/2014/main" id="{F46B344C-AAA4-4608-B3EE-62563840012F}"/>
+                </a:ext>
+              </a:extLst>
+            </p:cNvPr>
+            <p:cNvSpPr/>
+            <p:nvPr/>
+          </p:nvSpPr>
+          <p:spPr>
+            <a:xfrm>
+              <a:off x="9761694" y="2159472"/>
+              <a:ext cx="781218" cy="161696"/>
+            </a:xfrm>
+            <a:prstGeom prst="can">
+              <a:avLst/>
+            </a:prstGeom>
+            <a:noFill/>
+            <a:ln w="19050">
+              <a:solidFill>
+                <a:schemeClr val="accent1">
+                  <a:lumMod val="75000"/>
+                </a:schemeClr>
+              </a:solidFill>
+            </a:ln>
+          </p:spPr>
+          <p:style>
+            <a:lnRef idx="2">
+              <a:schemeClr val="accent1">
+                <a:shade val="50000"/>
+              </a:schemeClr>
+            </a:lnRef>
+            <a:fillRef idx="1">
+              <a:schemeClr val="accent1"/>
+            </a:fillRef>
+            <a:effectRef idx="0">
+              <a:schemeClr val="accent1"/>
+            </a:effectRef>
+            <a:fontRef idx="minor">
+              <a:schemeClr val="lt1"/>
+            </a:fontRef>
+          </p:style>
+          <p:txBody>
+            <a:bodyPr rtlCol="0" anchor="ctr"/>
+            <a:lstStyle/>
+            <a:p>
+              <a:pPr algn="ctr"/>
+              <a:endParaRPr lang="en-GB" sz="1200" dirty="0">
+                <a:solidFill>
+                  <a:schemeClr val="tx1"/>
+                </a:solidFill>
+              </a:endParaRPr>
+            </a:p>
+          </p:txBody>
+        </p:sp>
+        <p:sp>
+          <p:nvSpPr>
+            <p:cNvPr id="46" name="Cylinder 45">
+              <a:extLst>
+                <a:ext uri="{FF2B5EF4-FFF2-40B4-BE49-F238E27FC236}">
+                  <a16:creationId xmlns:a16="http://schemas.microsoft.com/office/drawing/2014/main" id="{6508E6F4-9FB2-448D-963A-291CF04170D3}"/>
+                </a:ext>
+              </a:extLst>
+            </p:cNvPr>
+            <p:cNvSpPr/>
+            <p:nvPr/>
+          </p:nvSpPr>
+          <p:spPr>
+            <a:xfrm>
+              <a:off x="9761694" y="2321168"/>
+              <a:ext cx="781218" cy="161696"/>
+            </a:xfrm>
+            <a:prstGeom prst="can">
+              <a:avLst/>
+            </a:prstGeom>
+            <a:noFill/>
+            <a:ln w="19050">
+              <a:solidFill>
+                <a:schemeClr val="accent1">
+                  <a:lumMod val="75000"/>
+                </a:schemeClr>
+              </a:solidFill>
+            </a:ln>
+          </p:spPr>
+          <p:style>
+            <a:lnRef idx="2">
+              <a:schemeClr val="accent1">
+                <a:shade val="50000"/>
+              </a:schemeClr>
+            </a:lnRef>
+            <a:fillRef idx="1">
+              <a:schemeClr val="accent1"/>
+            </a:fillRef>
+            <a:effectRef idx="0">
+              <a:schemeClr val="accent1"/>
+            </a:effectRef>
+            <a:fontRef idx="minor">
+              <a:schemeClr val="lt1"/>
+            </a:fontRef>
+          </p:style>
+          <p:txBody>
+            <a:bodyPr rtlCol="0" anchor="ctr"/>
+            <a:lstStyle/>
+            <a:p>
+              <a:pPr algn="ctr"/>
+              <a:endParaRPr lang="en-GB" sz="1200" dirty="0">
+                <a:solidFill>
+                  <a:schemeClr val="tx1"/>
+                </a:solidFill>
+              </a:endParaRPr>
+            </a:p>
+          </p:txBody>
+        </p:sp>
+        <p:sp>
+          <p:nvSpPr>
+            <p:cNvPr id="47" name="Cylinder 46">
+              <a:extLst>
+                <a:ext uri="{FF2B5EF4-FFF2-40B4-BE49-F238E27FC236}">
+                  <a16:creationId xmlns:a16="http://schemas.microsoft.com/office/drawing/2014/main" id="{528D343B-7471-46DC-9E97-5009640654D1}"/>
+                </a:ext>
+              </a:extLst>
+            </p:cNvPr>
+            <p:cNvSpPr/>
+            <p:nvPr/>
+          </p:nvSpPr>
+          <p:spPr>
+            <a:xfrm>
+              <a:off x="9761694" y="2482864"/>
+              <a:ext cx="781218" cy="161696"/>
+            </a:xfrm>
+            <a:prstGeom prst="can">
+              <a:avLst/>
+            </a:prstGeom>
+            <a:noFill/>
+            <a:ln w="19050">
+              <a:solidFill>
+                <a:schemeClr val="accent1">
+                  <a:lumMod val="75000"/>
+                </a:schemeClr>
+              </a:solidFill>
+            </a:ln>
+          </p:spPr>
+          <p:style>
+            <a:lnRef idx="2">
+              <a:schemeClr val="accent1">
+                <a:shade val="50000"/>
+              </a:schemeClr>
+            </a:lnRef>
+            <a:fillRef idx="1">
+              <a:schemeClr val="accent1"/>
+            </a:fillRef>
+            <a:effectRef idx="0">
+              <a:schemeClr val="accent1"/>
+            </a:effectRef>
+            <a:fontRef idx="minor">
+              <a:schemeClr val="lt1"/>
+            </a:fontRef>
+          </p:style>
+          <p:txBody>
+            <a:bodyPr rtlCol="0" anchor="ctr"/>
+            <a:lstStyle/>
+            <a:p>
+              <a:pPr algn="ctr"/>
+              <a:endParaRPr lang="en-GB" sz="1200" dirty="0">
+                <a:solidFill>
+                  <a:schemeClr val="tx1"/>
+                </a:solidFill>
+              </a:endParaRPr>
+            </a:p>
+          </p:txBody>
+        </p:sp>
+        <p:sp>
+          <p:nvSpPr>
+            <p:cNvPr id="48" name="Cylinder 47">
+              <a:extLst>
+                <a:ext uri="{FF2B5EF4-FFF2-40B4-BE49-F238E27FC236}">
+                  <a16:creationId xmlns:a16="http://schemas.microsoft.com/office/drawing/2014/main" id="{4FDE8F97-6D02-46E9-B8F1-9A59FA4ECAF2}"/>
+                </a:ext>
+              </a:extLst>
+            </p:cNvPr>
+            <p:cNvSpPr/>
+            <p:nvPr/>
+          </p:nvSpPr>
+          <p:spPr>
+            <a:xfrm>
+              <a:off x="9761694" y="2636748"/>
+              <a:ext cx="781218" cy="161696"/>
+            </a:xfrm>
+            <a:prstGeom prst="can">
+              <a:avLst/>
+            </a:prstGeom>
+            <a:noFill/>
+            <a:ln w="19050">
+              <a:solidFill>
+                <a:schemeClr val="accent1">
+                  <a:lumMod val="75000"/>
+                </a:schemeClr>
+              </a:solidFill>
+            </a:ln>
+          </p:spPr>
+          <p:style>
+            <a:lnRef idx="2">
+              <a:schemeClr val="accent1">
+                <a:shade val="50000"/>
+              </a:schemeClr>
+            </a:lnRef>
+            <a:fillRef idx="1">
+              <a:schemeClr val="accent1"/>
+            </a:fillRef>
+            <a:effectRef idx="0">
+              <a:schemeClr val="accent1"/>
+            </a:effectRef>
+            <a:fontRef idx="minor">
+              <a:schemeClr val="lt1"/>
+            </a:fontRef>
+          </p:style>
+          <p:txBody>
+            <a:bodyPr rtlCol="0" anchor="ctr"/>
+            <a:lstStyle/>
+            <a:p>
+              <a:pPr algn="ctr"/>
+              <a:endParaRPr lang="en-GB" sz="1200" dirty="0">
+                <a:solidFill>
+                  <a:schemeClr val="tx1"/>
+                </a:solidFill>
+              </a:endParaRPr>
+            </a:p>
+          </p:txBody>
+        </p:sp>
+      </p:grpSp>
+      <p:sp>
+        <p:nvSpPr>
+          <p:cNvPr id="28" name="TextBox 27">
+            <a:extLst>
+              <a:ext uri="{FF2B5EF4-FFF2-40B4-BE49-F238E27FC236}">
+                <a16:creationId xmlns:a16="http://schemas.microsoft.com/office/drawing/2014/main" id="{888CE22E-8A63-48B6-B6D5-B00B5DA29A58}"/>
+              </a:ext>
+            </a:extLst>
+          </p:cNvPr>
+          <p:cNvSpPr txBox="1"/>
+          <p:nvPr/>
+        </p:nvSpPr>
+        <p:spPr>
+          <a:xfrm>
+            <a:off x="7523804" y="3593148"/>
+            <a:ext cx="1675752" cy="523220"/>
+          </a:xfrm>
+          <a:prstGeom prst="rect">
+            <a:avLst/>
+          </a:prstGeom>
+          <a:noFill/>
+          <a:ln>
+            <a:noFill/>
+          </a:ln>
+        </p:spPr>
+        <p:txBody>
+          <a:bodyPr wrap="square" rtlCol="0">
+            <a:spAutoFit/>
+          </a:bodyPr>
+          <a:lstStyle/>
+          <a:p>
+            <a:pPr algn="ctr"/>
+            <a:r>
+              <a:rPr lang="en-GB" sz="1400" b="1" dirty="0"/>
+              <a:t>&lt;Controller&gt;</a:t>
+            </a:r>
+          </a:p>
+          <a:p>
+            <a:pPr algn="ctr"/>
+            <a:r>
+              <a:rPr lang="en-GB" sz="1400" b="1" dirty="0"/>
+              <a:t>GappController</a:t>
+            </a:r>
+          </a:p>
+        </p:txBody>
+      </p:sp>
+      <p:sp>
+        <p:nvSpPr>
+          <p:cNvPr id="29" name="TextBox 28">
+            <a:extLst>
+              <a:ext uri="{FF2B5EF4-FFF2-40B4-BE49-F238E27FC236}">
+                <a16:creationId xmlns:a16="http://schemas.microsoft.com/office/drawing/2014/main" id="{BA820483-B888-439A-AE5C-E621408FE418}"/>
+              </a:ext>
+            </a:extLst>
+          </p:cNvPr>
+          <p:cNvSpPr txBox="1"/>
+          <p:nvPr/>
+        </p:nvSpPr>
+        <p:spPr>
+          <a:xfrm>
+            <a:off x="4738380" y="3626183"/>
+            <a:ext cx="1466322" cy="523220"/>
+          </a:xfrm>
+          <a:prstGeom prst="rect">
+            <a:avLst/>
+          </a:prstGeom>
+          <a:noFill/>
+          <a:ln>
+            <a:noFill/>
+          </a:ln>
+        </p:spPr>
+        <p:txBody>
+          <a:bodyPr wrap="square" rtlCol="0">
+            <a:spAutoFit/>
+          </a:bodyPr>
+          <a:lstStyle>
+            <a:defPPr>
+              <a:defRPr lang="en-US"/>
+            </a:defPPr>
+            <a:lvl1pPr algn="ctr">
+              <a:defRPr sz="1400" b="1"/>
+            </a:lvl1pPr>
+          </a:lstStyle>
+          <a:p>
+            <a:r>
+              <a:rPr lang="en-GB" dirty="0"/>
+              <a:t>&lt;Service&gt;</a:t>
+            </a:r>
+          </a:p>
+          <a:p>
+            <a:r>
+              <a:rPr lang="en-GB" dirty="0"/>
+              <a:t>GappService</a:t>
+            </a:r>
+          </a:p>
+        </p:txBody>
+      </p:sp>
+      <p:sp>
+        <p:nvSpPr>
+          <p:cNvPr id="30" name="TextBox 29">
+            <a:extLst>
+              <a:ext uri="{FF2B5EF4-FFF2-40B4-BE49-F238E27FC236}">
+                <a16:creationId xmlns:a16="http://schemas.microsoft.com/office/drawing/2014/main" id="{1391A31E-A9C2-4C1B-B04C-A49361BF69D7}"/>
+              </a:ext>
+            </a:extLst>
+          </p:cNvPr>
+          <p:cNvSpPr txBox="1"/>
+          <p:nvPr/>
+        </p:nvSpPr>
+        <p:spPr>
+          <a:xfrm>
+            <a:off x="2017266" y="3593148"/>
+            <a:ext cx="1541926" cy="523220"/>
+          </a:xfrm>
+          <a:prstGeom prst="rect">
+            <a:avLst/>
+          </a:prstGeom>
+          <a:noFill/>
+          <a:ln>
+            <a:noFill/>
+          </a:ln>
+        </p:spPr>
+        <p:txBody>
+          <a:bodyPr wrap="square" rtlCol="0">
+            <a:spAutoFit/>
+          </a:bodyPr>
+          <a:lstStyle>
+            <a:defPPr>
+              <a:defRPr lang="en-US"/>
+            </a:defPPr>
+            <a:lvl1pPr algn="ctr">
+              <a:defRPr sz="1400" b="1"/>
+            </a:lvl1pPr>
+          </a:lstStyle>
+          <a:p>
+            <a:r>
+              <a:rPr lang="en-GB" dirty="0"/>
+              <a:t>&lt;Repository&gt;</a:t>
+            </a:r>
+          </a:p>
+          <a:p>
+            <a:r>
+              <a:rPr lang="en-GB" dirty="0"/>
+              <a:t>GappRepository</a:t>
+            </a:r>
+          </a:p>
+        </p:txBody>
+      </p:sp>
+      <p:cxnSp>
+        <p:nvCxnSpPr>
+          <p:cNvPr id="31" name="Straight Connector 30">
+            <a:extLst>
+              <a:ext uri="{FF2B5EF4-FFF2-40B4-BE49-F238E27FC236}">
+                <a16:creationId xmlns:a16="http://schemas.microsoft.com/office/drawing/2014/main" id="{A78486E0-9092-4BF3-AD11-FA5E5EAFBE2C}"/>
+              </a:ext>
+            </a:extLst>
+          </p:cNvPr>
+          <p:cNvCxnSpPr>
+            <a:cxnSpLocks/>
+            <a:stCxn id="74" idx="6"/>
+            <a:endCxn id="62" idx="3"/>
+          </p:cNvCxnSpPr>
+          <p:nvPr/>
+        </p:nvCxnSpPr>
+        <p:spPr>
+          <a:xfrm flipV="1">
+            <a:off x="3609891" y="3746453"/>
+            <a:ext cx="1023646" cy="1"/>
+          </a:xfrm>
+          <a:prstGeom prst="line">
+            <a:avLst/>
+          </a:prstGeom>
+          <a:ln>
+            <a:solidFill>
+              <a:schemeClr val="accent1">
+                <a:lumMod val="75000"/>
+              </a:schemeClr>
+            </a:solidFill>
+            <a:headEnd type="triangle" w="med" len="med"/>
+            <a:tailEnd type="none" w="med" len="med"/>
+          </a:ln>
+        </p:spPr>
+        <p:style>
+          <a:lnRef idx="1">
+            <a:schemeClr val="accent1"/>
+          </a:lnRef>
+          <a:fillRef idx="0">
+            <a:schemeClr val="accent1"/>
+          </a:fillRef>
+          <a:effectRef idx="0">
+            <a:schemeClr val="accent1"/>
+          </a:effectRef>
+          <a:fontRef idx="minor">
+            <a:schemeClr val="tx1"/>
+          </a:fontRef>
+        </p:style>
+      </p:cxnSp>
+      <p:cxnSp>
+        <p:nvCxnSpPr>
+          <p:cNvPr id="32" name="Straight Connector 31">
+            <a:extLst>
+              <a:ext uri="{FF2B5EF4-FFF2-40B4-BE49-F238E27FC236}">
+                <a16:creationId xmlns:a16="http://schemas.microsoft.com/office/drawing/2014/main" id="{1639E256-9E17-4200-B0C7-4414B9A9999E}"/>
+              </a:ext>
+            </a:extLst>
+          </p:cNvPr>
+          <p:cNvCxnSpPr>
+            <a:cxnSpLocks/>
+            <a:stCxn id="77" idx="3"/>
+            <a:endCxn id="59" idx="6"/>
+          </p:cNvCxnSpPr>
+          <p:nvPr/>
+        </p:nvCxnSpPr>
+        <p:spPr>
+          <a:xfrm flipV="1">
+            <a:off x="3609891" y="4086174"/>
+            <a:ext cx="1023648" cy="1"/>
+          </a:xfrm>
+          <a:prstGeom prst="line">
+            <a:avLst/>
+          </a:prstGeom>
+          <a:ln>
+            <a:solidFill>
+              <a:schemeClr val="accent1">
+                <a:lumMod val="75000"/>
+              </a:schemeClr>
+            </a:solidFill>
+            <a:headEnd type="none" w="med" len="med"/>
+            <a:tailEnd type="triangle" w="med" len="med"/>
+          </a:ln>
+        </p:spPr>
+        <p:style>
+          <a:lnRef idx="1">
+            <a:schemeClr val="accent1"/>
+          </a:lnRef>
+          <a:fillRef idx="0">
+            <a:schemeClr val="accent1"/>
+          </a:fillRef>
+          <a:effectRef idx="0">
+            <a:schemeClr val="accent1"/>
+          </a:effectRef>
+          <a:fontRef idx="minor">
+            <a:schemeClr val="tx1"/>
+          </a:fontRef>
+        </p:style>
+      </p:cxnSp>
+      <p:cxnSp>
+        <p:nvCxnSpPr>
+          <p:cNvPr id="33" name="Straight Connector 32">
+            <a:extLst>
+              <a:ext uri="{FF2B5EF4-FFF2-40B4-BE49-F238E27FC236}">
+                <a16:creationId xmlns:a16="http://schemas.microsoft.com/office/drawing/2014/main" id="{841AF70D-C7E7-4E5B-A1F1-C06C43A909B7}"/>
+              </a:ext>
+            </a:extLst>
+          </p:cNvPr>
+          <p:cNvCxnSpPr>
+            <a:cxnSpLocks/>
+            <a:stCxn id="65" idx="6"/>
+            <a:endCxn id="52" idx="6"/>
+          </p:cNvCxnSpPr>
+          <p:nvPr/>
+        </p:nvCxnSpPr>
+        <p:spPr>
+          <a:xfrm flipV="1">
+            <a:off x="6305646" y="4086174"/>
+            <a:ext cx="1240134" cy="1"/>
+          </a:xfrm>
+          <a:prstGeom prst="line">
+            <a:avLst/>
+          </a:prstGeom>
+          <a:ln>
+            <a:solidFill>
+              <a:schemeClr val="accent1">
+                <a:lumMod val="75000"/>
+              </a:schemeClr>
+            </a:solidFill>
+            <a:headEnd type="none" w="med" len="med"/>
+            <a:tailEnd type="triangle" w="med" len="med"/>
+          </a:ln>
+        </p:spPr>
+        <p:style>
+          <a:lnRef idx="1">
+            <a:schemeClr val="accent1"/>
+          </a:lnRef>
+          <a:fillRef idx="0">
+            <a:schemeClr val="accent1"/>
+          </a:fillRef>
+          <a:effectRef idx="0">
+            <a:schemeClr val="accent1"/>
+          </a:effectRef>
+          <a:fontRef idx="minor">
+            <a:schemeClr val="tx1"/>
+          </a:fontRef>
+        </p:style>
+      </p:cxnSp>
+      <p:cxnSp>
+        <p:nvCxnSpPr>
+          <p:cNvPr id="34" name="Straight Connector 33">
+            <a:extLst>
+              <a:ext uri="{FF2B5EF4-FFF2-40B4-BE49-F238E27FC236}">
+                <a16:creationId xmlns:a16="http://schemas.microsoft.com/office/drawing/2014/main" id="{CAFA81E0-7DBD-4599-816E-AE192E2F964C}"/>
+              </a:ext>
+            </a:extLst>
+          </p:cNvPr>
+          <p:cNvCxnSpPr>
+            <a:cxnSpLocks/>
+            <a:stCxn id="63" idx="6"/>
+            <a:endCxn id="55" idx="3"/>
+          </p:cNvCxnSpPr>
+          <p:nvPr/>
+        </p:nvCxnSpPr>
+        <p:spPr>
+          <a:xfrm flipV="1">
+            <a:off x="6305646" y="3746453"/>
+            <a:ext cx="1240133" cy="1"/>
+          </a:xfrm>
+          <a:prstGeom prst="line">
+            <a:avLst/>
+          </a:prstGeom>
+          <a:ln>
+            <a:solidFill>
+              <a:schemeClr val="accent1">
+                <a:lumMod val="75000"/>
+              </a:schemeClr>
+            </a:solidFill>
+            <a:headEnd type="triangle" w="med" len="med"/>
+            <a:tailEnd type="none" w="med" len="med"/>
+          </a:ln>
+        </p:spPr>
+        <p:style>
+          <a:lnRef idx="1">
+            <a:schemeClr val="accent1"/>
+          </a:lnRef>
+          <a:fillRef idx="0">
+            <a:schemeClr val="accent1"/>
+          </a:fillRef>
+          <a:effectRef idx="0">
+            <a:schemeClr val="accent1"/>
+          </a:effectRef>
+          <a:fontRef idx="minor">
+            <a:schemeClr val="tx1"/>
+          </a:fontRef>
+        </p:style>
+      </p:cxnSp>
+      <p:grpSp>
+        <p:nvGrpSpPr>
+          <p:cNvPr id="36" name="Group 35">
+            <a:extLst>
+              <a:ext uri="{FF2B5EF4-FFF2-40B4-BE49-F238E27FC236}">
+                <a16:creationId xmlns:a16="http://schemas.microsoft.com/office/drawing/2014/main" id="{6137E217-78B0-4A71-8883-3EB466919340}"/>
+              </a:ext>
+            </a:extLst>
+          </p:cNvPr>
+          <p:cNvGrpSpPr/>
+          <p:nvPr/>
+        </p:nvGrpSpPr>
+        <p:grpSpPr>
+          <a:xfrm rot="5400000">
+            <a:off x="2803136" y="4293776"/>
+            <a:ext cx="222125" cy="218101"/>
+            <a:chOff x="3724275" y="2705100"/>
+            <a:chExt cx="161925" cy="171450"/>
+          </a:xfrm>
+        </p:grpSpPr>
+        <p:sp>
+          <p:nvSpPr>
+            <p:cNvPr id="42" name="Oval 41">
+              <a:extLst>
+                <a:ext uri="{FF2B5EF4-FFF2-40B4-BE49-F238E27FC236}">
+                  <a16:creationId xmlns:a16="http://schemas.microsoft.com/office/drawing/2014/main" id="{77D0CD82-0D66-4959-8448-E198080C6B72}"/>
+                </a:ext>
+              </a:extLst>
+            </p:cNvPr>
+            <p:cNvSpPr/>
+            <p:nvPr/>
+          </p:nvSpPr>
+          <p:spPr>
+            <a:xfrm>
+              <a:off x="3724275" y="2705100"/>
+              <a:ext cx="161925" cy="171450"/>
+            </a:xfrm>
+            <a:prstGeom prst="ellipse">
+              <a:avLst/>
+            </a:prstGeom>
+            <a:noFill/>
+            <a:ln w="19050">
+              <a:solidFill>
+                <a:schemeClr val="accent1">
+                  <a:lumMod val="75000"/>
+                </a:schemeClr>
+              </a:solidFill>
+            </a:ln>
+          </p:spPr>
+          <p:style>
+            <a:lnRef idx="2">
+              <a:schemeClr val="accent1">
+                <a:shade val="50000"/>
+              </a:schemeClr>
+            </a:lnRef>
+            <a:fillRef idx="1">
+              <a:schemeClr val="accent1"/>
+            </a:fillRef>
+            <a:effectRef idx="0">
+              <a:schemeClr val="accent1"/>
+            </a:effectRef>
+            <a:fontRef idx="minor">
+              <a:schemeClr val="lt1"/>
+            </a:fontRef>
+          </p:style>
+          <p:txBody>
+            <a:bodyPr rtlCol="0" anchor="ctr"/>
+            <a:lstStyle/>
+            <a:p>
+              <a:pPr algn="ctr"/>
+              <a:endParaRPr lang="en-GB" sz="1200" dirty="0">
+                <a:solidFill>
+                  <a:schemeClr val="tx1"/>
+                </a:solidFill>
+              </a:endParaRPr>
+            </a:p>
+          </p:txBody>
+        </p:sp>
+        <p:sp>
+          <p:nvSpPr>
+            <p:cNvPr id="43" name="Rectangle 42">
+              <a:extLst>
+                <a:ext uri="{FF2B5EF4-FFF2-40B4-BE49-F238E27FC236}">
+                  <a16:creationId xmlns:a16="http://schemas.microsoft.com/office/drawing/2014/main" id="{5629B4DA-954B-411E-9E79-34FEDF968402}"/>
+                </a:ext>
+              </a:extLst>
+            </p:cNvPr>
+            <p:cNvSpPr/>
+            <p:nvPr/>
+          </p:nvSpPr>
+          <p:spPr>
+            <a:xfrm>
+              <a:off x="3800475" y="2705100"/>
+              <a:ext cx="85725" cy="171450"/>
+            </a:xfrm>
+            <a:prstGeom prst="rect">
+              <a:avLst/>
+            </a:prstGeom>
+            <a:solidFill>
+              <a:schemeClr val="bg1"/>
+            </a:solidFill>
+            <a:ln w="19050">
+              <a:solidFill>
+                <a:schemeClr val="accent1">
+                  <a:lumMod val="75000"/>
+                </a:schemeClr>
+              </a:solidFill>
+            </a:ln>
+          </p:spPr>
+          <p:style>
+            <a:lnRef idx="2">
+              <a:schemeClr val="accent1">
+                <a:shade val="50000"/>
+              </a:schemeClr>
+            </a:lnRef>
+            <a:fillRef idx="1">
+              <a:schemeClr val="accent1"/>
+            </a:fillRef>
+            <a:effectRef idx="0">
+              <a:schemeClr val="accent1"/>
+            </a:effectRef>
+            <a:fontRef idx="minor">
+              <a:schemeClr val="lt1"/>
+            </a:fontRef>
+          </p:style>
+          <p:txBody>
+            <a:bodyPr rtlCol="0" anchor="ctr"/>
+            <a:lstStyle/>
+            <a:p>
+              <a:pPr algn="ctr"/>
+              <a:endParaRPr lang="en-GB" sz="1200" dirty="0">
+                <a:solidFill>
+                  <a:schemeClr val="tx1"/>
+                </a:solidFill>
+              </a:endParaRPr>
+            </a:p>
+          </p:txBody>
+        </p:sp>
+      </p:grpSp>
+      <p:grpSp>
+        <p:nvGrpSpPr>
+          <p:cNvPr id="37" name="Group 36">
+            <a:extLst>
+              <a:ext uri="{FF2B5EF4-FFF2-40B4-BE49-F238E27FC236}">
+                <a16:creationId xmlns:a16="http://schemas.microsoft.com/office/drawing/2014/main" id="{548602C2-E4F9-4399-8C61-4961ECAC619F}"/>
+              </a:ext>
+            </a:extLst>
+          </p:cNvPr>
+          <p:cNvGrpSpPr/>
+          <p:nvPr/>
+        </p:nvGrpSpPr>
+        <p:grpSpPr>
+          <a:xfrm>
+            <a:off x="9006697" y="3654991"/>
+            <a:ext cx="205985" cy="235191"/>
+            <a:chOff x="3724275" y="2705100"/>
+            <a:chExt cx="161925" cy="171450"/>
+          </a:xfrm>
+        </p:grpSpPr>
+        <p:sp>
+          <p:nvSpPr>
+            <p:cNvPr id="40" name="Oval 39">
+              <a:extLst>
+                <a:ext uri="{FF2B5EF4-FFF2-40B4-BE49-F238E27FC236}">
+                  <a16:creationId xmlns:a16="http://schemas.microsoft.com/office/drawing/2014/main" id="{29FA387A-9818-4E72-8144-F29E73C28DEE}"/>
+                </a:ext>
+              </a:extLst>
+            </p:cNvPr>
+            <p:cNvSpPr/>
+            <p:nvPr/>
+          </p:nvSpPr>
+          <p:spPr>
+            <a:xfrm>
+              <a:off x="3724275" y="2705100"/>
+              <a:ext cx="161925" cy="171450"/>
+            </a:xfrm>
+            <a:prstGeom prst="ellipse">
+              <a:avLst/>
+            </a:prstGeom>
+            <a:noFill/>
+            <a:ln w="19050">
+              <a:solidFill>
+                <a:schemeClr val="accent1">
+                  <a:lumMod val="75000"/>
+                </a:schemeClr>
+              </a:solidFill>
+            </a:ln>
+          </p:spPr>
+          <p:style>
+            <a:lnRef idx="2">
+              <a:schemeClr val="accent1">
+                <a:shade val="50000"/>
+              </a:schemeClr>
+            </a:lnRef>
+            <a:fillRef idx="1">
+              <a:schemeClr val="accent1"/>
+            </a:fillRef>
+            <a:effectRef idx="0">
+              <a:schemeClr val="accent1"/>
+            </a:effectRef>
+            <a:fontRef idx="minor">
+              <a:schemeClr val="lt1"/>
+            </a:fontRef>
+          </p:style>
+          <p:txBody>
+            <a:bodyPr rtlCol="0" anchor="ctr"/>
+            <a:lstStyle/>
+            <a:p>
+              <a:pPr algn="ctr"/>
+              <a:endParaRPr lang="en-GB" sz="1200" dirty="0">
+                <a:solidFill>
+                  <a:schemeClr val="tx1"/>
+                </a:solidFill>
+              </a:endParaRPr>
+            </a:p>
+          </p:txBody>
+        </p:sp>
+        <p:sp>
+          <p:nvSpPr>
+            <p:cNvPr id="41" name="Rectangle 40">
+              <a:extLst>
+                <a:ext uri="{FF2B5EF4-FFF2-40B4-BE49-F238E27FC236}">
+                  <a16:creationId xmlns:a16="http://schemas.microsoft.com/office/drawing/2014/main" id="{8C055E79-123B-4569-9992-2B049B5BF1EA}"/>
+                </a:ext>
+              </a:extLst>
+            </p:cNvPr>
+            <p:cNvSpPr/>
+            <p:nvPr/>
+          </p:nvSpPr>
+          <p:spPr>
+            <a:xfrm>
+              <a:off x="3800475" y="2705100"/>
+              <a:ext cx="85725" cy="171450"/>
+            </a:xfrm>
+            <a:prstGeom prst="rect">
+              <a:avLst/>
+            </a:prstGeom>
+            <a:solidFill>
+              <a:schemeClr val="bg1"/>
+            </a:solidFill>
+            <a:ln w="19050">
+              <a:solidFill>
+                <a:schemeClr val="accent1">
+                  <a:lumMod val="75000"/>
+                </a:schemeClr>
+              </a:solidFill>
+            </a:ln>
+          </p:spPr>
+          <p:style>
+            <a:lnRef idx="2">
+              <a:schemeClr val="accent1">
+                <a:shade val="50000"/>
+              </a:schemeClr>
+            </a:lnRef>
+            <a:fillRef idx="1">
+              <a:schemeClr val="accent1"/>
+            </a:fillRef>
+            <a:effectRef idx="0">
+              <a:schemeClr val="accent1"/>
+            </a:effectRef>
+            <a:fontRef idx="minor">
+              <a:schemeClr val="lt1"/>
+            </a:fontRef>
+          </p:style>
+          <p:txBody>
+            <a:bodyPr rtlCol="0" anchor="ctr"/>
+            <a:lstStyle/>
+            <a:p>
+              <a:pPr algn="ctr"/>
+              <a:endParaRPr lang="en-GB" sz="1200" dirty="0">
+                <a:solidFill>
+                  <a:schemeClr val="tx1"/>
+                </a:solidFill>
+              </a:endParaRPr>
+            </a:p>
+          </p:txBody>
+        </p:sp>
+      </p:grpSp>
+      <p:cxnSp>
+        <p:nvCxnSpPr>
+          <p:cNvPr id="38" name="Straight Connector 37">
+            <a:extLst>
+              <a:ext uri="{FF2B5EF4-FFF2-40B4-BE49-F238E27FC236}">
+                <a16:creationId xmlns:a16="http://schemas.microsoft.com/office/drawing/2014/main" id="{F7F0F0AA-BE22-43D7-9A77-E0663627BEE6}"/>
+              </a:ext>
+            </a:extLst>
+          </p:cNvPr>
+          <p:cNvCxnSpPr>
+            <a:cxnSpLocks/>
+            <a:stCxn id="43" idx="3"/>
+            <a:endCxn id="44" idx="1"/>
+          </p:cNvCxnSpPr>
+          <p:nvPr/>
+        </p:nvCxnSpPr>
+        <p:spPr>
+          <a:xfrm>
+            <a:off x="2914199" y="4513890"/>
+            <a:ext cx="2090" cy="215860"/>
+          </a:xfrm>
+          <a:prstGeom prst="line">
+            <a:avLst/>
+          </a:prstGeom>
+          <a:ln>
+            <a:solidFill>
+              <a:schemeClr val="accent1">
+                <a:lumMod val="75000"/>
+              </a:schemeClr>
+            </a:solidFill>
+            <a:headEnd type="triangle" w="med" len="med"/>
+            <a:tailEnd type="triangle" w="med" len="med"/>
+          </a:ln>
+        </p:spPr>
+        <p:style>
+          <a:lnRef idx="1">
+            <a:schemeClr val="accent1"/>
+          </a:lnRef>
+          <a:fillRef idx="0">
+            <a:schemeClr val="accent1"/>
+          </a:fillRef>
+          <a:effectRef idx="0">
+            <a:schemeClr val="accent1"/>
+          </a:effectRef>
+          <a:fontRef idx="minor">
+            <a:schemeClr val="tx1"/>
+          </a:fontRef>
+        </p:style>
+      </p:cxnSp>
+      <p:sp>
+        <p:nvSpPr>
+          <p:cNvPr id="83" name="TextBox 82">
+            <a:extLst>
+              <a:ext uri="{FF2B5EF4-FFF2-40B4-BE49-F238E27FC236}">
+                <a16:creationId xmlns:a16="http://schemas.microsoft.com/office/drawing/2014/main" id="{031B19CA-64CA-4542-A96E-7D7AD9E6615B}"/>
+              </a:ext>
+            </a:extLst>
+          </p:cNvPr>
+          <p:cNvSpPr txBox="1"/>
+          <p:nvPr/>
+        </p:nvSpPr>
+        <p:spPr>
+          <a:xfrm>
+            <a:off x="3139403" y="4281128"/>
+            <a:ext cx="1811825" cy="523220"/>
+          </a:xfrm>
+          <a:prstGeom prst="rect">
+            <a:avLst/>
+          </a:prstGeom>
+          <a:noFill/>
+          <a:ln>
+            <a:noFill/>
+          </a:ln>
+        </p:spPr>
+        <p:txBody>
+          <a:bodyPr wrap="square" rtlCol="0">
+            <a:spAutoFit/>
+          </a:bodyPr>
+          <a:lstStyle>
+            <a:defPPr>
+              <a:defRPr lang="en-US"/>
+            </a:defPPr>
+            <a:lvl1pPr algn="ctr">
+              <a:defRPr sz="1400" b="1"/>
+            </a:lvl1pPr>
+          </a:lstStyle>
+          <a:p>
+            <a:r>
+              <a:rPr lang="en-GB" dirty="0"/>
+              <a:t>&lt;entity&gt;</a:t>
+            </a:r>
+          </a:p>
+          <a:p>
+            <a:r>
+              <a:rPr lang="en-GB" dirty="0"/>
+              <a:t>GappData</a:t>
+            </a:r>
+          </a:p>
+        </p:txBody>
+      </p:sp>
+      <p:sp>
+        <p:nvSpPr>
+          <p:cNvPr id="80" name="Rectangle: Rounded Corners 79">
+            <a:extLst>
+              <a:ext uri="{FF2B5EF4-FFF2-40B4-BE49-F238E27FC236}">
+                <a16:creationId xmlns:a16="http://schemas.microsoft.com/office/drawing/2014/main" id="{D82453B0-8DD3-40DD-80F3-D073D98E0DE2}"/>
+              </a:ext>
+            </a:extLst>
+          </p:cNvPr>
+          <p:cNvSpPr/>
+          <p:nvPr/>
+        </p:nvSpPr>
+        <p:spPr>
+          <a:xfrm>
+            <a:off x="3255309" y="4564651"/>
+            <a:ext cx="281905" cy="282761"/>
+          </a:xfrm>
+          <a:prstGeom prst="roundRect">
+            <a:avLst/>
+          </a:prstGeom>
+          <a:solidFill>
+            <a:schemeClr val="accent1">
+              <a:lumMod val="20000"/>
+              <a:lumOff val="80000"/>
+            </a:schemeClr>
+          </a:solidFill>
+        </p:spPr>
+        <p:style>
+          <a:lnRef idx="2">
+            <a:schemeClr val="accent1">
+              <a:shade val="50000"/>
+            </a:schemeClr>
+          </a:lnRef>
+          <a:fillRef idx="1">
+            <a:schemeClr val="accent1"/>
+          </a:fillRef>
+          <a:effectRef idx="0">
+            <a:schemeClr val="accent1"/>
+          </a:effectRef>
+          <a:fontRef idx="minor">
+            <a:schemeClr val="lt1"/>
+          </a:fontRef>
+        </p:style>
+        <p:txBody>
+          <a:bodyPr rtlCol="0" anchor="ctr"/>
+          <a:lstStyle/>
+          <a:p>
+            <a:pPr algn="ctr"/>
+            <a:endParaRPr lang="en-GB"/>
+          </a:p>
+        </p:txBody>
+      </p:sp>
+      <p:sp>
+        <p:nvSpPr>
+          <p:cNvPr id="81" name="Rectangle: Rounded Corners 80">
+            <a:extLst>
+              <a:ext uri="{FF2B5EF4-FFF2-40B4-BE49-F238E27FC236}">
+                <a16:creationId xmlns:a16="http://schemas.microsoft.com/office/drawing/2014/main" id="{55EA4D50-752A-4BBD-8651-8940CA2510D7}"/>
+              </a:ext>
+            </a:extLst>
+          </p:cNvPr>
+          <p:cNvSpPr/>
+          <p:nvPr/>
+        </p:nvSpPr>
+        <p:spPr>
+          <a:xfrm>
+            <a:off x="3383272" y="4660334"/>
+            <a:ext cx="281905" cy="282761"/>
+          </a:xfrm>
+          <a:prstGeom prst="roundRect">
+            <a:avLst/>
+          </a:prstGeom>
+          <a:solidFill>
+            <a:schemeClr val="accent1">
+              <a:lumMod val="20000"/>
+              <a:lumOff val="80000"/>
+            </a:schemeClr>
+          </a:solidFill>
+        </p:spPr>
+        <p:style>
+          <a:lnRef idx="2">
+            <a:schemeClr val="accent1">
+              <a:shade val="50000"/>
+            </a:schemeClr>
+          </a:lnRef>
+          <a:fillRef idx="1">
+            <a:schemeClr val="accent1"/>
+          </a:fillRef>
+          <a:effectRef idx="0">
+            <a:schemeClr val="accent1"/>
+          </a:effectRef>
+          <a:fontRef idx="minor">
+            <a:schemeClr val="lt1"/>
+          </a:fontRef>
+        </p:style>
+        <p:txBody>
+          <a:bodyPr rtlCol="0" anchor="ctr"/>
+          <a:lstStyle/>
+          <a:p>
+            <a:pPr algn="ctr"/>
+            <a:endParaRPr lang="en-GB"/>
+          </a:p>
+        </p:txBody>
+      </p:sp>
+      <p:sp>
+        <p:nvSpPr>
+          <p:cNvPr id="82" name="Rectangle: Rounded Corners 81">
+            <a:extLst>
+              <a:ext uri="{FF2B5EF4-FFF2-40B4-BE49-F238E27FC236}">
+                <a16:creationId xmlns:a16="http://schemas.microsoft.com/office/drawing/2014/main" id="{7495D50F-BCD9-46C7-8800-823563B8C64C}"/>
+              </a:ext>
+            </a:extLst>
+          </p:cNvPr>
+          <p:cNvSpPr/>
+          <p:nvPr/>
+        </p:nvSpPr>
+        <p:spPr>
+          <a:xfrm>
+            <a:off x="3511236" y="4756017"/>
+            <a:ext cx="281905" cy="282761"/>
+          </a:xfrm>
+          <a:prstGeom prst="roundRect">
+            <a:avLst/>
+          </a:prstGeom>
+          <a:solidFill>
+            <a:schemeClr val="accent1">
+              <a:lumMod val="20000"/>
+              <a:lumOff val="80000"/>
+            </a:schemeClr>
+          </a:solidFill>
+        </p:spPr>
+        <p:style>
+          <a:lnRef idx="2">
+            <a:schemeClr val="accent1">
+              <a:shade val="50000"/>
+            </a:schemeClr>
+          </a:lnRef>
+          <a:fillRef idx="1">
+            <a:schemeClr val="accent1"/>
+          </a:fillRef>
+          <a:effectRef idx="0">
+            <a:schemeClr val="accent1"/>
+          </a:effectRef>
+          <a:fontRef idx="minor">
+            <a:schemeClr val="lt1"/>
+          </a:fontRef>
+        </p:style>
+        <p:txBody>
+          <a:bodyPr rtlCol="0" anchor="ctr"/>
+          <a:lstStyle/>
+          <a:p>
+            <a:pPr algn="ctr"/>
+            <a:endParaRPr lang="en-GB"/>
+          </a:p>
+        </p:txBody>
+      </p:sp>
+      <p:sp>
+        <p:nvSpPr>
+          <p:cNvPr id="84" name="Rectangle 83">
+            <a:extLst>
+              <a:ext uri="{FF2B5EF4-FFF2-40B4-BE49-F238E27FC236}">
+                <a16:creationId xmlns:a16="http://schemas.microsoft.com/office/drawing/2014/main" id="{D57C782A-FE0C-413D-BF38-5CF9BA09EB48}"/>
+              </a:ext>
+            </a:extLst>
+          </p:cNvPr>
+          <p:cNvSpPr/>
+          <p:nvPr/>
+        </p:nvSpPr>
+        <p:spPr>
+          <a:xfrm>
+            <a:off x="2568901" y="1734654"/>
+            <a:ext cx="6637295" cy="1015663"/>
+          </a:xfrm>
+          <a:prstGeom prst="rect">
+            <a:avLst/>
+          </a:prstGeom>
+        </p:spPr>
+        <p:txBody>
+          <a:bodyPr wrap="square">
+            <a:spAutoFit/>
+          </a:bodyPr>
+          <a:lstStyle/>
+          <a:p>
+            <a:pPr algn="ctr"/>
+            <a:r>
+              <a:rPr lang="en-GB" sz="2000" dirty="0"/>
+              <a:t>&lt;SpringBootApplication,</a:t>
+            </a:r>
+          </a:p>
+          <a:p>
+            <a:pPr algn="ctr"/>
+            <a:r>
+              <a:rPr lang="tr-TR" sz="2000" dirty="0"/>
+              <a:t>charger-station</a:t>
+            </a:r>
+            <a:r>
+              <a:rPr lang="en-GB" sz="2000" dirty="0"/>
+              <a:t>-application&gt;</a:t>
+            </a:r>
+          </a:p>
+          <a:p>
+            <a:pPr algn="ctr"/>
+            <a:r>
+              <a:rPr lang="tr-TR" sz="2000" b="1" dirty="0">
+                <a:solidFill>
+                  <a:srgbClr val="C00000"/>
+                </a:solidFill>
+              </a:rPr>
+              <a:t>cs</a:t>
+            </a:r>
+            <a:endParaRPr lang="en-GB" sz="2000" b="1" dirty="0">
+              <a:solidFill>
+                <a:srgbClr val="C00000"/>
+              </a:solidFill>
+            </a:endParaRPr>
+          </a:p>
+        </p:txBody>
+      </p:sp>
+      <p:sp>
+        <p:nvSpPr>
+          <p:cNvPr id="6" name="Right Brace 5">
+            <a:extLst>
+              <a:ext uri="{FF2B5EF4-FFF2-40B4-BE49-F238E27FC236}">
+                <a16:creationId xmlns:a16="http://schemas.microsoft.com/office/drawing/2014/main" id="{51B899BC-0FA5-441F-8A1A-10C1CFEFBA35}"/>
+              </a:ext>
+            </a:extLst>
+          </p:cNvPr>
+          <p:cNvSpPr/>
+          <p:nvPr/>
+        </p:nvSpPr>
+        <p:spPr>
+          <a:xfrm rot="5400000">
+            <a:off x="5351494" y="4472754"/>
+            <a:ext cx="386462" cy="2841590"/>
+          </a:xfrm>
+          <a:prstGeom prst="rightBrace">
+            <a:avLst/>
+          </a:prstGeom>
+        </p:spPr>
+        <p:style>
+          <a:lnRef idx="1">
+            <a:schemeClr val="accent1"/>
+          </a:lnRef>
+          <a:fillRef idx="0">
+            <a:schemeClr val="accent1"/>
+          </a:fillRef>
+          <a:effectRef idx="0">
+            <a:schemeClr val="accent1"/>
+          </a:effectRef>
+          <a:fontRef idx="minor">
+            <a:schemeClr val="tx1"/>
+          </a:fontRef>
+        </p:style>
+        <p:txBody>
+          <a:bodyPr rtlCol="0" anchor="ctr"/>
+          <a:lstStyle/>
+          <a:p>
+            <a:pPr algn="ctr"/>
+            <a:endParaRPr lang="en-GB"/>
+          </a:p>
+        </p:txBody>
+      </p:sp>
+      <p:sp>
+        <p:nvSpPr>
+          <p:cNvPr id="85" name="Right Brace 84">
+            <a:extLst>
+              <a:ext uri="{FF2B5EF4-FFF2-40B4-BE49-F238E27FC236}">
+                <a16:creationId xmlns:a16="http://schemas.microsoft.com/office/drawing/2014/main" id="{6B089AEE-C3B4-41BF-82E7-FCBA88E9B5BD}"/>
+              </a:ext>
+            </a:extLst>
+          </p:cNvPr>
+          <p:cNvSpPr/>
+          <p:nvPr/>
+        </p:nvSpPr>
+        <p:spPr>
+          <a:xfrm rot="5400000">
+            <a:off x="7811024" y="4880368"/>
+            <a:ext cx="386462" cy="2052288"/>
+          </a:xfrm>
+          <a:prstGeom prst="rightBrace">
+            <a:avLst/>
+          </a:prstGeom>
+        </p:spPr>
+        <p:style>
+          <a:lnRef idx="1">
+            <a:schemeClr val="accent1"/>
+          </a:lnRef>
+          <a:fillRef idx="0">
+            <a:schemeClr val="accent1"/>
+          </a:fillRef>
+          <a:effectRef idx="0">
+            <a:schemeClr val="accent1"/>
+          </a:effectRef>
+          <a:fontRef idx="minor">
+            <a:schemeClr val="tx1"/>
+          </a:fontRef>
+        </p:style>
+        <p:txBody>
+          <a:bodyPr rtlCol="0" anchor="ctr"/>
+          <a:lstStyle/>
+          <a:p>
+            <a:pPr algn="ctr"/>
+            <a:endParaRPr lang="en-GB"/>
+          </a:p>
+        </p:txBody>
+      </p:sp>
+      <p:sp>
+        <p:nvSpPr>
+          <p:cNvPr id="7" name="TextBox 6">
+            <a:extLst>
+              <a:ext uri="{FF2B5EF4-FFF2-40B4-BE49-F238E27FC236}">
+                <a16:creationId xmlns:a16="http://schemas.microsoft.com/office/drawing/2014/main" id="{7964F3B4-9C10-4033-970B-9F4EC083B8EF}"/>
+              </a:ext>
+            </a:extLst>
+          </p:cNvPr>
+          <p:cNvSpPr txBox="1"/>
+          <p:nvPr/>
+        </p:nvSpPr>
+        <p:spPr>
+          <a:xfrm>
+            <a:off x="4123929" y="6119738"/>
+            <a:ext cx="2831391" cy="584775"/>
+          </a:xfrm>
+          <a:prstGeom prst="rect">
+            <a:avLst/>
+          </a:prstGeom>
+          <a:noFill/>
+        </p:spPr>
+        <p:txBody>
+          <a:bodyPr wrap="square" rtlCol="0">
+            <a:spAutoFit/>
+          </a:bodyPr>
+          <a:lstStyle/>
+          <a:p>
+            <a:pPr algn="ctr"/>
+            <a:r>
+              <a:rPr lang="en-US" sz="1600" dirty="0"/>
+              <a:t>&lt;algorithm&gt;</a:t>
+            </a:r>
+          </a:p>
+          <a:p>
+            <a:pPr algn="ctr"/>
+            <a:r>
+              <a:rPr lang="en-US" sz="1600" dirty="0"/>
+              <a:t>business logic</a:t>
+            </a:r>
+            <a:endParaRPr lang="en-GB" sz="1600" b="1" dirty="0"/>
+          </a:p>
+        </p:txBody>
+      </p:sp>
+      <p:sp>
+        <p:nvSpPr>
+          <p:cNvPr id="86" name="TextBox 85">
+            <a:extLst>
+              <a:ext uri="{FF2B5EF4-FFF2-40B4-BE49-F238E27FC236}">
+                <a16:creationId xmlns:a16="http://schemas.microsoft.com/office/drawing/2014/main" id="{23F6F73B-EE29-4857-90E5-08FC8851A297}"/>
+              </a:ext>
+            </a:extLst>
+          </p:cNvPr>
+          <p:cNvSpPr txBox="1"/>
+          <p:nvPr/>
+        </p:nvSpPr>
+        <p:spPr>
+          <a:xfrm>
+            <a:off x="6978111" y="6119963"/>
+            <a:ext cx="2052288" cy="584775"/>
+          </a:xfrm>
+          <a:prstGeom prst="rect">
+            <a:avLst/>
+          </a:prstGeom>
+          <a:noFill/>
+        </p:spPr>
+        <p:txBody>
+          <a:bodyPr wrap="square" rtlCol="0">
+            <a:spAutoFit/>
+          </a:bodyPr>
+          <a:lstStyle/>
+          <a:p>
+            <a:pPr algn="ctr"/>
+            <a:r>
+              <a:rPr lang="en-US" sz="1600" dirty="0"/>
+              <a:t>&lt;endpoints&gt;</a:t>
+            </a:r>
+          </a:p>
+          <a:p>
+            <a:pPr algn="ctr"/>
+            <a:r>
+              <a:rPr lang="en-US" sz="1600" dirty="0"/>
+              <a:t>gapp APIs</a:t>
+            </a:r>
+          </a:p>
+        </p:txBody>
+      </p:sp>
+      <p:sp>
+        <p:nvSpPr>
+          <p:cNvPr id="87" name="Right Brace 86">
+            <a:extLst>
+              <a:ext uri="{FF2B5EF4-FFF2-40B4-BE49-F238E27FC236}">
+                <a16:creationId xmlns:a16="http://schemas.microsoft.com/office/drawing/2014/main" id="{AF2E70E5-EAD3-4995-9311-1D8D428C2D46}"/>
+              </a:ext>
+            </a:extLst>
+          </p:cNvPr>
+          <p:cNvSpPr/>
+          <p:nvPr/>
+        </p:nvSpPr>
+        <p:spPr>
+          <a:xfrm rot="5400000">
+            <a:off x="2908757" y="4871607"/>
+            <a:ext cx="386462" cy="2043884"/>
+          </a:xfrm>
+          <a:prstGeom prst="rightBrace">
+            <a:avLst/>
+          </a:prstGeom>
+        </p:spPr>
+        <p:style>
+          <a:lnRef idx="1">
+            <a:schemeClr val="accent1"/>
+          </a:lnRef>
+          <a:fillRef idx="0">
+            <a:schemeClr val="accent1"/>
+          </a:fillRef>
+          <a:effectRef idx="0">
+            <a:schemeClr val="accent1"/>
+          </a:effectRef>
+          <a:fontRef idx="minor">
+            <a:schemeClr val="tx1"/>
+          </a:fontRef>
+        </p:style>
+        <p:txBody>
+          <a:bodyPr rtlCol="0" anchor="ctr"/>
+          <a:lstStyle/>
+          <a:p>
+            <a:pPr algn="ctr"/>
+            <a:endParaRPr lang="en-GB"/>
+          </a:p>
+        </p:txBody>
+      </p:sp>
+      <p:sp>
+        <p:nvSpPr>
+          <p:cNvPr id="88" name="TextBox 87">
+            <a:extLst>
+              <a:ext uri="{FF2B5EF4-FFF2-40B4-BE49-F238E27FC236}">
+                <a16:creationId xmlns:a16="http://schemas.microsoft.com/office/drawing/2014/main" id="{9DCB57B5-64E4-4FE1-A2BF-B50DC18D852D}"/>
+              </a:ext>
+            </a:extLst>
+          </p:cNvPr>
+          <p:cNvSpPr txBox="1"/>
+          <p:nvPr/>
+        </p:nvSpPr>
+        <p:spPr>
+          <a:xfrm>
+            <a:off x="2080046" y="6119738"/>
+            <a:ext cx="2043883" cy="584775"/>
+          </a:xfrm>
+          <a:prstGeom prst="rect">
+            <a:avLst/>
+          </a:prstGeom>
+          <a:noFill/>
+        </p:spPr>
+        <p:txBody>
+          <a:bodyPr wrap="square" rtlCol="0">
+            <a:spAutoFit/>
+          </a:bodyPr>
+          <a:lstStyle/>
+          <a:p>
+            <a:pPr algn="ctr"/>
+            <a:r>
+              <a:rPr lang="en-US" sz="1600" dirty="0"/>
+              <a:t>&lt;persistency&gt;</a:t>
+            </a:r>
+          </a:p>
+          <a:p>
+            <a:pPr algn="ctr"/>
+            <a:r>
+              <a:rPr lang="en-US" sz="1600" dirty="0"/>
+              <a:t>data storage</a:t>
+            </a:r>
+            <a:endParaRPr lang="en-GB" sz="1600" dirty="0"/>
+          </a:p>
+        </p:txBody>
+      </p:sp>
+      <p:sp>
+        <p:nvSpPr>
+          <p:cNvPr id="20" name="Rectangle 19">
+            <a:extLst>
+              <a:ext uri="{FF2B5EF4-FFF2-40B4-BE49-F238E27FC236}">
+                <a16:creationId xmlns:a16="http://schemas.microsoft.com/office/drawing/2014/main" id="{5199F4AC-878D-4849-A28D-B9935AF54DCE}"/>
+              </a:ext>
+            </a:extLst>
+          </p:cNvPr>
+          <p:cNvSpPr/>
+          <p:nvPr/>
+        </p:nvSpPr>
+        <p:spPr>
+          <a:xfrm>
+            <a:off x="974790" y="4869416"/>
+            <a:ext cx="1657758" cy="523220"/>
+          </a:xfrm>
+          <a:prstGeom prst="rect">
+            <a:avLst/>
+          </a:prstGeom>
+          <a:noFill/>
+          <a:ln>
+            <a:noFill/>
+          </a:ln>
+        </p:spPr>
+        <p:txBody>
+          <a:bodyPr wrap="square" rtlCol="0">
+            <a:spAutoFit/>
+          </a:bodyPr>
+          <a:lstStyle/>
+          <a:p>
+            <a:pPr algn="ctr"/>
+            <a:r>
+              <a:rPr lang="en-GB" sz="1400" b="1" dirty="0">
+                <a:solidFill>
+                  <a:schemeClr val="tx1">
+                    <a:lumMod val="50000"/>
+                    <a:lumOff val="50000"/>
+                  </a:schemeClr>
+                </a:solidFill>
+              </a:rPr>
+              <a:t>&lt;embedded-db&gt;</a:t>
+            </a:r>
+          </a:p>
+          <a:p>
+            <a:pPr algn="ctr"/>
+            <a:r>
+              <a:rPr lang="en-GB" sz="1400" b="1" dirty="0">
+                <a:solidFill>
+                  <a:schemeClr val="tx1">
+                    <a:lumMod val="50000"/>
+                    <a:lumOff val="50000"/>
+                  </a:schemeClr>
+                </a:solidFill>
+              </a:rPr>
+              <a:t>Hibernate</a:t>
+            </a:r>
+          </a:p>
+        </p:txBody>
+      </p:sp>
+      <p:sp>
+        <p:nvSpPr>
+          <p:cNvPr id="21" name="Rectangle 20">
+            <a:extLst>
+              <a:ext uri="{FF2B5EF4-FFF2-40B4-BE49-F238E27FC236}">
+                <a16:creationId xmlns:a16="http://schemas.microsoft.com/office/drawing/2014/main" id="{EE47F201-4DD1-4E96-923C-BADC501EC3EB}"/>
+              </a:ext>
+            </a:extLst>
+          </p:cNvPr>
+          <p:cNvSpPr/>
+          <p:nvPr/>
+        </p:nvSpPr>
+        <p:spPr>
+          <a:xfrm>
+            <a:off x="1024966" y="4292612"/>
+            <a:ext cx="1847945" cy="523220"/>
+          </a:xfrm>
+          <a:prstGeom prst="rect">
+            <a:avLst/>
+          </a:prstGeom>
+        </p:spPr>
+        <p:txBody>
+          <a:bodyPr wrap="square">
+            <a:spAutoFit/>
+          </a:bodyPr>
+          <a:lstStyle/>
+          <a:p>
+            <a:r>
+              <a:rPr lang="en-GB" sz="1400" b="1" dirty="0"/>
+              <a:t>Java Persistence</a:t>
+            </a:r>
+            <a:r>
+              <a:rPr lang="tr-TR" sz="1400" b="1" dirty="0"/>
+              <a:t> (JAP)</a:t>
+            </a:r>
+            <a:r>
+              <a:rPr lang="en-GB" sz="1400" b="1" dirty="0"/>
+              <a:t> API</a:t>
+            </a:r>
+            <a:endParaRPr lang="en-GB" sz="1400" dirty="0"/>
+          </a:p>
+        </p:txBody>
+      </p:sp>
+      <p:cxnSp>
+        <p:nvCxnSpPr>
+          <p:cNvPr id="89" name="Straight Arrow Connector 88">
+            <a:extLst>
+              <a:ext uri="{FF2B5EF4-FFF2-40B4-BE49-F238E27FC236}">
+                <a16:creationId xmlns:a16="http://schemas.microsoft.com/office/drawing/2014/main" id="{939949D8-C60B-4FB3-A993-7B90A1B22591}"/>
+              </a:ext>
+            </a:extLst>
+          </p:cNvPr>
+          <p:cNvCxnSpPr>
+            <a:cxnSpLocks/>
+          </p:cNvCxnSpPr>
+          <p:nvPr/>
+        </p:nvCxnSpPr>
+        <p:spPr>
+          <a:xfrm flipH="1">
+            <a:off x="9253513" y="3968578"/>
+            <a:ext cx="700892" cy="117595"/>
+          </a:xfrm>
+          <a:prstGeom prst="straightConnector1">
+            <a:avLst/>
+          </a:prstGeom>
+          <a:ln>
+            <a:tailEnd type="triangle"/>
+          </a:ln>
+        </p:spPr>
+        <p:style>
+          <a:lnRef idx="1">
+            <a:schemeClr val="accent1"/>
+          </a:lnRef>
+          <a:fillRef idx="0">
+            <a:schemeClr val="accent1"/>
+          </a:fillRef>
+          <a:effectRef idx="0">
+            <a:schemeClr val="accent1"/>
+          </a:effectRef>
+          <a:fontRef idx="minor">
+            <a:schemeClr val="tx1"/>
+          </a:fontRef>
+        </p:style>
+      </p:cxnSp>
+      <p:grpSp>
+        <p:nvGrpSpPr>
+          <p:cNvPr id="104" name="Group 103">
+            <a:extLst>
+              <a:ext uri="{FF2B5EF4-FFF2-40B4-BE49-F238E27FC236}">
+                <a16:creationId xmlns:a16="http://schemas.microsoft.com/office/drawing/2014/main" id="{4BD38448-7695-4437-85D5-BBDB1092FFE6}"/>
+              </a:ext>
+            </a:extLst>
+          </p:cNvPr>
+          <p:cNvGrpSpPr/>
+          <p:nvPr/>
+        </p:nvGrpSpPr>
+        <p:grpSpPr>
+          <a:xfrm>
+            <a:off x="9633813" y="3449611"/>
+            <a:ext cx="1510629" cy="899875"/>
+            <a:chOff x="9451790" y="2621968"/>
+            <a:chExt cx="1510629" cy="899875"/>
+          </a:xfrm>
+        </p:grpSpPr>
+        <p:sp>
+          <p:nvSpPr>
+            <p:cNvPr id="90" name="Oval 89">
+              <a:extLst>
+                <a:ext uri="{FF2B5EF4-FFF2-40B4-BE49-F238E27FC236}">
+                  <a16:creationId xmlns:a16="http://schemas.microsoft.com/office/drawing/2014/main" id="{4AD8C00F-4447-4A14-81CB-18B875EC6F03}"/>
+                </a:ext>
+              </a:extLst>
+            </p:cNvPr>
+            <p:cNvSpPr/>
+            <p:nvPr/>
+          </p:nvSpPr>
+          <p:spPr>
+            <a:xfrm>
+              <a:off x="10069598" y="2725937"/>
+              <a:ext cx="276225" cy="228600"/>
+            </a:xfrm>
+            <a:prstGeom prst="ellipse">
+              <a:avLst/>
+            </a:prstGeom>
+            <a:noFill/>
+            <a:ln w="19050">
+              <a:solidFill>
+                <a:srgbClr val="0070C0"/>
+              </a:solidFill>
+            </a:ln>
+          </p:spPr>
+          <p:style>
+            <a:lnRef idx="2">
+              <a:schemeClr val="accent1">
+                <a:shade val="50000"/>
+              </a:schemeClr>
+            </a:lnRef>
+            <a:fillRef idx="1">
+              <a:schemeClr val="accent1"/>
+            </a:fillRef>
+            <a:effectRef idx="0">
+              <a:schemeClr val="accent1"/>
+            </a:effectRef>
+            <a:fontRef idx="minor">
+              <a:schemeClr val="lt1"/>
+            </a:fontRef>
+          </p:style>
+          <p:txBody>
+            <a:bodyPr rtlCol="0" anchor="ctr"/>
+            <a:lstStyle/>
+            <a:p>
+              <a:pPr algn="ctr"/>
+              <a:endParaRPr lang="en-GB" sz="1200" dirty="0">
+                <a:solidFill>
+                  <a:schemeClr val="tx1"/>
+                </a:solidFill>
+              </a:endParaRPr>
+            </a:p>
+          </p:txBody>
+        </p:sp>
+        <p:sp>
+          <p:nvSpPr>
+            <p:cNvPr id="91" name="Arc 90">
+              <a:extLst>
+                <a:ext uri="{FF2B5EF4-FFF2-40B4-BE49-F238E27FC236}">
+                  <a16:creationId xmlns:a16="http://schemas.microsoft.com/office/drawing/2014/main" id="{585797A5-2502-4D9E-9ED1-D0FE7BDAFBBF}"/>
+                </a:ext>
+              </a:extLst>
+            </p:cNvPr>
+            <p:cNvSpPr/>
+            <p:nvPr/>
+          </p:nvSpPr>
+          <p:spPr>
+            <a:xfrm rot="11622756">
+              <a:off x="10212473" y="2764037"/>
+              <a:ext cx="638175" cy="514350"/>
+            </a:xfrm>
+            <a:prstGeom prst="arc">
+              <a:avLst/>
+            </a:prstGeom>
+            <a:ln w="19050">
+              <a:solidFill>
+                <a:srgbClr val="0070C0"/>
+              </a:solidFill>
+            </a:ln>
+          </p:spPr>
+          <p:style>
+            <a:lnRef idx="1">
+              <a:schemeClr val="accent1"/>
+            </a:lnRef>
+            <a:fillRef idx="0">
+              <a:schemeClr val="accent1"/>
+            </a:fillRef>
+            <a:effectRef idx="0">
+              <a:schemeClr val="accent1"/>
+            </a:effectRef>
+            <a:fontRef idx="minor">
+              <a:schemeClr val="tx1"/>
+            </a:fontRef>
+          </p:style>
+          <p:txBody>
+            <a:bodyPr rtlCol="0" anchor="ctr"/>
+            <a:lstStyle/>
+            <a:p>
+              <a:pPr algn="ctr"/>
+              <a:endParaRPr lang="en-GB"/>
+            </a:p>
+          </p:txBody>
+        </p:sp>
+        <p:sp>
+          <p:nvSpPr>
+            <p:cNvPr id="93" name="Arc 92">
+              <a:extLst>
+                <a:ext uri="{FF2B5EF4-FFF2-40B4-BE49-F238E27FC236}">
+                  <a16:creationId xmlns:a16="http://schemas.microsoft.com/office/drawing/2014/main" id="{38FE8B08-C481-498B-BB02-A9EBD95E4448}"/>
+                </a:ext>
+              </a:extLst>
+            </p:cNvPr>
+            <p:cNvSpPr/>
+            <p:nvPr/>
+          </p:nvSpPr>
+          <p:spPr>
+            <a:xfrm rot="5724638">
+              <a:off x="9635317" y="2683881"/>
+              <a:ext cx="638175" cy="514350"/>
+            </a:xfrm>
+            <a:prstGeom prst="arc">
+              <a:avLst/>
+            </a:prstGeom>
+            <a:ln w="19050">
+              <a:solidFill>
+                <a:srgbClr val="0070C0"/>
+              </a:solidFill>
+            </a:ln>
+          </p:spPr>
+          <p:style>
+            <a:lnRef idx="1">
+              <a:schemeClr val="accent1"/>
+            </a:lnRef>
+            <a:fillRef idx="0">
+              <a:schemeClr val="accent1"/>
+            </a:fillRef>
+            <a:effectRef idx="0">
+              <a:schemeClr val="accent1"/>
+            </a:effectRef>
+            <a:fontRef idx="minor">
+              <a:schemeClr val="tx1"/>
+            </a:fontRef>
+          </p:style>
+          <p:txBody>
+            <a:bodyPr rtlCol="0" anchor="ctr"/>
+            <a:lstStyle/>
+            <a:p>
+              <a:pPr algn="ctr"/>
+              <a:endParaRPr lang="en-GB"/>
+            </a:p>
+          </p:txBody>
+        </p:sp>
+        <p:sp>
+          <p:nvSpPr>
+            <p:cNvPr id="94" name="Rectangle 93">
+              <a:extLst>
+                <a:ext uri="{FF2B5EF4-FFF2-40B4-BE49-F238E27FC236}">
+                  <a16:creationId xmlns:a16="http://schemas.microsoft.com/office/drawing/2014/main" id="{34E3DDFC-9D6E-4766-85E6-335ABD197A85}"/>
+                </a:ext>
+              </a:extLst>
+            </p:cNvPr>
+            <p:cNvSpPr/>
+            <p:nvPr/>
+          </p:nvSpPr>
+          <p:spPr>
+            <a:xfrm>
+              <a:off x="9451790" y="3244844"/>
+              <a:ext cx="1510629" cy="276999"/>
+            </a:xfrm>
+            <a:prstGeom prst="rect">
+              <a:avLst/>
+            </a:prstGeom>
+          </p:spPr>
+          <p:txBody>
+            <a:bodyPr wrap="square">
+              <a:spAutoFit/>
+            </a:bodyPr>
+            <a:lstStyle/>
+            <a:p>
+              <a:pPr algn="ctr"/>
+              <a:r>
+                <a:rPr lang="tr-TR" sz="1200" dirty="0">
+                  <a:solidFill>
+                    <a:srgbClr val="0070C0"/>
+                  </a:solidFill>
+                </a:rPr>
+                <a:t>Tester</a:t>
+              </a:r>
+              <a:endParaRPr lang="en-GB" sz="1200" dirty="0">
+                <a:solidFill>
+                  <a:srgbClr val="0070C0"/>
+                </a:solidFill>
+              </a:endParaRPr>
+            </a:p>
+          </p:txBody>
+        </p:sp>
+      </p:grpSp>
+      <p:cxnSp>
+        <p:nvCxnSpPr>
+          <p:cNvPr id="95" name="Straight Arrow Connector 94">
+            <a:extLst>
+              <a:ext uri="{FF2B5EF4-FFF2-40B4-BE49-F238E27FC236}">
+                <a16:creationId xmlns:a16="http://schemas.microsoft.com/office/drawing/2014/main" id="{C4B3526C-89E7-4968-9DBB-A1B1DD718122}"/>
+              </a:ext>
+            </a:extLst>
+          </p:cNvPr>
+          <p:cNvCxnSpPr>
+            <a:cxnSpLocks/>
+          </p:cNvCxnSpPr>
+          <p:nvPr/>
+        </p:nvCxnSpPr>
+        <p:spPr>
+          <a:xfrm flipH="1">
+            <a:off x="9266639" y="3358125"/>
+            <a:ext cx="605474" cy="663969"/>
+          </a:xfrm>
+          <a:prstGeom prst="straightConnector1">
+            <a:avLst/>
+          </a:prstGeom>
+          <a:ln>
+            <a:tailEnd type="triangle"/>
+          </a:ln>
+        </p:spPr>
+        <p:style>
+          <a:lnRef idx="1">
+            <a:schemeClr val="accent1"/>
+          </a:lnRef>
+          <a:fillRef idx="0">
+            <a:schemeClr val="accent1"/>
+          </a:fillRef>
+          <a:effectRef idx="0">
+            <a:schemeClr val="accent1"/>
+          </a:effectRef>
+          <a:fontRef idx="minor">
+            <a:schemeClr val="tx1"/>
+          </a:fontRef>
+        </p:style>
+      </p:cxnSp>
+      <p:sp>
+        <p:nvSpPr>
+          <p:cNvPr id="39" name="Rectangle 38">
+            <a:extLst>
+              <a:ext uri="{FF2B5EF4-FFF2-40B4-BE49-F238E27FC236}">
+                <a16:creationId xmlns:a16="http://schemas.microsoft.com/office/drawing/2014/main" id="{32F728A8-2E12-40C4-9CC2-85A8C5A01D70}"/>
+              </a:ext>
+            </a:extLst>
+          </p:cNvPr>
+          <p:cNvSpPr/>
+          <p:nvPr/>
+        </p:nvSpPr>
+        <p:spPr>
+          <a:xfrm>
+            <a:off x="1047260" y="1730130"/>
+            <a:ext cx="1253869" cy="369332"/>
+          </a:xfrm>
+          <a:prstGeom prst="rect">
+            <a:avLst/>
+          </a:prstGeom>
+        </p:spPr>
+        <p:txBody>
+          <a:bodyPr wrap="none">
+            <a:spAutoFit/>
+          </a:bodyPr>
+          <a:lstStyle/>
+          <a:p>
+            <a:r>
+              <a:rPr lang="de-AT" dirty="0"/>
+              <a:t>ca. 15 min. </a:t>
+            </a:r>
+          </a:p>
+        </p:txBody>
+      </p:sp>
+      <p:grpSp>
+        <p:nvGrpSpPr>
+          <p:cNvPr id="3" name="Group 2">
+            <a:extLst>
+              <a:ext uri="{FF2B5EF4-FFF2-40B4-BE49-F238E27FC236}">
+                <a16:creationId xmlns:a16="http://schemas.microsoft.com/office/drawing/2014/main" id="{15C8805A-EC21-4DE7-AEB8-B8B69F495BFA}"/>
+              </a:ext>
+            </a:extLst>
+          </p:cNvPr>
+          <p:cNvGrpSpPr/>
+          <p:nvPr/>
+        </p:nvGrpSpPr>
+        <p:grpSpPr>
+          <a:xfrm>
+            <a:off x="408446" y="5220523"/>
+            <a:ext cx="690592" cy="655189"/>
+            <a:chOff x="2721301" y="4882150"/>
+            <a:chExt cx="690592" cy="655189"/>
+          </a:xfrm>
+        </p:grpSpPr>
+        <p:sp>
+          <p:nvSpPr>
+            <p:cNvPr id="97" name="Cylinder 96">
+              <a:extLst>
+                <a:ext uri="{FF2B5EF4-FFF2-40B4-BE49-F238E27FC236}">
+                  <a16:creationId xmlns:a16="http://schemas.microsoft.com/office/drawing/2014/main" id="{51F19A27-C719-4F5A-98D3-B95091B21EC0}"/>
+                </a:ext>
+              </a:extLst>
+            </p:cNvPr>
+            <p:cNvSpPr/>
+            <p:nvPr/>
+          </p:nvSpPr>
+          <p:spPr>
+            <a:xfrm>
+              <a:off x="2725485" y="4882150"/>
+              <a:ext cx="686408" cy="131958"/>
+            </a:xfrm>
+            <a:prstGeom prst="can">
+              <a:avLst/>
+            </a:prstGeom>
+            <a:noFill/>
+            <a:ln w="19050">
+              <a:solidFill>
+                <a:schemeClr val="bg2">
+                  <a:lumMod val="75000"/>
+                </a:schemeClr>
+              </a:solidFill>
+            </a:ln>
+          </p:spPr>
+          <p:style>
+            <a:lnRef idx="2">
+              <a:schemeClr val="accent1">
+                <a:shade val="50000"/>
+              </a:schemeClr>
+            </a:lnRef>
+            <a:fillRef idx="1">
+              <a:schemeClr val="accent1"/>
+            </a:fillRef>
+            <a:effectRef idx="0">
+              <a:schemeClr val="accent1"/>
+            </a:effectRef>
+            <a:fontRef idx="minor">
+              <a:schemeClr val="lt1"/>
+            </a:fontRef>
+          </p:style>
+          <p:txBody>
+            <a:bodyPr rtlCol="0" anchor="ctr"/>
+            <a:lstStyle/>
+            <a:p>
+              <a:pPr algn="ctr"/>
+              <a:endParaRPr lang="en-GB" sz="1200" dirty="0">
+                <a:solidFill>
+                  <a:schemeClr val="tx1"/>
+                </a:solidFill>
+              </a:endParaRPr>
+            </a:p>
+          </p:txBody>
+        </p:sp>
+        <p:sp>
+          <p:nvSpPr>
+            <p:cNvPr id="98" name="Cylinder 97">
+              <a:extLst>
+                <a:ext uri="{FF2B5EF4-FFF2-40B4-BE49-F238E27FC236}">
+                  <a16:creationId xmlns:a16="http://schemas.microsoft.com/office/drawing/2014/main" id="{98323724-3848-4519-9D38-10081BD82BB4}"/>
+                </a:ext>
+              </a:extLst>
+            </p:cNvPr>
+            <p:cNvSpPr/>
+            <p:nvPr/>
+          </p:nvSpPr>
+          <p:spPr>
+            <a:xfrm>
+              <a:off x="2721301" y="5015882"/>
+              <a:ext cx="686408" cy="131958"/>
+            </a:xfrm>
+            <a:prstGeom prst="can">
+              <a:avLst/>
+            </a:prstGeom>
+            <a:noFill/>
+            <a:ln w="19050">
+              <a:solidFill>
+                <a:schemeClr val="bg2">
+                  <a:lumMod val="75000"/>
+                </a:schemeClr>
+              </a:solidFill>
+            </a:ln>
+          </p:spPr>
+          <p:style>
+            <a:lnRef idx="2">
+              <a:schemeClr val="accent1">
+                <a:shade val="50000"/>
+              </a:schemeClr>
+            </a:lnRef>
+            <a:fillRef idx="1">
+              <a:schemeClr val="accent1"/>
+            </a:fillRef>
+            <a:effectRef idx="0">
+              <a:schemeClr val="accent1"/>
+            </a:effectRef>
+            <a:fontRef idx="minor">
+              <a:schemeClr val="lt1"/>
+            </a:fontRef>
+          </p:style>
+          <p:txBody>
+            <a:bodyPr rtlCol="0" anchor="ctr"/>
+            <a:lstStyle/>
+            <a:p>
+              <a:pPr algn="ctr"/>
+              <a:endParaRPr lang="en-GB" sz="1200" dirty="0">
+                <a:solidFill>
+                  <a:schemeClr val="tx1"/>
+                </a:solidFill>
+              </a:endParaRPr>
+            </a:p>
+          </p:txBody>
+        </p:sp>
+        <p:sp>
+          <p:nvSpPr>
+            <p:cNvPr id="99" name="Cylinder 98">
+              <a:extLst>
+                <a:ext uri="{FF2B5EF4-FFF2-40B4-BE49-F238E27FC236}">
+                  <a16:creationId xmlns:a16="http://schemas.microsoft.com/office/drawing/2014/main" id="{DF795D3F-F924-48EB-8DC1-76D9C215C585}"/>
+                </a:ext>
+              </a:extLst>
+            </p:cNvPr>
+            <p:cNvSpPr/>
+            <p:nvPr/>
+          </p:nvSpPr>
+          <p:spPr>
+            <a:xfrm>
+              <a:off x="2721301" y="5147840"/>
+              <a:ext cx="686408" cy="131958"/>
+            </a:xfrm>
+            <a:prstGeom prst="can">
+              <a:avLst/>
+            </a:prstGeom>
+            <a:noFill/>
+            <a:ln w="19050">
+              <a:solidFill>
+                <a:schemeClr val="bg2">
+                  <a:lumMod val="75000"/>
+                </a:schemeClr>
+              </a:solidFill>
+            </a:ln>
+          </p:spPr>
+          <p:style>
+            <a:lnRef idx="2">
+              <a:schemeClr val="accent1">
+                <a:shade val="50000"/>
+              </a:schemeClr>
+            </a:lnRef>
+            <a:fillRef idx="1">
+              <a:schemeClr val="accent1"/>
+            </a:fillRef>
+            <a:effectRef idx="0">
+              <a:schemeClr val="accent1"/>
+            </a:effectRef>
+            <a:fontRef idx="minor">
+              <a:schemeClr val="lt1"/>
+            </a:fontRef>
+          </p:style>
+          <p:txBody>
+            <a:bodyPr rtlCol="0" anchor="ctr"/>
+            <a:lstStyle/>
+            <a:p>
+              <a:pPr algn="ctr"/>
+              <a:endParaRPr lang="en-GB" sz="1200" dirty="0">
+                <a:solidFill>
+                  <a:schemeClr val="tx1"/>
+                </a:solidFill>
+              </a:endParaRPr>
+            </a:p>
+          </p:txBody>
+        </p:sp>
+        <p:sp>
+          <p:nvSpPr>
+            <p:cNvPr id="100" name="Cylinder 99">
+              <a:extLst>
+                <a:ext uri="{FF2B5EF4-FFF2-40B4-BE49-F238E27FC236}">
+                  <a16:creationId xmlns:a16="http://schemas.microsoft.com/office/drawing/2014/main" id="{AA8BA826-3E42-4B8D-ACC9-60F93BE48937}"/>
+                </a:ext>
+              </a:extLst>
+            </p:cNvPr>
+            <p:cNvSpPr/>
+            <p:nvPr/>
+          </p:nvSpPr>
+          <p:spPr>
+            <a:xfrm>
+              <a:off x="2721301" y="5279798"/>
+              <a:ext cx="686408" cy="131958"/>
+            </a:xfrm>
+            <a:prstGeom prst="can">
+              <a:avLst/>
+            </a:prstGeom>
+            <a:noFill/>
+            <a:ln w="19050">
+              <a:solidFill>
+                <a:schemeClr val="bg2">
+                  <a:lumMod val="75000"/>
+                </a:schemeClr>
+              </a:solidFill>
+            </a:ln>
+          </p:spPr>
+          <p:style>
+            <a:lnRef idx="2">
+              <a:schemeClr val="accent1">
+                <a:shade val="50000"/>
+              </a:schemeClr>
+            </a:lnRef>
+            <a:fillRef idx="1">
+              <a:schemeClr val="accent1"/>
+            </a:fillRef>
+            <a:effectRef idx="0">
+              <a:schemeClr val="accent1"/>
+            </a:effectRef>
+            <a:fontRef idx="minor">
+              <a:schemeClr val="lt1"/>
+            </a:fontRef>
+          </p:style>
+          <p:txBody>
+            <a:bodyPr rtlCol="0" anchor="ctr"/>
+            <a:lstStyle/>
+            <a:p>
+              <a:pPr algn="ctr"/>
+              <a:endParaRPr lang="en-GB" sz="1200" dirty="0">
+                <a:solidFill>
+                  <a:schemeClr val="tx1"/>
+                </a:solidFill>
+              </a:endParaRPr>
+            </a:p>
+          </p:txBody>
+        </p:sp>
+        <p:sp>
+          <p:nvSpPr>
+            <p:cNvPr id="101" name="Cylinder 100">
+              <a:extLst>
+                <a:ext uri="{FF2B5EF4-FFF2-40B4-BE49-F238E27FC236}">
+                  <a16:creationId xmlns:a16="http://schemas.microsoft.com/office/drawing/2014/main" id="{52CB00E6-E241-4DD5-B3CC-B29855559760}"/>
+                </a:ext>
+              </a:extLst>
+            </p:cNvPr>
+            <p:cNvSpPr/>
+            <p:nvPr/>
+          </p:nvSpPr>
+          <p:spPr>
+            <a:xfrm>
+              <a:off x="2721301" y="5405381"/>
+              <a:ext cx="686408" cy="131958"/>
+            </a:xfrm>
+            <a:prstGeom prst="can">
+              <a:avLst/>
+            </a:prstGeom>
+            <a:noFill/>
+            <a:ln w="19050">
+              <a:solidFill>
+                <a:schemeClr val="bg2">
+                  <a:lumMod val="75000"/>
+                </a:schemeClr>
+              </a:solidFill>
+            </a:ln>
+          </p:spPr>
+          <p:style>
+            <a:lnRef idx="2">
+              <a:schemeClr val="accent1">
+                <a:shade val="50000"/>
+              </a:schemeClr>
+            </a:lnRef>
+            <a:fillRef idx="1">
+              <a:schemeClr val="accent1"/>
+            </a:fillRef>
+            <a:effectRef idx="0">
+              <a:schemeClr val="accent1"/>
+            </a:effectRef>
+            <a:fontRef idx="minor">
+              <a:schemeClr val="lt1"/>
+            </a:fontRef>
+          </p:style>
+          <p:txBody>
+            <a:bodyPr rtlCol="0" anchor="ctr"/>
+            <a:lstStyle/>
+            <a:p>
+              <a:pPr algn="ctr"/>
+              <a:endParaRPr lang="en-GB" sz="1200" dirty="0">
+                <a:solidFill>
+                  <a:schemeClr val="tx1"/>
+                </a:solidFill>
+              </a:endParaRPr>
+            </a:p>
+          </p:txBody>
+        </p:sp>
+      </p:grpSp>
+      <p:cxnSp>
+        <p:nvCxnSpPr>
+          <p:cNvPr id="5" name="Connector: Elbow 4">
+            <a:extLst>
+              <a:ext uri="{FF2B5EF4-FFF2-40B4-BE49-F238E27FC236}">
+                <a16:creationId xmlns:a16="http://schemas.microsoft.com/office/drawing/2014/main" id="{07EBAD9B-61D9-4AD2-9904-C191B1E5FC61}"/>
+              </a:ext>
+            </a:extLst>
+          </p:cNvPr>
+          <p:cNvCxnSpPr>
+            <a:cxnSpLocks/>
+            <a:stCxn id="73" idx="3"/>
+            <a:endCxn id="97" idx="1"/>
+          </p:cNvCxnSpPr>
+          <p:nvPr/>
+        </p:nvCxnSpPr>
+        <p:spPr>
+          <a:xfrm rot="10800000" flipV="1">
+            <a:off x="755834" y="3746451"/>
+            <a:ext cx="1193640" cy="1474071"/>
+          </a:xfrm>
+          <a:prstGeom prst="bentConnector2">
+            <a:avLst/>
+          </a:prstGeom>
+          <a:ln>
+            <a:solidFill>
+              <a:schemeClr val="bg2">
+                <a:lumMod val="75000"/>
+              </a:schemeClr>
+            </a:solidFill>
+            <a:prstDash val="lgDash"/>
+            <a:headEnd type="triangle"/>
+            <a:tailEnd type="triangle"/>
+          </a:ln>
+        </p:spPr>
+        <p:style>
+          <a:lnRef idx="1">
+            <a:schemeClr val="accent1"/>
+          </a:lnRef>
+          <a:fillRef idx="0">
+            <a:schemeClr val="accent1"/>
+          </a:fillRef>
+          <a:effectRef idx="0">
+            <a:schemeClr val="accent1"/>
+          </a:effectRef>
+          <a:fontRef idx="minor">
+            <a:schemeClr val="tx1"/>
+          </a:fontRef>
+        </p:style>
+      </p:cxnSp>
+      <p:sp>
+        <p:nvSpPr>
+          <p:cNvPr id="102" name="Rectangle 101">
+            <a:extLst>
+              <a:ext uri="{FF2B5EF4-FFF2-40B4-BE49-F238E27FC236}">
+                <a16:creationId xmlns:a16="http://schemas.microsoft.com/office/drawing/2014/main" id="{5D7481B8-2BF0-4CD5-A0B9-2766B9C946DB}"/>
+              </a:ext>
+            </a:extLst>
+          </p:cNvPr>
+          <p:cNvSpPr/>
+          <p:nvPr/>
+        </p:nvSpPr>
+        <p:spPr>
+          <a:xfrm>
+            <a:off x="24943" y="6006362"/>
+            <a:ext cx="1453414" cy="523220"/>
+          </a:xfrm>
+          <a:prstGeom prst="rect">
+            <a:avLst/>
+          </a:prstGeom>
+          <a:noFill/>
+          <a:ln>
+            <a:noFill/>
+          </a:ln>
+        </p:spPr>
+        <p:txBody>
+          <a:bodyPr wrap="square" rtlCol="0">
+            <a:spAutoFit/>
+          </a:bodyPr>
+          <a:lstStyle/>
+          <a:p>
+            <a:pPr algn="ctr"/>
+            <a:r>
+              <a:rPr lang="en-GB" sz="1400" b="1" dirty="0">
+                <a:solidFill>
+                  <a:schemeClr val="tx1">
+                    <a:lumMod val="50000"/>
+                    <a:lumOff val="50000"/>
+                  </a:schemeClr>
+                </a:solidFill>
+              </a:rPr>
+              <a:t>&lt;</a:t>
+            </a:r>
+            <a:r>
+              <a:rPr lang="tr-TR" sz="1400" b="1" dirty="0">
+                <a:solidFill>
+                  <a:schemeClr val="tx1">
+                    <a:lumMod val="50000"/>
+                    <a:lumOff val="50000"/>
+                  </a:schemeClr>
+                </a:solidFill>
+              </a:rPr>
+              <a:t>external</a:t>
+            </a:r>
+            <a:r>
+              <a:rPr lang="en-GB" sz="1400" b="1" dirty="0">
+                <a:solidFill>
+                  <a:schemeClr val="tx1">
+                    <a:lumMod val="50000"/>
+                    <a:lumOff val="50000"/>
+                  </a:schemeClr>
+                </a:solidFill>
+              </a:rPr>
+              <a:t>-</a:t>
+            </a:r>
+            <a:r>
+              <a:rPr lang="en-GB" sz="1400" b="1" dirty="0" err="1">
+                <a:solidFill>
+                  <a:schemeClr val="tx1">
+                    <a:lumMod val="50000"/>
+                    <a:lumOff val="50000"/>
+                  </a:schemeClr>
+                </a:solidFill>
+              </a:rPr>
+              <a:t>db</a:t>
+            </a:r>
+            <a:r>
+              <a:rPr lang="en-GB" sz="1400" b="1" dirty="0">
+                <a:solidFill>
+                  <a:schemeClr val="tx1">
+                    <a:lumMod val="50000"/>
+                    <a:lumOff val="50000"/>
+                  </a:schemeClr>
+                </a:solidFill>
+              </a:rPr>
+              <a:t>&gt;</a:t>
+            </a:r>
+          </a:p>
+          <a:p>
+            <a:pPr algn="ctr"/>
+            <a:r>
+              <a:rPr lang="tr-TR" sz="1400" b="1" dirty="0">
+                <a:solidFill>
+                  <a:schemeClr val="tx1">
+                    <a:lumMod val="50000"/>
+                    <a:lumOff val="50000"/>
+                  </a:schemeClr>
+                </a:solidFill>
+              </a:rPr>
+              <a:t>MySQL</a:t>
+            </a:r>
+            <a:endParaRPr lang="en-GB" sz="1400" b="1" dirty="0">
+              <a:solidFill>
+                <a:schemeClr val="tx1">
+                  <a:lumMod val="50000"/>
+                  <a:lumOff val="50000"/>
+                </a:schemeClr>
+              </a:solidFill>
+            </a:endParaRPr>
+          </a:p>
+        </p:txBody>
+      </p:sp>
+      <p:pic>
+        <p:nvPicPr>
+          <p:cNvPr id="105" name="Picture 104">
+            <a:extLst>
+              <a:ext uri="{FF2B5EF4-FFF2-40B4-BE49-F238E27FC236}">
+                <a16:creationId xmlns:a16="http://schemas.microsoft.com/office/drawing/2014/main" id="{56C52AEB-7D83-4D28-BBEE-C25C7997F086}"/>
+              </a:ext>
+            </a:extLst>
+          </p:cNvPr>
+          <p:cNvPicPr>
+            <a:picLocks noChangeAspect="1"/>
+          </p:cNvPicPr>
+          <p:nvPr/>
+        </p:nvPicPr>
+        <p:blipFill>
+          <a:blip r:embed="rId4"/>
+          <a:stretch>
+            <a:fillRect/>
+          </a:stretch>
+        </p:blipFill>
+        <p:spPr>
+          <a:xfrm>
+            <a:off x="11038127" y="3784759"/>
+            <a:ext cx="971645" cy="325856"/>
+          </a:xfrm>
+          <a:prstGeom prst="rect">
+            <a:avLst/>
+          </a:prstGeom>
+        </p:spPr>
+      </p:pic>
+      <p:pic>
+        <p:nvPicPr>
+          <p:cNvPr id="106" name="Picture 105">
+            <a:extLst>
+              <a:ext uri="{FF2B5EF4-FFF2-40B4-BE49-F238E27FC236}">
+                <a16:creationId xmlns:a16="http://schemas.microsoft.com/office/drawing/2014/main" id="{671FF8D0-29D5-4DB4-9429-A5DC9EB50F13}"/>
+              </a:ext>
+            </a:extLst>
+          </p:cNvPr>
+          <p:cNvPicPr>
+            <a:picLocks noChangeAspect="1"/>
+          </p:cNvPicPr>
+          <p:nvPr/>
+        </p:nvPicPr>
+        <p:blipFill>
+          <a:blip r:embed="rId5"/>
+          <a:stretch>
+            <a:fillRect/>
+          </a:stretch>
+        </p:blipFill>
+        <p:spPr>
+          <a:xfrm>
+            <a:off x="11035205" y="4554223"/>
+            <a:ext cx="975259" cy="279322"/>
+          </a:xfrm>
+          <a:prstGeom prst="rect">
+            <a:avLst/>
+          </a:prstGeom>
+          <a:ln w="28575">
+            <a:solidFill>
+              <a:schemeClr val="accent5">
+                <a:lumMod val="60000"/>
+                <a:lumOff val="40000"/>
+              </a:schemeClr>
+            </a:solidFill>
+          </a:ln>
+        </p:spPr>
+      </p:pic>
+      <p:pic>
+        <p:nvPicPr>
+          <p:cNvPr id="107" name="Picture 106">
+            <a:extLst>
+              <a:ext uri="{FF2B5EF4-FFF2-40B4-BE49-F238E27FC236}">
+                <a16:creationId xmlns:a16="http://schemas.microsoft.com/office/drawing/2014/main" id="{60BD210A-150F-4E65-94AA-7E0BA5599C4A}"/>
+              </a:ext>
+            </a:extLst>
+          </p:cNvPr>
+          <p:cNvPicPr>
+            <a:picLocks noChangeAspect="1"/>
+          </p:cNvPicPr>
+          <p:nvPr/>
+        </p:nvPicPr>
+        <p:blipFill>
+          <a:blip r:embed="rId6"/>
+          <a:stretch>
+            <a:fillRect/>
+          </a:stretch>
+        </p:blipFill>
+        <p:spPr>
+          <a:xfrm>
+            <a:off x="11035205" y="2648690"/>
+            <a:ext cx="974567" cy="421539"/>
+          </a:xfrm>
+          <a:prstGeom prst="rect">
+            <a:avLst/>
+          </a:prstGeom>
+        </p:spPr>
+      </p:pic>
+      <p:cxnSp>
+        <p:nvCxnSpPr>
+          <p:cNvPr id="112" name="Connector: Elbow 111">
+            <a:extLst>
+              <a:ext uri="{FF2B5EF4-FFF2-40B4-BE49-F238E27FC236}">
+                <a16:creationId xmlns:a16="http://schemas.microsoft.com/office/drawing/2014/main" id="{9B7C32AC-6E92-4105-9417-F4FFC5516989}"/>
+              </a:ext>
+            </a:extLst>
+          </p:cNvPr>
+          <p:cNvCxnSpPr>
+            <a:cxnSpLocks/>
+            <a:endCxn id="52" idx="0"/>
+          </p:cNvCxnSpPr>
+          <p:nvPr/>
+        </p:nvCxnSpPr>
+        <p:spPr>
+          <a:xfrm rot="10800000">
+            <a:off x="7648772" y="4203769"/>
+            <a:ext cx="2487344" cy="523052"/>
+          </a:xfrm>
+          <a:prstGeom prst="bentConnector2">
+            <a:avLst/>
+          </a:prstGeom>
+          <a:ln>
+            <a:tailEnd type="triangle"/>
+          </a:ln>
+        </p:spPr>
+        <p:style>
+          <a:lnRef idx="1">
+            <a:schemeClr val="accent1"/>
+          </a:lnRef>
+          <a:fillRef idx="0">
+            <a:schemeClr val="accent1"/>
+          </a:fillRef>
+          <a:effectRef idx="0">
+            <a:schemeClr val="accent1"/>
+          </a:effectRef>
+          <a:fontRef idx="minor">
+            <a:schemeClr val="tx1"/>
+          </a:fontRef>
+        </p:style>
+      </p:cxnSp>
+      <p:cxnSp>
+        <p:nvCxnSpPr>
+          <p:cNvPr id="114" name="Connector: Elbow 113">
+            <a:extLst>
+              <a:ext uri="{FF2B5EF4-FFF2-40B4-BE49-F238E27FC236}">
+                <a16:creationId xmlns:a16="http://schemas.microsoft.com/office/drawing/2014/main" id="{31B99F83-E357-4A11-A507-67D079BF3D3D}"/>
+              </a:ext>
+            </a:extLst>
+          </p:cNvPr>
+          <p:cNvCxnSpPr>
+            <a:cxnSpLocks/>
+            <a:endCxn id="59" idx="0"/>
+          </p:cNvCxnSpPr>
+          <p:nvPr/>
+        </p:nvCxnSpPr>
+        <p:spPr>
+          <a:xfrm rot="10800000">
+            <a:off x="4736531" y="4203769"/>
+            <a:ext cx="5429418" cy="523052"/>
+          </a:xfrm>
+          <a:prstGeom prst="bentConnector2">
+            <a:avLst/>
+          </a:prstGeom>
+          <a:ln>
+            <a:tailEnd type="triangle"/>
+          </a:ln>
+        </p:spPr>
+        <p:style>
+          <a:lnRef idx="1">
+            <a:schemeClr val="accent1"/>
+          </a:lnRef>
+          <a:fillRef idx="0">
+            <a:schemeClr val="accent1"/>
+          </a:fillRef>
+          <a:effectRef idx="0">
+            <a:schemeClr val="accent1"/>
+          </a:effectRef>
+          <a:fontRef idx="minor">
+            <a:schemeClr val="tx1"/>
+          </a:fontRef>
+        </p:style>
+      </p:cxnSp>
+      <p:sp>
+        <p:nvSpPr>
+          <p:cNvPr id="118" name="TextBox 117">
+            <a:extLst>
+              <a:ext uri="{FF2B5EF4-FFF2-40B4-BE49-F238E27FC236}">
+                <a16:creationId xmlns:a16="http://schemas.microsoft.com/office/drawing/2014/main" id="{4EBA2BA5-D4BF-4A5B-BCFD-D07B845BAD46}"/>
+              </a:ext>
+            </a:extLst>
+          </p:cNvPr>
+          <p:cNvSpPr txBox="1"/>
+          <p:nvPr/>
+        </p:nvSpPr>
+        <p:spPr>
+          <a:xfrm>
+            <a:off x="9883430" y="1780138"/>
+            <a:ext cx="893578" cy="369332"/>
+          </a:xfrm>
+          <a:prstGeom prst="rect">
+            <a:avLst/>
+          </a:prstGeom>
+          <a:noFill/>
+        </p:spPr>
+        <p:txBody>
+          <a:bodyPr wrap="none" rtlCol="0">
+            <a:spAutoFit/>
+          </a:bodyPr>
+          <a:lstStyle/>
+          <a:p>
+            <a:r>
+              <a:rPr lang="tr-TR" dirty="0">
+                <a:solidFill>
+                  <a:schemeClr val="tx1">
+                    <a:lumMod val="50000"/>
+                    <a:lumOff val="50000"/>
+                  </a:schemeClr>
+                </a:solidFill>
+              </a:rPr>
+              <a:t>3 roles</a:t>
+            </a:r>
+            <a:endParaRPr lang="de-AT" dirty="0">
+              <a:solidFill>
+                <a:schemeClr val="tx1">
+                  <a:lumMod val="50000"/>
+                  <a:lumOff val="50000"/>
+                </a:schemeClr>
+              </a:solidFill>
+            </a:endParaRPr>
+          </a:p>
+        </p:txBody>
+      </p:sp>
+      <p:pic>
+        <p:nvPicPr>
+          <p:cNvPr id="4" name="Picture 3">
+            <a:extLst>
+              <a:ext uri="{FF2B5EF4-FFF2-40B4-BE49-F238E27FC236}">
+                <a16:creationId xmlns:a16="http://schemas.microsoft.com/office/drawing/2014/main" id="{60ED411A-A730-4189-8942-92F37059AD2A}"/>
+              </a:ext>
+            </a:extLst>
+          </p:cNvPr>
+          <p:cNvPicPr>
+            <a:picLocks noChangeAspect="1"/>
+          </p:cNvPicPr>
+          <p:nvPr/>
+        </p:nvPicPr>
+        <p:blipFill>
+          <a:blip r:embed="rId7"/>
+          <a:stretch>
+            <a:fillRect/>
+          </a:stretch>
+        </p:blipFill>
+        <p:spPr>
+          <a:xfrm>
+            <a:off x="11084540" y="2241681"/>
+            <a:ext cx="857659" cy="318559"/>
+          </a:xfrm>
+          <a:prstGeom prst="rect">
+            <a:avLst/>
+          </a:prstGeom>
+          <a:ln w="19050">
+            <a:solidFill>
+              <a:schemeClr val="accent1"/>
+            </a:solidFill>
+          </a:ln>
+        </p:spPr>
+      </p:pic>
+      <p:cxnSp>
+        <p:nvCxnSpPr>
+          <p:cNvPr id="108" name="Connector: Elbow 107">
+            <a:extLst>
+              <a:ext uri="{FF2B5EF4-FFF2-40B4-BE49-F238E27FC236}">
+                <a16:creationId xmlns:a16="http://schemas.microsoft.com/office/drawing/2014/main" id="{93606E47-B5B0-4FF1-AED3-620FC1DBF6BC}"/>
+              </a:ext>
+            </a:extLst>
+          </p:cNvPr>
+          <p:cNvCxnSpPr>
+            <a:cxnSpLocks/>
+            <a:stCxn id="73" idx="3"/>
+            <a:endCxn id="35" idx="3"/>
+          </p:cNvCxnSpPr>
+          <p:nvPr/>
+        </p:nvCxnSpPr>
+        <p:spPr>
+          <a:xfrm rot="10800000">
+            <a:off x="1574866" y="3310880"/>
+            <a:ext cx="374608" cy="435573"/>
+          </a:xfrm>
+          <a:prstGeom prst="bentConnector3">
+            <a:avLst>
+              <a:gd name="adj1" fmla="val 50000"/>
+            </a:avLst>
+          </a:prstGeom>
+          <a:ln>
+            <a:solidFill>
+              <a:schemeClr val="bg2">
+                <a:lumMod val="75000"/>
+              </a:schemeClr>
+            </a:solidFill>
+            <a:prstDash val="lgDash"/>
+            <a:headEnd type="triangle"/>
+            <a:tailEnd type="triangle"/>
+          </a:ln>
+        </p:spPr>
+        <p:style>
+          <a:lnRef idx="1">
+            <a:schemeClr val="accent1"/>
+          </a:lnRef>
+          <a:fillRef idx="0">
+            <a:schemeClr val="accent1"/>
+          </a:fillRef>
+          <a:effectRef idx="0">
+            <a:schemeClr val="accent1"/>
+          </a:effectRef>
+          <a:fontRef idx="minor">
+            <a:schemeClr val="tx1"/>
+          </a:fontRef>
+        </p:style>
+      </p:cxnSp>
+      <p:grpSp>
+        <p:nvGrpSpPr>
+          <p:cNvPr id="113" name="Group 112">
+            <a:extLst>
+              <a:ext uri="{FF2B5EF4-FFF2-40B4-BE49-F238E27FC236}">
+                <a16:creationId xmlns:a16="http://schemas.microsoft.com/office/drawing/2014/main" id="{70BC5AC8-67B2-484E-BDA0-9B61D5A2128D}"/>
+              </a:ext>
+            </a:extLst>
+          </p:cNvPr>
+          <p:cNvGrpSpPr/>
+          <p:nvPr/>
+        </p:nvGrpSpPr>
+        <p:grpSpPr>
+          <a:xfrm>
+            <a:off x="263522" y="2885508"/>
+            <a:ext cx="1453414" cy="596845"/>
+            <a:chOff x="263522" y="2885508"/>
+            <a:chExt cx="1453414" cy="596845"/>
+          </a:xfrm>
+        </p:grpSpPr>
+        <p:pic>
+          <p:nvPicPr>
+            <p:cNvPr id="35" name="Picture 34">
+              <a:extLst>
+                <a:ext uri="{FF2B5EF4-FFF2-40B4-BE49-F238E27FC236}">
+                  <a16:creationId xmlns:a16="http://schemas.microsoft.com/office/drawing/2014/main" id="{8E4E565F-8A78-4263-9165-36F2AB0DAE36}"/>
+                </a:ext>
+              </a:extLst>
+            </p:cNvPr>
+            <p:cNvPicPr>
+              <a:picLocks noChangeAspect="1"/>
+            </p:cNvPicPr>
+            <p:nvPr/>
+          </p:nvPicPr>
+          <p:blipFill>
+            <a:blip r:embed="rId8"/>
+            <a:stretch>
+              <a:fillRect/>
+            </a:stretch>
+          </p:blipFill>
+          <p:spPr>
+            <a:xfrm>
+              <a:off x="355496" y="3139405"/>
+              <a:ext cx="1219370" cy="342948"/>
+            </a:xfrm>
+            <a:prstGeom prst="rect">
+              <a:avLst/>
+            </a:prstGeom>
+          </p:spPr>
+        </p:pic>
+        <p:sp>
+          <p:nvSpPr>
+            <p:cNvPr id="115" name="Rectangle 114">
+              <a:extLst>
+                <a:ext uri="{FF2B5EF4-FFF2-40B4-BE49-F238E27FC236}">
+                  <a16:creationId xmlns:a16="http://schemas.microsoft.com/office/drawing/2014/main" id="{8B91FAAF-23D1-45BD-B2A0-F1B299506A2D}"/>
+                </a:ext>
+              </a:extLst>
+            </p:cNvPr>
+            <p:cNvSpPr/>
+            <p:nvPr/>
+          </p:nvSpPr>
+          <p:spPr>
+            <a:xfrm>
+              <a:off x="263522" y="2885508"/>
+              <a:ext cx="1453414" cy="307777"/>
+            </a:xfrm>
+            <a:prstGeom prst="rect">
+              <a:avLst/>
+            </a:prstGeom>
+            <a:noFill/>
+            <a:ln>
+              <a:noFill/>
+            </a:ln>
+          </p:spPr>
+          <p:txBody>
+            <a:bodyPr wrap="square" rtlCol="0">
+              <a:spAutoFit/>
+            </a:bodyPr>
+            <a:lstStyle/>
+            <a:p>
+              <a:pPr algn="ctr"/>
+              <a:r>
+                <a:rPr lang="en-GB" sz="1400" b="1" dirty="0">
+                  <a:solidFill>
+                    <a:schemeClr val="tx1">
+                      <a:lumMod val="50000"/>
+                      <a:lumOff val="50000"/>
+                    </a:schemeClr>
+                  </a:solidFill>
+                </a:rPr>
+                <a:t>&lt;</a:t>
+              </a:r>
+              <a:r>
+                <a:rPr lang="tr-TR" sz="1400" b="1" dirty="0">
+                  <a:solidFill>
+                    <a:schemeClr val="tx1">
+                      <a:lumMod val="50000"/>
+                      <a:lumOff val="50000"/>
+                    </a:schemeClr>
+                  </a:solidFill>
+                </a:rPr>
+                <a:t>external</a:t>
+              </a:r>
+              <a:r>
+                <a:rPr lang="en-GB" sz="1400" b="1" dirty="0">
+                  <a:solidFill>
+                    <a:schemeClr val="tx1">
+                      <a:lumMod val="50000"/>
+                      <a:lumOff val="50000"/>
+                    </a:schemeClr>
+                  </a:solidFill>
+                </a:rPr>
+                <a:t>-</a:t>
+              </a:r>
+              <a:r>
+                <a:rPr lang="en-GB" sz="1400" b="1" dirty="0" err="1">
+                  <a:solidFill>
+                    <a:schemeClr val="tx1">
+                      <a:lumMod val="50000"/>
+                      <a:lumOff val="50000"/>
+                    </a:schemeClr>
+                  </a:solidFill>
+                </a:rPr>
+                <a:t>db</a:t>
+              </a:r>
+              <a:r>
+                <a:rPr lang="en-GB" sz="1400" b="1" dirty="0">
+                  <a:solidFill>
+                    <a:schemeClr val="tx1">
+                      <a:lumMod val="50000"/>
+                      <a:lumOff val="50000"/>
+                    </a:schemeClr>
+                  </a:solidFill>
+                </a:rPr>
+                <a:t>&gt;</a:t>
+              </a:r>
+            </a:p>
+          </p:txBody>
+        </p:sp>
+      </p:grpSp>
+    </p:spTree>
+    <p:extLst>
+      <p:ext uri="{BB962C8B-B14F-4D97-AF65-F5344CB8AC3E}">
+        <p14:creationId xmlns:p14="http://schemas.microsoft.com/office/powerpoint/2010/main" val="3422619547"/>
+      </p:ext>
+    </p:extLst>
+  </p:cSld>
+  <p:clrMapOvr>
+    <a:masterClrMapping/>
+  </p:clrMapOvr>
+</p:sld>
+</file>
+
+<file path=ppt/slides/slide12.xml><?xml version="1.0" encoding="utf-8"?>
+<p:sld xmlns:a="http://schemas.openxmlformats.org/drawingml/2006/main" xmlns:r="http://schemas.openxmlformats.org/officeDocument/2006/relationships" xmlns:p="http://schemas.openxmlformats.org/presentationml/2006/main">
+  <p:cSld>
+    <p:spTree>
+      <p:nvGrpSpPr>
+        <p:cNvPr id="1" name=""/>
+        <p:cNvGrpSpPr/>
+        <p:nvPr/>
+      </p:nvGrpSpPr>
+      <p:grpSpPr>
+        <a:xfrm>
+          <a:off x="0" y="0"/>
+          <a:ext cx="0" cy="0"/>
+          <a:chOff x="0" y="0"/>
+          <a:chExt cx="0" cy="0"/>
+        </a:xfrm>
+      </p:grpSpPr>
+      <p:sp>
+        <p:nvSpPr>
+          <p:cNvPr id="2" name="Title 1">
+            <a:extLst>
+              <a:ext uri="{FF2B5EF4-FFF2-40B4-BE49-F238E27FC236}">
                 <a16:creationId xmlns:a16="http://schemas.microsoft.com/office/drawing/2014/main" id="{D27000EB-BD82-4A6B-9980-676182FAC5EA}"/>
               </a:ext>
             </a:extLst>
@@ -4719,7 +11190,7 @@
 </p:sld>
 </file>
 
-<file path=ppt/slides/slide11.xml><?xml version="1.0" encoding="utf-8"?>
+<file path=ppt/slides/slide13.xml><?xml version="1.0" encoding="utf-8"?>
 <p:sld xmlns:a="http://schemas.openxmlformats.org/drawingml/2006/main" xmlns:r="http://schemas.openxmlformats.org/officeDocument/2006/relationships" xmlns:p="http://schemas.openxmlformats.org/presentationml/2006/main">
   <p:cSld>
     <p:spTree>
@@ -6050,7 +12521,7 @@
 </p:sld>
 </file>
 
-<file path=ppt/slides/slide12.xml><?xml version="1.0" encoding="utf-8"?>
+<file path=ppt/slides/slide14.xml><?xml version="1.0" encoding="utf-8"?>
 <p:sld xmlns:a="http://schemas.openxmlformats.org/drawingml/2006/main" xmlns:r="http://schemas.openxmlformats.org/officeDocument/2006/relationships" xmlns:p="http://schemas.openxmlformats.org/presentationml/2006/main">
   <p:cSld>
     <p:spTree>
@@ -8215,7 +14686,7 @@
 </p:sld>
 </file>
 
-<file path=ppt/slides/slide13.xml><?xml version="1.0" encoding="utf-8"?>
+<file path=ppt/slides/slide15.xml><?xml version="1.0" encoding="utf-8"?>
 <p:sld xmlns:a="http://schemas.openxmlformats.org/drawingml/2006/main" xmlns:r="http://schemas.openxmlformats.org/officeDocument/2006/relationships" xmlns:p="http://schemas.openxmlformats.org/presentationml/2006/main">
   <p:cSld>
     <p:bg>
@@ -8328,308 +14799,7 @@
 </p:sld>
 </file>
 
-<file path=ppt/slides/slide14.xml><?xml version="1.0" encoding="utf-8"?>
-<p:sld xmlns:a="http://schemas.openxmlformats.org/drawingml/2006/main" xmlns:r="http://schemas.openxmlformats.org/officeDocument/2006/relationships" xmlns:p="http://schemas.openxmlformats.org/presentationml/2006/main">
-  <p:cSld>
-    <p:spTree>
-      <p:nvGrpSpPr>
-        <p:cNvPr id="1" name=""/>
-        <p:cNvGrpSpPr/>
-        <p:nvPr/>
-      </p:nvGrpSpPr>
-      <p:grpSpPr>
-        <a:xfrm>
-          <a:off x="0" y="0"/>
-          <a:ext cx="0" cy="0"/>
-          <a:chOff x="0" y="0"/>
-          <a:chExt cx="0" cy="0"/>
-        </a:xfrm>
-      </p:grpSpPr>
-      <p:sp>
-        <p:nvSpPr>
-          <p:cNvPr id="2" name="Title 1">
-            <a:extLst>
-              <a:ext uri="{FF2B5EF4-FFF2-40B4-BE49-F238E27FC236}">
-                <a16:creationId xmlns:a16="http://schemas.microsoft.com/office/drawing/2014/main" id="{16A5B27F-6B44-44F0-A5EC-A585BB3C2652}"/>
-              </a:ext>
-            </a:extLst>
-          </p:cNvPr>
-          <p:cNvSpPr>
-            <a:spLocks noGrp="1"/>
-          </p:cNvSpPr>
-          <p:nvPr>
-            <p:ph type="title"/>
-          </p:nvPr>
-        </p:nvSpPr>
-        <p:spPr>
-          <a:xfrm>
-            <a:off x="1024128" y="0"/>
-            <a:ext cx="9720072" cy="890337"/>
-          </a:xfrm>
-        </p:spPr>
-        <p:txBody>
-          <a:bodyPr/>
-          <a:lstStyle/>
-          <a:p>
-            <a:r>
-              <a:rPr lang="de-AT" dirty="0"/>
-              <a:t>FORDCS</a:t>
-            </a:r>
-            <a:r>
-              <a:rPr lang="tr-TR" dirty="0"/>
-              <a:t> </a:t>
-            </a:r>
-            <a:r>
-              <a:rPr lang="de-AT" dirty="0"/>
-              <a:t>C</a:t>
-            </a:r>
-            <a:r>
-              <a:rPr lang="tr-TR" dirty="0"/>
-              <a:t>ONTEXT – SMART HOME</a:t>
-            </a:r>
-            <a:endParaRPr lang="de-AT" dirty="0"/>
-          </a:p>
-        </p:txBody>
-      </p:sp>
-      <p:sp>
-        <p:nvSpPr>
-          <p:cNvPr id="3" name="Content Placeholder 2">
-            <a:extLst>
-              <a:ext uri="{FF2B5EF4-FFF2-40B4-BE49-F238E27FC236}">
-                <a16:creationId xmlns:a16="http://schemas.microsoft.com/office/drawing/2014/main" id="{3E6BF13F-FA46-4F06-BEFB-5B0CA69F1086}"/>
-              </a:ext>
-            </a:extLst>
-          </p:cNvPr>
-          <p:cNvSpPr>
-            <a:spLocks noGrp="1"/>
-          </p:cNvSpPr>
-          <p:nvPr>
-            <p:ph idx="1"/>
-          </p:nvPr>
-        </p:nvSpPr>
-        <p:spPr/>
-        <p:txBody>
-          <a:bodyPr/>
-          <a:lstStyle/>
-          <a:p>
-            <a:endParaRPr lang="de-AT"/>
-          </a:p>
-        </p:txBody>
-      </p:sp>
-      <p:pic>
-        <p:nvPicPr>
-          <p:cNvPr id="4" name="Picture 3">
-            <a:extLst>
-              <a:ext uri="{FF2B5EF4-FFF2-40B4-BE49-F238E27FC236}">
-                <a16:creationId xmlns:a16="http://schemas.microsoft.com/office/drawing/2014/main" id="{7680AEE7-12BC-483B-9DB1-5B494A08A5A2}"/>
-              </a:ext>
-            </a:extLst>
-          </p:cNvPr>
-          <p:cNvPicPr>
-            <a:picLocks noChangeAspect="1"/>
-          </p:cNvPicPr>
-          <p:nvPr/>
-        </p:nvPicPr>
-        <p:blipFill>
-          <a:blip r:embed="rId2"/>
-          <a:stretch>
-            <a:fillRect/>
-          </a:stretch>
-        </p:blipFill>
-        <p:spPr>
-          <a:xfrm>
-            <a:off x="6328611" y="1479884"/>
-            <a:ext cx="5860518" cy="4451684"/>
-          </a:xfrm>
-          <a:prstGeom prst="rect">
-            <a:avLst/>
-          </a:prstGeom>
-        </p:spPr>
-      </p:pic>
-      <p:pic>
-        <p:nvPicPr>
-          <p:cNvPr id="6" name="Picture 5">
-            <a:extLst>
-              <a:ext uri="{FF2B5EF4-FFF2-40B4-BE49-F238E27FC236}">
-                <a16:creationId xmlns:a16="http://schemas.microsoft.com/office/drawing/2014/main" id="{31156CC1-9551-475E-98BA-17485BDC4B68}"/>
-              </a:ext>
-            </a:extLst>
-          </p:cNvPr>
-          <p:cNvPicPr>
-            <a:picLocks noChangeAspect="1"/>
-          </p:cNvPicPr>
-          <p:nvPr/>
-        </p:nvPicPr>
-        <p:blipFill>
-          <a:blip r:embed="rId3"/>
-          <a:stretch>
-            <a:fillRect/>
-          </a:stretch>
-        </p:blipFill>
-        <p:spPr>
-          <a:xfrm>
-            <a:off x="0" y="890337"/>
-            <a:ext cx="6328611" cy="5961326"/>
-          </a:xfrm>
-          <a:prstGeom prst="rect">
-            <a:avLst/>
-          </a:prstGeom>
-        </p:spPr>
-      </p:pic>
-      <p:grpSp>
-        <p:nvGrpSpPr>
-          <p:cNvPr id="8" name="Group 7">
-            <a:extLst>
-              <a:ext uri="{FF2B5EF4-FFF2-40B4-BE49-F238E27FC236}">
-                <a16:creationId xmlns:a16="http://schemas.microsoft.com/office/drawing/2014/main" id="{77C064F3-660A-42B4-92A3-D55D826D5D82}"/>
-              </a:ext>
-            </a:extLst>
-          </p:cNvPr>
-          <p:cNvGrpSpPr/>
-          <p:nvPr/>
-        </p:nvGrpSpPr>
-        <p:grpSpPr>
-          <a:xfrm>
-            <a:off x="-38534" y="4684532"/>
-            <a:ext cx="693442" cy="915473"/>
-            <a:chOff x="-38534" y="4684532"/>
-            <a:chExt cx="693442" cy="915473"/>
-          </a:xfrm>
-        </p:grpSpPr>
-        <p:pic>
-          <p:nvPicPr>
-            <p:cNvPr id="7" name="Picture 6">
-              <a:extLst>
-                <a:ext uri="{FF2B5EF4-FFF2-40B4-BE49-F238E27FC236}">
-                  <a16:creationId xmlns:a16="http://schemas.microsoft.com/office/drawing/2014/main" id="{3AF0FC34-E34B-4937-9FCB-5E630862F075}"/>
-                </a:ext>
-              </a:extLst>
-            </p:cNvPr>
-            <p:cNvPicPr>
-              <a:picLocks noChangeAspect="1"/>
-            </p:cNvPicPr>
-            <p:nvPr/>
-          </p:nvPicPr>
-          <p:blipFill>
-            <a:blip r:embed="rId4"/>
-            <a:stretch>
-              <a:fillRect/>
-            </a:stretch>
-          </p:blipFill>
-          <p:spPr>
-            <a:xfrm>
-              <a:off x="69286" y="4684532"/>
-              <a:ext cx="485165" cy="632638"/>
-            </a:xfrm>
-            <a:prstGeom prst="rect">
-              <a:avLst/>
-            </a:prstGeom>
-          </p:spPr>
-        </p:pic>
-        <p:sp>
-          <p:nvSpPr>
-            <p:cNvPr id="5" name="TextBox 4">
-              <a:extLst>
-                <a:ext uri="{FF2B5EF4-FFF2-40B4-BE49-F238E27FC236}">
-                  <a16:creationId xmlns:a16="http://schemas.microsoft.com/office/drawing/2014/main" id="{933DF100-729D-48EF-A4A3-2D45B21EC4ED}"/>
-                </a:ext>
-              </a:extLst>
-            </p:cNvPr>
-            <p:cNvSpPr txBox="1"/>
-            <p:nvPr/>
-          </p:nvSpPr>
-          <p:spPr>
-            <a:xfrm>
-              <a:off x="-38534" y="5230673"/>
-              <a:ext cx="693442" cy="369332"/>
-            </a:xfrm>
-            <a:prstGeom prst="rect">
-              <a:avLst/>
-            </a:prstGeom>
-            <a:noFill/>
-          </p:spPr>
-          <p:txBody>
-            <a:bodyPr wrap="square" rtlCol="0">
-              <a:spAutoFit/>
-            </a:bodyPr>
-            <a:lstStyle/>
-            <a:p>
-              <a:pPr algn="ctr"/>
-              <a:r>
-                <a:rPr lang="tr-TR" sz="900" dirty="0"/>
-                <a:t>Charging Station</a:t>
-              </a:r>
-              <a:endParaRPr lang="de-AT" sz="900" dirty="0"/>
-            </a:p>
-          </p:txBody>
-        </p:sp>
-      </p:grpSp>
-      <p:sp>
-        <p:nvSpPr>
-          <p:cNvPr id="9" name="Oval 8">
-            <a:extLst>
-              <a:ext uri="{FF2B5EF4-FFF2-40B4-BE49-F238E27FC236}">
-                <a16:creationId xmlns:a16="http://schemas.microsoft.com/office/drawing/2014/main" id="{F20E80D8-E75C-4C08-9578-997329013534}"/>
-              </a:ext>
-            </a:extLst>
-          </p:cNvPr>
-          <p:cNvSpPr/>
-          <p:nvPr/>
-        </p:nvSpPr>
-        <p:spPr>
-          <a:xfrm>
-            <a:off x="-531341" y="4176584"/>
-            <a:ext cx="1555469" cy="1556951"/>
-          </a:xfrm>
-          <a:prstGeom prst="ellipse">
-            <a:avLst/>
-          </a:prstGeom>
-          <a:noFill/>
-          <a:ln w="76200">
-            <a:solidFill>
-              <a:srgbClr val="C00000"/>
-            </a:solidFill>
-          </a:ln>
-        </p:spPr>
-        <p:style>
-          <a:lnRef idx="2">
-            <a:schemeClr val="accent1">
-              <a:shade val="50000"/>
-            </a:schemeClr>
-          </a:lnRef>
-          <a:fillRef idx="1">
-            <a:schemeClr val="accent1"/>
-          </a:fillRef>
-          <a:effectRef idx="0">
-            <a:schemeClr val="accent1"/>
-          </a:effectRef>
-          <a:fontRef idx="minor">
-            <a:schemeClr val="lt1"/>
-          </a:fontRef>
-        </p:style>
-        <p:txBody>
-          <a:bodyPr rtlCol="0" anchor="ctr"/>
-          <a:lstStyle/>
-          <a:p>
-            <a:pPr algn="ctr"/>
-            <a:endParaRPr lang="de-AT"/>
-          </a:p>
-        </p:txBody>
-      </p:sp>
-    </p:spTree>
-    <p:extLst>
-      <p:ext uri="{BB962C8B-B14F-4D97-AF65-F5344CB8AC3E}">
-        <p14:creationId xmlns:p14="http://schemas.microsoft.com/office/powerpoint/2010/main" val="3832227989"/>
-      </p:ext>
-    </p:extLst>
-  </p:cSld>
-  <p:clrMapOvr>
-    <a:masterClrMapping/>
-  </p:clrMapOvr>
-</p:sld>
-</file>
-
-<file path=ppt/slides/slide15.xml><?xml version="1.0" encoding="utf-8"?>
+<file path=ppt/slides/slide16.xml><?xml version="1.0" encoding="utf-8"?>
 <p:sld xmlns:a="http://schemas.openxmlformats.org/drawingml/2006/main" xmlns:r="http://schemas.openxmlformats.org/officeDocument/2006/relationships" xmlns:p="http://schemas.openxmlformats.org/presentationml/2006/main">
   <p:cSld>
     <p:spTree>
@@ -9788,6 +15958,307 @@
           <p:cNvPr id="2" name="Title 1">
             <a:extLst>
               <a:ext uri="{FF2B5EF4-FFF2-40B4-BE49-F238E27FC236}">
+                <a16:creationId xmlns:a16="http://schemas.microsoft.com/office/drawing/2014/main" id="{16A5B27F-6B44-44F0-A5EC-A585BB3C2652}"/>
+              </a:ext>
+            </a:extLst>
+          </p:cNvPr>
+          <p:cNvSpPr>
+            <a:spLocks noGrp="1"/>
+          </p:cNvSpPr>
+          <p:nvPr>
+            <p:ph type="title"/>
+          </p:nvPr>
+        </p:nvSpPr>
+        <p:spPr>
+          <a:xfrm>
+            <a:off x="1024128" y="0"/>
+            <a:ext cx="9720072" cy="890337"/>
+          </a:xfrm>
+        </p:spPr>
+        <p:txBody>
+          <a:bodyPr/>
+          <a:lstStyle/>
+          <a:p>
+            <a:r>
+              <a:rPr lang="de-AT" dirty="0"/>
+              <a:t>FORDCS</a:t>
+            </a:r>
+            <a:r>
+              <a:rPr lang="tr-TR" dirty="0"/>
+              <a:t> </a:t>
+            </a:r>
+            <a:r>
+              <a:rPr lang="de-AT" dirty="0"/>
+              <a:t>C</a:t>
+            </a:r>
+            <a:r>
+              <a:rPr lang="tr-TR" dirty="0"/>
+              <a:t>ONTEXT – SMART HOME</a:t>
+            </a:r>
+            <a:endParaRPr lang="de-AT" dirty="0"/>
+          </a:p>
+        </p:txBody>
+      </p:sp>
+      <p:sp>
+        <p:nvSpPr>
+          <p:cNvPr id="3" name="Content Placeholder 2">
+            <a:extLst>
+              <a:ext uri="{FF2B5EF4-FFF2-40B4-BE49-F238E27FC236}">
+                <a16:creationId xmlns:a16="http://schemas.microsoft.com/office/drawing/2014/main" id="{3E6BF13F-FA46-4F06-BEFB-5B0CA69F1086}"/>
+              </a:ext>
+            </a:extLst>
+          </p:cNvPr>
+          <p:cNvSpPr>
+            <a:spLocks noGrp="1"/>
+          </p:cNvSpPr>
+          <p:nvPr>
+            <p:ph idx="1"/>
+          </p:nvPr>
+        </p:nvSpPr>
+        <p:spPr/>
+        <p:txBody>
+          <a:bodyPr/>
+          <a:lstStyle/>
+          <a:p>
+            <a:endParaRPr lang="de-AT"/>
+          </a:p>
+        </p:txBody>
+      </p:sp>
+      <p:pic>
+        <p:nvPicPr>
+          <p:cNvPr id="4" name="Picture 3">
+            <a:extLst>
+              <a:ext uri="{FF2B5EF4-FFF2-40B4-BE49-F238E27FC236}">
+                <a16:creationId xmlns:a16="http://schemas.microsoft.com/office/drawing/2014/main" id="{7680AEE7-12BC-483B-9DB1-5B494A08A5A2}"/>
+              </a:ext>
+            </a:extLst>
+          </p:cNvPr>
+          <p:cNvPicPr>
+            <a:picLocks noChangeAspect="1"/>
+          </p:cNvPicPr>
+          <p:nvPr/>
+        </p:nvPicPr>
+        <p:blipFill>
+          <a:blip r:embed="rId2"/>
+          <a:stretch>
+            <a:fillRect/>
+          </a:stretch>
+        </p:blipFill>
+        <p:spPr>
+          <a:xfrm>
+            <a:off x="6328611" y="1479884"/>
+            <a:ext cx="5860518" cy="4451684"/>
+          </a:xfrm>
+          <a:prstGeom prst="rect">
+            <a:avLst/>
+          </a:prstGeom>
+        </p:spPr>
+      </p:pic>
+      <p:pic>
+        <p:nvPicPr>
+          <p:cNvPr id="6" name="Picture 5">
+            <a:extLst>
+              <a:ext uri="{FF2B5EF4-FFF2-40B4-BE49-F238E27FC236}">
+                <a16:creationId xmlns:a16="http://schemas.microsoft.com/office/drawing/2014/main" id="{31156CC1-9551-475E-98BA-17485BDC4B68}"/>
+              </a:ext>
+            </a:extLst>
+          </p:cNvPr>
+          <p:cNvPicPr>
+            <a:picLocks noChangeAspect="1"/>
+          </p:cNvPicPr>
+          <p:nvPr/>
+        </p:nvPicPr>
+        <p:blipFill>
+          <a:blip r:embed="rId3"/>
+          <a:stretch>
+            <a:fillRect/>
+          </a:stretch>
+        </p:blipFill>
+        <p:spPr>
+          <a:xfrm>
+            <a:off x="0" y="890337"/>
+            <a:ext cx="6328611" cy="5961326"/>
+          </a:xfrm>
+          <a:prstGeom prst="rect">
+            <a:avLst/>
+          </a:prstGeom>
+        </p:spPr>
+      </p:pic>
+      <p:grpSp>
+        <p:nvGrpSpPr>
+          <p:cNvPr id="8" name="Group 7">
+            <a:extLst>
+              <a:ext uri="{FF2B5EF4-FFF2-40B4-BE49-F238E27FC236}">
+                <a16:creationId xmlns:a16="http://schemas.microsoft.com/office/drawing/2014/main" id="{77C064F3-660A-42B4-92A3-D55D826D5D82}"/>
+              </a:ext>
+            </a:extLst>
+          </p:cNvPr>
+          <p:cNvGrpSpPr/>
+          <p:nvPr/>
+        </p:nvGrpSpPr>
+        <p:grpSpPr>
+          <a:xfrm>
+            <a:off x="-38534" y="4684532"/>
+            <a:ext cx="693442" cy="915473"/>
+            <a:chOff x="-38534" y="4684532"/>
+            <a:chExt cx="693442" cy="915473"/>
+          </a:xfrm>
+        </p:grpSpPr>
+        <p:pic>
+          <p:nvPicPr>
+            <p:cNvPr id="7" name="Picture 6">
+              <a:extLst>
+                <a:ext uri="{FF2B5EF4-FFF2-40B4-BE49-F238E27FC236}">
+                  <a16:creationId xmlns:a16="http://schemas.microsoft.com/office/drawing/2014/main" id="{3AF0FC34-E34B-4937-9FCB-5E630862F075}"/>
+                </a:ext>
+              </a:extLst>
+            </p:cNvPr>
+            <p:cNvPicPr>
+              <a:picLocks noChangeAspect="1"/>
+            </p:cNvPicPr>
+            <p:nvPr/>
+          </p:nvPicPr>
+          <p:blipFill>
+            <a:blip r:embed="rId4"/>
+            <a:stretch>
+              <a:fillRect/>
+            </a:stretch>
+          </p:blipFill>
+          <p:spPr>
+            <a:xfrm>
+              <a:off x="69286" y="4684532"/>
+              <a:ext cx="485165" cy="632638"/>
+            </a:xfrm>
+            <a:prstGeom prst="rect">
+              <a:avLst/>
+            </a:prstGeom>
+          </p:spPr>
+        </p:pic>
+        <p:sp>
+          <p:nvSpPr>
+            <p:cNvPr id="5" name="TextBox 4">
+              <a:extLst>
+                <a:ext uri="{FF2B5EF4-FFF2-40B4-BE49-F238E27FC236}">
+                  <a16:creationId xmlns:a16="http://schemas.microsoft.com/office/drawing/2014/main" id="{933DF100-729D-48EF-A4A3-2D45B21EC4ED}"/>
+                </a:ext>
+              </a:extLst>
+            </p:cNvPr>
+            <p:cNvSpPr txBox="1"/>
+            <p:nvPr/>
+          </p:nvSpPr>
+          <p:spPr>
+            <a:xfrm>
+              <a:off x="-38534" y="5230673"/>
+              <a:ext cx="693442" cy="369332"/>
+            </a:xfrm>
+            <a:prstGeom prst="rect">
+              <a:avLst/>
+            </a:prstGeom>
+            <a:noFill/>
+          </p:spPr>
+          <p:txBody>
+            <a:bodyPr wrap="square" rtlCol="0">
+              <a:spAutoFit/>
+            </a:bodyPr>
+            <a:lstStyle/>
+            <a:p>
+              <a:pPr algn="ctr"/>
+              <a:r>
+                <a:rPr lang="tr-TR" sz="900" dirty="0"/>
+                <a:t>Charging Station</a:t>
+              </a:r>
+              <a:endParaRPr lang="de-AT" sz="900" dirty="0"/>
+            </a:p>
+          </p:txBody>
+        </p:sp>
+      </p:grpSp>
+      <p:sp>
+        <p:nvSpPr>
+          <p:cNvPr id="9" name="Oval 8">
+            <a:extLst>
+              <a:ext uri="{FF2B5EF4-FFF2-40B4-BE49-F238E27FC236}">
+                <a16:creationId xmlns:a16="http://schemas.microsoft.com/office/drawing/2014/main" id="{F20E80D8-E75C-4C08-9578-997329013534}"/>
+              </a:ext>
+            </a:extLst>
+          </p:cNvPr>
+          <p:cNvSpPr/>
+          <p:nvPr/>
+        </p:nvSpPr>
+        <p:spPr>
+          <a:xfrm>
+            <a:off x="-531341" y="4176584"/>
+            <a:ext cx="1555469" cy="1556951"/>
+          </a:xfrm>
+          <a:prstGeom prst="ellipse">
+            <a:avLst/>
+          </a:prstGeom>
+          <a:noFill/>
+          <a:ln w="76200">
+            <a:solidFill>
+              <a:srgbClr val="C00000"/>
+            </a:solidFill>
+          </a:ln>
+        </p:spPr>
+        <p:style>
+          <a:lnRef idx="2">
+            <a:schemeClr val="accent1">
+              <a:shade val="50000"/>
+            </a:schemeClr>
+          </a:lnRef>
+          <a:fillRef idx="1">
+            <a:schemeClr val="accent1"/>
+          </a:fillRef>
+          <a:effectRef idx="0">
+            <a:schemeClr val="accent1"/>
+          </a:effectRef>
+          <a:fontRef idx="minor">
+            <a:schemeClr val="lt1"/>
+          </a:fontRef>
+        </p:style>
+        <p:txBody>
+          <a:bodyPr rtlCol="0" anchor="ctr"/>
+          <a:lstStyle/>
+          <a:p>
+            <a:pPr algn="ctr"/>
+            <a:endParaRPr lang="de-AT"/>
+          </a:p>
+        </p:txBody>
+      </p:sp>
+    </p:spTree>
+    <p:extLst>
+      <p:ext uri="{BB962C8B-B14F-4D97-AF65-F5344CB8AC3E}">
+        <p14:creationId xmlns:p14="http://schemas.microsoft.com/office/powerpoint/2010/main" val="3832227989"/>
+      </p:ext>
+    </p:extLst>
+  </p:cSld>
+  <p:clrMapOvr>
+    <a:masterClrMapping/>
+  </p:clrMapOvr>
+</p:sld>
+</file>
+
+<file path=ppt/slides/slide4.xml><?xml version="1.0" encoding="utf-8"?>
+<p:sld xmlns:a="http://schemas.openxmlformats.org/drawingml/2006/main" xmlns:r="http://schemas.openxmlformats.org/officeDocument/2006/relationships" xmlns:p="http://schemas.openxmlformats.org/presentationml/2006/main">
+  <p:cSld>
+    <p:spTree>
+      <p:nvGrpSpPr>
+        <p:cNvPr id="1" name=""/>
+        <p:cNvGrpSpPr/>
+        <p:nvPr/>
+      </p:nvGrpSpPr>
+      <p:grpSpPr>
+        <a:xfrm>
+          <a:off x="0" y="0"/>
+          <a:ext cx="0" cy="0"/>
+          <a:chOff x="0" y="0"/>
+          <a:chExt cx="0" cy="0"/>
+        </a:xfrm>
+      </p:grpSpPr>
+      <p:sp>
+        <p:nvSpPr>
+          <p:cNvPr id="2" name="Title 1">
+            <a:extLst>
+              <a:ext uri="{FF2B5EF4-FFF2-40B4-BE49-F238E27FC236}">
                 <a16:creationId xmlns:a16="http://schemas.microsoft.com/office/drawing/2014/main" id="{37A431AD-09F7-4F7A-9E48-B0175E3410F7}"/>
               </a:ext>
             </a:extLst>
@@ -10171,7 +16642,7 @@
 </p:sld>
 </file>
 
-<file path=ppt/slides/slide4.xml><?xml version="1.0" encoding="utf-8"?>
+<file path=ppt/slides/slide5.xml><?xml version="1.0" encoding="utf-8"?>
 <p:sld xmlns:a="http://schemas.openxmlformats.org/drawingml/2006/main" xmlns:r="http://schemas.openxmlformats.org/officeDocument/2006/relationships" xmlns:p="http://schemas.openxmlformats.org/presentationml/2006/main">
   <p:cSld>
     <p:spTree>
@@ -10329,7 +16800,7 @@
 </p:sld>
 </file>
 
-<file path=ppt/slides/slide5.xml><?xml version="1.0" encoding="utf-8"?>
+<file path=ppt/slides/slide6.xml><?xml version="1.0" encoding="utf-8"?>
 <p:sld xmlns:a="http://schemas.openxmlformats.org/drawingml/2006/main" xmlns:r="http://schemas.openxmlformats.org/officeDocument/2006/relationships" xmlns:p="http://schemas.openxmlformats.org/presentationml/2006/main">
   <p:cSld>
     <p:spTree>
@@ -10577,7 +17048,7 @@
 </p:sld>
 </file>
 
-<file path=ppt/slides/slide6.xml><?xml version="1.0" encoding="utf-8"?>
+<file path=ppt/slides/slide7.xml><?xml version="1.0" encoding="utf-8"?>
 <p:sld xmlns:a="http://schemas.openxmlformats.org/drawingml/2006/main" xmlns:r="http://schemas.openxmlformats.org/officeDocument/2006/relationships" xmlns:p="http://schemas.openxmlformats.org/presentationml/2006/main">
   <p:cSld>
     <p:spTree>
@@ -11371,7 +17842,7 @@
 </p:sld>
 </file>
 
-<file path=ppt/slides/slide7.xml><?xml version="1.0" encoding="utf-8"?>
+<file path=ppt/slides/slide8.xml><?xml version="1.0" encoding="utf-8"?>
 <p:sld xmlns:a="http://schemas.openxmlformats.org/drawingml/2006/main" xmlns:r="http://schemas.openxmlformats.org/officeDocument/2006/relationships" xmlns:p="http://schemas.openxmlformats.org/presentationml/2006/main">
   <p:cSld>
     <p:spTree>
@@ -12447,7 +18918,7 @@
 </p:sld>
 </file>
 
-<file path=ppt/slides/slide8.xml><?xml version="1.0" encoding="utf-8"?>
+<file path=ppt/slides/slide9.xml><?xml version="1.0" encoding="utf-8"?>
 <p:sld xmlns:a="http://schemas.openxmlformats.org/drawingml/2006/main" xmlns:r="http://schemas.openxmlformats.org/officeDocument/2006/relationships" xmlns:p="http://schemas.openxmlformats.org/presentationml/2006/main">
   <p:cSld>
     <p:spTree>
@@ -14110,900 +20581,6 @@
 </p:sld>
 </file>
 
-<file path=ppt/slides/slide9.xml><?xml version="1.0" encoding="utf-8"?>
-<p:sld xmlns:a="http://schemas.openxmlformats.org/drawingml/2006/main" xmlns:r="http://schemas.openxmlformats.org/officeDocument/2006/relationships" xmlns:p="http://schemas.openxmlformats.org/presentationml/2006/main">
-  <p:cSld>
-    <p:spTree>
-      <p:nvGrpSpPr>
-        <p:cNvPr id="1" name=""/>
-        <p:cNvGrpSpPr/>
-        <p:nvPr/>
-      </p:nvGrpSpPr>
-      <p:grpSpPr>
-        <a:xfrm>
-          <a:off x="0" y="0"/>
-          <a:ext cx="0" cy="0"/>
-          <a:chOff x="0" y="0"/>
-          <a:chExt cx="0" cy="0"/>
-        </a:xfrm>
-      </p:grpSpPr>
-      <p:sp>
-        <p:nvSpPr>
-          <p:cNvPr id="2" name="Title 1">
-            <a:extLst>
-              <a:ext uri="{FF2B5EF4-FFF2-40B4-BE49-F238E27FC236}">
-                <a16:creationId xmlns:a16="http://schemas.microsoft.com/office/drawing/2014/main" id="{9B7BCF53-9CFD-4D9F-83D8-47F865F273F8}"/>
-              </a:ext>
-            </a:extLst>
-          </p:cNvPr>
-          <p:cNvSpPr>
-            <a:spLocks noGrp="1"/>
-          </p:cNvSpPr>
-          <p:nvPr>
-            <p:ph type="title"/>
-          </p:nvPr>
-        </p:nvSpPr>
-        <p:spPr>
-          <a:xfrm>
-            <a:off x="1066800" y="129374"/>
-            <a:ext cx="5579327" cy="3095696"/>
-          </a:xfrm>
-        </p:spPr>
-        <p:txBody>
-          <a:bodyPr>
-            <a:normAutofit fontScale="90000"/>
-          </a:bodyPr>
-          <a:lstStyle/>
-          <a:p>
-            <a:r>
-              <a:rPr lang="en-GB" dirty="0"/>
-              <a:t>Car charging state</a:t>
-            </a:r>
-            <a:br>
-              <a:rPr lang="en-GB" dirty="0"/>
-            </a:br>
-            <a:r>
-              <a:rPr lang="en-GB" dirty="0"/>
-              <a:t>State/Event Table </a:t>
-            </a:r>
-            <a:br>
-              <a:rPr lang="en-GB" dirty="0"/>
-            </a:br>
-            <a:r>
-              <a:rPr lang="en-GB" dirty="0"/>
-              <a:t>MANDATORY test cases</a:t>
-            </a:r>
-            <a:br>
-              <a:rPr lang="en-GB" dirty="0"/>
-            </a:br>
-            <a:r>
-              <a:rPr lang="en-GB" dirty="0"/>
-              <a:t>(ACCEPTANCE TEST)</a:t>
-            </a:r>
-          </a:p>
-        </p:txBody>
-      </p:sp>
-      <p:pic>
-        <p:nvPicPr>
-          <p:cNvPr id="5" name="Picture 4">
-            <a:extLst>
-              <a:ext uri="{FF2B5EF4-FFF2-40B4-BE49-F238E27FC236}">
-                <a16:creationId xmlns:a16="http://schemas.microsoft.com/office/drawing/2014/main" id="{20391F2F-A7C9-498C-9778-5D1CAFFCB999}"/>
-              </a:ext>
-            </a:extLst>
-          </p:cNvPr>
-          <p:cNvPicPr>
-            <a:picLocks noChangeAspect="1"/>
-          </p:cNvPicPr>
-          <p:nvPr/>
-        </p:nvPicPr>
-        <p:blipFill>
-          <a:blip r:embed="rId2"/>
-          <a:stretch>
-            <a:fillRect/>
-          </a:stretch>
-        </p:blipFill>
-        <p:spPr>
-          <a:xfrm>
-            <a:off x="7939668" y="129374"/>
-            <a:ext cx="4252332" cy="3095697"/>
-          </a:xfrm>
-          <a:prstGeom prst="rect">
-            <a:avLst/>
-          </a:prstGeom>
-        </p:spPr>
-      </p:pic>
-      <p:graphicFrame>
-        <p:nvGraphicFramePr>
-          <p:cNvPr id="9" name="Table 9">
-            <a:extLst>
-              <a:ext uri="{FF2B5EF4-FFF2-40B4-BE49-F238E27FC236}">
-                <a16:creationId xmlns:a16="http://schemas.microsoft.com/office/drawing/2014/main" id="{BBA8A266-2FE4-48EF-B2E6-2B95A0C29AA1}"/>
-              </a:ext>
-            </a:extLst>
-          </p:cNvPr>
-          <p:cNvGraphicFramePr>
-            <a:graphicFrameLocks noGrp="1"/>
-          </p:cNvGraphicFramePr>
-          <p:nvPr/>
-        </p:nvGraphicFramePr>
-        <p:xfrm>
-          <a:off x="201478" y="3632930"/>
-          <a:ext cx="11546239" cy="2270760"/>
-        </p:xfrm>
-        <a:graphic>
-          <a:graphicData uri="http://schemas.openxmlformats.org/drawingml/2006/table">
-            <a:tbl>
-              <a:tblPr firstRow="1" bandRow="1">
-                <a:tableStyleId>{5C22544A-7EE6-4342-B048-85BDC9FD1C3A}</a:tableStyleId>
-              </a:tblPr>
-              <a:tblGrid>
-                <a:gridCol w="2309248">
-                  <a:extLst>
-                    <a:ext uri="{9D8B030D-6E8A-4147-A177-3AD203B41FA5}">
-                      <a16:colId xmlns:a16="http://schemas.microsoft.com/office/drawing/2014/main" val="2775593619"/>
-                    </a:ext>
-                  </a:extLst>
-                </a:gridCol>
-                <a:gridCol w="2448907">
-                  <a:extLst>
-                    <a:ext uri="{9D8B030D-6E8A-4147-A177-3AD203B41FA5}">
-                      <a16:colId xmlns:a16="http://schemas.microsoft.com/office/drawing/2014/main" val="2137340134"/>
-                    </a:ext>
-                  </a:extLst>
-                </a:gridCol>
-                <a:gridCol w="2169588">
-                  <a:extLst>
-                    <a:ext uri="{9D8B030D-6E8A-4147-A177-3AD203B41FA5}">
-                      <a16:colId xmlns:a16="http://schemas.microsoft.com/office/drawing/2014/main" val="4065161330"/>
-                    </a:ext>
-                  </a:extLst>
-                </a:gridCol>
-                <a:gridCol w="2309248">
-                  <a:extLst>
-                    <a:ext uri="{9D8B030D-6E8A-4147-A177-3AD203B41FA5}">
-                      <a16:colId xmlns:a16="http://schemas.microsoft.com/office/drawing/2014/main" val="1197519383"/>
-                    </a:ext>
-                  </a:extLst>
-                </a:gridCol>
-                <a:gridCol w="2309248">
-                  <a:extLst>
-                    <a:ext uri="{9D8B030D-6E8A-4147-A177-3AD203B41FA5}">
-                      <a16:colId xmlns:a16="http://schemas.microsoft.com/office/drawing/2014/main" val="2062070662"/>
-                    </a:ext>
-                  </a:extLst>
-                </a:gridCol>
-              </a:tblGrid>
-              <a:tr h="370840">
-                <a:tc>
-                  <a:txBody>
-                    <a:bodyPr/>
-                    <a:lstStyle/>
-                    <a:p>
-                      <a:r>
-                        <a:rPr lang="tr-TR" sz="1600" dirty="0"/>
-                        <a:t>Test Case</a:t>
-                      </a:r>
-                      <a:endParaRPr lang="de-AT" sz="1600" dirty="0"/>
-                    </a:p>
-                  </a:txBody>
-                  <a:tcPr/>
-                </a:tc>
-                <a:tc>
-                  <a:txBody>
-                    <a:bodyPr/>
-                    <a:lstStyle/>
-                    <a:p>
-                      <a:r>
-                        <a:rPr lang="tr-TR" sz="1600" dirty="0"/>
-                        <a:t>TC #1</a:t>
-                      </a:r>
-                      <a:endParaRPr lang="de-AT" sz="1600" dirty="0"/>
-                    </a:p>
-                  </a:txBody>
-                  <a:tcPr/>
-                </a:tc>
-                <a:tc>
-                  <a:txBody>
-                    <a:bodyPr/>
-                    <a:lstStyle/>
-                    <a:p>
-                      <a:pPr marL="0" marR="0" lvl="0" indent="0" algn="l" defTabSz="914400" rtl="0" eaLnBrk="1" fontAlgn="auto" latinLnBrk="0" hangingPunct="1">
-                        <a:lnSpc>
-                          <a:spcPct val="100000"/>
-                        </a:lnSpc>
-                        <a:spcBef>
-                          <a:spcPts val="0"/>
-                        </a:spcBef>
-                        <a:spcAft>
-                          <a:spcPts val="0"/>
-                        </a:spcAft>
-                        <a:buClrTx/>
-                        <a:buSzTx/>
-                        <a:buFontTx/>
-                        <a:buNone/>
-                        <a:tabLst/>
-                        <a:defRPr/>
-                      </a:pPr>
-                      <a:r>
-                        <a:rPr lang="tr-TR" sz="1600" dirty="0"/>
-                        <a:t>TC #2</a:t>
-                      </a:r>
-                      <a:endParaRPr lang="de-AT" sz="1600" dirty="0"/>
-                    </a:p>
-                  </a:txBody>
-                  <a:tcPr/>
-                </a:tc>
-                <a:tc>
-                  <a:txBody>
-                    <a:bodyPr/>
-                    <a:lstStyle/>
-                    <a:p>
-                      <a:pPr marL="0" marR="0" lvl="0" indent="0" algn="l" defTabSz="914400" rtl="0" eaLnBrk="1" fontAlgn="auto" latinLnBrk="0" hangingPunct="1">
-                        <a:lnSpc>
-                          <a:spcPct val="100000"/>
-                        </a:lnSpc>
-                        <a:spcBef>
-                          <a:spcPts val="0"/>
-                        </a:spcBef>
-                        <a:spcAft>
-                          <a:spcPts val="0"/>
-                        </a:spcAft>
-                        <a:buClrTx/>
-                        <a:buSzTx/>
-                        <a:buFontTx/>
-                        <a:buNone/>
-                        <a:tabLst/>
-                        <a:defRPr/>
-                      </a:pPr>
-                      <a:r>
-                        <a:rPr lang="tr-TR" sz="1600" dirty="0"/>
-                        <a:t>TC #3</a:t>
-                      </a:r>
-                      <a:endParaRPr lang="de-AT" sz="1600" dirty="0"/>
-                    </a:p>
-                  </a:txBody>
-                  <a:tcPr/>
-                </a:tc>
-                <a:tc>
-                  <a:txBody>
-                    <a:bodyPr/>
-                    <a:lstStyle/>
-                    <a:p>
-                      <a:pPr marL="0" marR="0" lvl="0" indent="0" algn="l" defTabSz="914400" rtl="0" eaLnBrk="1" fontAlgn="auto" latinLnBrk="0" hangingPunct="1">
-                        <a:lnSpc>
-                          <a:spcPct val="100000"/>
-                        </a:lnSpc>
-                        <a:spcBef>
-                          <a:spcPts val="0"/>
-                        </a:spcBef>
-                        <a:spcAft>
-                          <a:spcPts val="0"/>
-                        </a:spcAft>
-                        <a:buClrTx/>
-                        <a:buSzTx/>
-                        <a:buFontTx/>
-                        <a:buNone/>
-                        <a:tabLst/>
-                        <a:defRPr/>
-                      </a:pPr>
-                      <a:r>
-                        <a:rPr lang="tr-TR" sz="1600" dirty="0"/>
-                        <a:t>TC #4</a:t>
-                      </a:r>
-                      <a:endParaRPr lang="de-AT" sz="1600" dirty="0"/>
-                    </a:p>
-                  </a:txBody>
-                  <a:tcPr/>
-                </a:tc>
-                <a:extLst>
-                  <a:ext uri="{0D108BD9-81ED-4DB2-BD59-A6C34878D82A}">
-                    <a16:rowId xmlns:a16="http://schemas.microsoft.com/office/drawing/2014/main" val="3527071722"/>
-                  </a:ext>
-                </a:extLst>
-              </a:tr>
-              <a:tr h="370840">
-                <a:tc>
-                  <a:txBody>
-                    <a:bodyPr/>
-                    <a:lstStyle/>
-                    <a:p>
-                      <a:r>
-                        <a:rPr lang="tr-TR" sz="1600" dirty="0"/>
-                        <a:t>Start state</a:t>
-                      </a:r>
-                      <a:endParaRPr lang="de-AT" sz="1600" dirty="0"/>
-                    </a:p>
-                  </a:txBody>
-                  <a:tcPr/>
-                </a:tc>
-                <a:tc>
-                  <a:txBody>
-                    <a:bodyPr/>
-                    <a:lstStyle/>
-                    <a:p>
-                      <a:r>
-                        <a:rPr lang="tr-TR" sz="1600" dirty="0"/>
-                        <a:t>Ready to charge</a:t>
-                      </a:r>
-                      <a:endParaRPr lang="de-AT" sz="1600" dirty="0"/>
-                    </a:p>
-                  </a:txBody>
-                  <a:tcPr/>
-                </a:tc>
-                <a:tc>
-                  <a:txBody>
-                    <a:bodyPr/>
-                    <a:lstStyle/>
-                    <a:p>
-                      <a:r>
-                        <a:rPr lang="tr-TR" sz="1600" dirty="0"/>
-                        <a:t>Vehicle connected</a:t>
-                      </a:r>
-                      <a:endParaRPr lang="de-AT" sz="1600" dirty="0"/>
-                    </a:p>
-                  </a:txBody>
-                  <a:tcPr/>
-                </a:tc>
-                <a:tc>
-                  <a:txBody>
-                    <a:bodyPr/>
-                    <a:lstStyle/>
-                    <a:p>
-                      <a:pPr marL="0" marR="0" lvl="0" indent="0" algn="l" defTabSz="914400" rtl="0" eaLnBrk="1" fontAlgn="auto" latinLnBrk="0" hangingPunct="1">
-                        <a:lnSpc>
-                          <a:spcPct val="100000"/>
-                        </a:lnSpc>
-                        <a:spcBef>
-                          <a:spcPts val="0"/>
-                        </a:spcBef>
-                        <a:spcAft>
-                          <a:spcPts val="0"/>
-                        </a:spcAft>
-                        <a:buClrTx/>
-                        <a:buSzTx/>
-                        <a:buFontTx/>
-                        <a:buNone/>
-                        <a:tabLst/>
-                        <a:defRPr/>
-                      </a:pPr>
-                      <a:r>
-                        <a:rPr lang="tr-TR" sz="1600" dirty="0"/>
-                        <a:t>vehicle charging</a:t>
-                      </a:r>
-                      <a:endParaRPr lang="de-AT" sz="1600" dirty="0"/>
-                    </a:p>
-                  </a:txBody>
-                  <a:tcPr/>
-                </a:tc>
-                <a:tc>
-                  <a:txBody>
-                    <a:bodyPr/>
-                    <a:lstStyle/>
-                    <a:p>
-                      <a:pPr marL="0" marR="0" lvl="0" indent="0" algn="l" defTabSz="914400" rtl="0" eaLnBrk="1" fontAlgn="auto" latinLnBrk="0" hangingPunct="1">
-                        <a:lnSpc>
-                          <a:spcPct val="100000"/>
-                        </a:lnSpc>
-                        <a:spcBef>
-                          <a:spcPts val="0"/>
-                        </a:spcBef>
-                        <a:spcAft>
-                          <a:spcPts val="0"/>
-                        </a:spcAft>
-                        <a:buClrTx/>
-                        <a:buSzTx/>
-                        <a:buFontTx/>
-                        <a:buNone/>
-                        <a:tabLst/>
-                        <a:defRPr/>
-                      </a:pPr>
-                      <a:r>
-                        <a:rPr lang="tr-TR" sz="1600" dirty="0"/>
-                        <a:t>Vehicle connected</a:t>
-                      </a:r>
-                      <a:endParaRPr lang="de-AT" sz="1600" dirty="0"/>
-                    </a:p>
-                  </a:txBody>
-                  <a:tcPr/>
-                </a:tc>
-                <a:extLst>
-                  <a:ext uri="{0D108BD9-81ED-4DB2-BD59-A6C34878D82A}">
-                    <a16:rowId xmlns:a16="http://schemas.microsoft.com/office/drawing/2014/main" val="2131982300"/>
-                  </a:ext>
-                </a:extLst>
-              </a:tr>
-              <a:tr h="370840">
-                <a:tc>
-                  <a:txBody>
-                    <a:bodyPr/>
-                    <a:lstStyle/>
-                    <a:p>
-                      <a:r>
-                        <a:rPr lang="tr-TR" sz="1600" dirty="0"/>
-                        <a:t>Event/Input</a:t>
-                      </a:r>
-                      <a:endParaRPr lang="de-AT" sz="1600" dirty="0"/>
-                    </a:p>
-                  </a:txBody>
-                  <a:tcPr/>
-                </a:tc>
-                <a:tc>
-                  <a:txBody>
-                    <a:bodyPr/>
-                    <a:lstStyle/>
-                    <a:p>
-                      <a:r>
-                        <a:rPr lang="tr-TR" sz="1600" dirty="0"/>
-                        <a:t>Vehicle_connected</a:t>
-                      </a:r>
-                      <a:endParaRPr lang="de-AT" sz="1600" dirty="0"/>
-                    </a:p>
-                  </a:txBody>
-                  <a:tcPr/>
-                </a:tc>
-                <a:tc>
-                  <a:txBody>
-                    <a:bodyPr/>
-                    <a:lstStyle/>
-                    <a:p>
-                      <a:pPr marL="0" marR="0" lvl="0" indent="0" algn="l" defTabSz="914400" rtl="0" eaLnBrk="1" fontAlgn="auto" latinLnBrk="0" hangingPunct="1">
-                        <a:lnSpc>
-                          <a:spcPct val="100000"/>
-                        </a:lnSpc>
-                        <a:spcBef>
-                          <a:spcPts val="0"/>
-                        </a:spcBef>
-                        <a:spcAft>
-                          <a:spcPts val="0"/>
-                        </a:spcAft>
-                        <a:buClrTx/>
-                        <a:buSzTx/>
-                        <a:buFontTx/>
-                        <a:buNone/>
-                        <a:tabLst/>
-                        <a:defRPr/>
-                      </a:pPr>
-                      <a:r>
-                        <a:rPr lang="tr-TR" sz="1600" dirty="0"/>
-                        <a:t>Start_charging</a:t>
-                      </a:r>
-                    </a:p>
-                  </a:txBody>
-                  <a:tcPr/>
-                </a:tc>
-                <a:tc>
-                  <a:txBody>
-                    <a:bodyPr/>
-                    <a:lstStyle/>
-                    <a:p>
-                      <a:pPr marL="0" marR="0" lvl="0" indent="0" algn="l" defTabSz="914400" rtl="0" eaLnBrk="1" fontAlgn="auto" latinLnBrk="0" hangingPunct="1">
-                        <a:lnSpc>
-                          <a:spcPct val="100000"/>
-                        </a:lnSpc>
-                        <a:spcBef>
-                          <a:spcPts val="0"/>
-                        </a:spcBef>
-                        <a:spcAft>
-                          <a:spcPts val="0"/>
-                        </a:spcAft>
-                        <a:buClrTx/>
-                        <a:buSzTx/>
-                        <a:buFontTx/>
-                        <a:buNone/>
-                        <a:tabLst/>
-                        <a:defRPr/>
-                      </a:pPr>
-                      <a:r>
-                        <a:rPr lang="tr-TR" sz="1600" dirty="0"/>
-                        <a:t>Stop_charging</a:t>
-                      </a:r>
-                      <a:endParaRPr lang="de-AT" sz="1600" dirty="0"/>
-                    </a:p>
-                  </a:txBody>
-                  <a:tcPr/>
-                </a:tc>
-                <a:tc>
-                  <a:txBody>
-                    <a:bodyPr/>
-                    <a:lstStyle/>
-                    <a:p>
-                      <a:pPr marL="0" marR="0" lvl="0" indent="0" algn="l" defTabSz="914400" rtl="0" eaLnBrk="1" fontAlgn="auto" latinLnBrk="0" hangingPunct="1">
-                        <a:lnSpc>
-                          <a:spcPct val="100000"/>
-                        </a:lnSpc>
-                        <a:spcBef>
-                          <a:spcPts val="0"/>
-                        </a:spcBef>
-                        <a:spcAft>
-                          <a:spcPts val="0"/>
-                        </a:spcAft>
-                        <a:buClrTx/>
-                        <a:buSzTx/>
-                        <a:buFontTx/>
-                        <a:buNone/>
-                        <a:tabLst/>
-                        <a:defRPr/>
-                      </a:pPr>
-                      <a:r>
-                        <a:rPr lang="tr-TR" sz="1600" dirty="0"/>
-                        <a:t>Vehicle_disconnected</a:t>
-                      </a:r>
-                      <a:endParaRPr lang="de-AT" sz="1600" dirty="0"/>
-                    </a:p>
-                    <a:p>
-                      <a:endParaRPr lang="de-AT" sz="1600" dirty="0"/>
-                    </a:p>
-                  </a:txBody>
-                  <a:tcPr/>
-                </a:tc>
-                <a:extLst>
-                  <a:ext uri="{0D108BD9-81ED-4DB2-BD59-A6C34878D82A}">
-                    <a16:rowId xmlns:a16="http://schemas.microsoft.com/office/drawing/2014/main" val="701844438"/>
-                  </a:ext>
-                </a:extLst>
-              </a:tr>
-              <a:tr h="370840">
-                <a:tc>
-                  <a:txBody>
-                    <a:bodyPr/>
-                    <a:lstStyle/>
-                    <a:p>
-                      <a:r>
-                        <a:rPr lang="tr-TR" sz="1600" dirty="0"/>
-                        <a:t>Expected Output</a:t>
-                      </a:r>
-                      <a:endParaRPr lang="de-AT" sz="1600" dirty="0"/>
-                    </a:p>
-                  </a:txBody>
-                  <a:tcPr/>
-                </a:tc>
-                <a:tc>
-                  <a:txBody>
-                    <a:bodyPr/>
-                    <a:lstStyle/>
-                    <a:p>
-                      <a:pPr marL="0" marR="0" lvl="0" indent="0" algn="l" defTabSz="914400" rtl="0" eaLnBrk="1" fontAlgn="auto" latinLnBrk="0" hangingPunct="1">
-                        <a:lnSpc>
-                          <a:spcPct val="100000"/>
-                        </a:lnSpc>
-                        <a:spcBef>
-                          <a:spcPts val="0"/>
-                        </a:spcBef>
-                        <a:spcAft>
-                          <a:spcPts val="0"/>
-                        </a:spcAft>
-                        <a:buClrTx/>
-                        <a:buSzTx/>
-                        <a:buFontTx/>
-                        <a:buNone/>
-                        <a:tabLst/>
-                        <a:defRPr/>
-                      </a:pPr>
-                      <a:r>
-                        <a:rPr lang="tr-TR" sz="1600" dirty="0"/>
-                        <a:t>«Vehicle connected»</a:t>
-                      </a:r>
-                      <a:endParaRPr lang="de-AT" sz="1600" dirty="0"/>
-                    </a:p>
-                  </a:txBody>
-                  <a:tcPr/>
-                </a:tc>
-                <a:tc>
-                  <a:txBody>
-                    <a:bodyPr/>
-                    <a:lstStyle/>
-                    <a:p>
-                      <a:pPr marL="0" marR="0" lvl="0" indent="0" algn="l" defTabSz="914400" rtl="0" eaLnBrk="1" fontAlgn="auto" latinLnBrk="0" hangingPunct="1">
-                        <a:lnSpc>
-                          <a:spcPct val="100000"/>
-                        </a:lnSpc>
-                        <a:spcBef>
-                          <a:spcPts val="0"/>
-                        </a:spcBef>
-                        <a:spcAft>
-                          <a:spcPts val="0"/>
-                        </a:spcAft>
-                        <a:buClrTx/>
-                        <a:buSzTx/>
-                        <a:buFontTx/>
-                        <a:buNone/>
-                        <a:tabLst/>
-                        <a:defRPr/>
-                      </a:pPr>
-                      <a:r>
-                        <a:rPr lang="tr-TR" sz="1600" dirty="0"/>
-                        <a:t>«vehicle charging»</a:t>
-                      </a:r>
-                      <a:endParaRPr lang="de-AT" sz="1600" dirty="0"/>
-                    </a:p>
-                  </a:txBody>
-                  <a:tcPr/>
-                </a:tc>
-                <a:tc>
-                  <a:txBody>
-                    <a:bodyPr/>
-                    <a:lstStyle/>
-                    <a:p>
-                      <a:pPr marL="0" marR="0" lvl="0" indent="0" algn="l" defTabSz="914400" rtl="0" eaLnBrk="1" fontAlgn="auto" latinLnBrk="0" hangingPunct="1">
-                        <a:lnSpc>
-                          <a:spcPct val="100000"/>
-                        </a:lnSpc>
-                        <a:spcBef>
-                          <a:spcPts val="0"/>
-                        </a:spcBef>
-                        <a:spcAft>
-                          <a:spcPts val="0"/>
-                        </a:spcAft>
-                        <a:buClrTx/>
-                        <a:buSzTx/>
-                        <a:buFontTx/>
-                        <a:buNone/>
-                        <a:tabLst/>
-                        <a:defRPr/>
-                      </a:pPr>
-                      <a:r>
-                        <a:rPr lang="tr-TR" sz="1600" dirty="0"/>
-                        <a:t>«Vehicle connected»</a:t>
-                      </a:r>
-                      <a:endParaRPr lang="de-AT" sz="1600" dirty="0"/>
-                    </a:p>
-                  </a:txBody>
-                  <a:tcPr/>
-                </a:tc>
-                <a:tc>
-                  <a:txBody>
-                    <a:bodyPr/>
-                    <a:lstStyle/>
-                    <a:p>
-                      <a:pPr marL="0" marR="0" lvl="0" indent="0" algn="l" defTabSz="914400" rtl="0" eaLnBrk="1" fontAlgn="auto" latinLnBrk="0" hangingPunct="1">
-                        <a:lnSpc>
-                          <a:spcPct val="100000"/>
-                        </a:lnSpc>
-                        <a:spcBef>
-                          <a:spcPts val="0"/>
-                        </a:spcBef>
-                        <a:spcAft>
-                          <a:spcPts val="0"/>
-                        </a:spcAft>
-                        <a:buClrTx/>
-                        <a:buSzTx/>
-                        <a:buFontTx/>
-                        <a:buNone/>
-                        <a:tabLst/>
-                        <a:defRPr/>
-                      </a:pPr>
-                      <a:r>
-                        <a:rPr lang="tr-TR" sz="1600" dirty="0"/>
-                        <a:t>«Vehicle disconnected»</a:t>
-                      </a:r>
-                      <a:endParaRPr lang="de-AT" sz="1600" dirty="0"/>
-                    </a:p>
-                  </a:txBody>
-                  <a:tcPr/>
-                </a:tc>
-                <a:extLst>
-                  <a:ext uri="{0D108BD9-81ED-4DB2-BD59-A6C34878D82A}">
-                    <a16:rowId xmlns:a16="http://schemas.microsoft.com/office/drawing/2014/main" val="4246435766"/>
-                  </a:ext>
-                </a:extLst>
-              </a:tr>
-              <a:tr h="370840">
-                <a:tc>
-                  <a:txBody>
-                    <a:bodyPr/>
-                    <a:lstStyle/>
-                    <a:p>
-                      <a:r>
-                        <a:rPr lang="tr-TR" sz="1600" dirty="0"/>
-                        <a:t>End state</a:t>
-                      </a:r>
-                      <a:endParaRPr lang="de-AT" sz="1600" dirty="0"/>
-                    </a:p>
-                  </a:txBody>
-                  <a:tcPr/>
-                </a:tc>
-                <a:tc>
-                  <a:txBody>
-                    <a:bodyPr/>
-                    <a:lstStyle/>
-                    <a:p>
-                      <a:pPr marL="0" marR="0" lvl="0" indent="0" algn="l" defTabSz="914400" rtl="0" eaLnBrk="1" fontAlgn="auto" latinLnBrk="0" hangingPunct="1">
-                        <a:lnSpc>
-                          <a:spcPct val="100000"/>
-                        </a:lnSpc>
-                        <a:spcBef>
-                          <a:spcPts val="0"/>
-                        </a:spcBef>
-                        <a:spcAft>
-                          <a:spcPts val="0"/>
-                        </a:spcAft>
-                        <a:buClrTx/>
-                        <a:buSzTx/>
-                        <a:buFontTx/>
-                        <a:buNone/>
-                        <a:tabLst/>
-                        <a:defRPr/>
-                      </a:pPr>
-                      <a:r>
-                        <a:rPr lang="tr-TR" sz="1600" dirty="0"/>
-                        <a:t>Vehicle connected</a:t>
-                      </a:r>
-                      <a:endParaRPr lang="de-AT" sz="1600" dirty="0"/>
-                    </a:p>
-                  </a:txBody>
-                  <a:tcPr/>
-                </a:tc>
-                <a:tc>
-                  <a:txBody>
-                    <a:bodyPr/>
-                    <a:lstStyle/>
-                    <a:p>
-                      <a:pPr marL="0" marR="0" lvl="0" indent="0" algn="l" defTabSz="914400" rtl="0" eaLnBrk="1" fontAlgn="auto" latinLnBrk="0" hangingPunct="1">
-                        <a:lnSpc>
-                          <a:spcPct val="100000"/>
-                        </a:lnSpc>
-                        <a:spcBef>
-                          <a:spcPts val="0"/>
-                        </a:spcBef>
-                        <a:spcAft>
-                          <a:spcPts val="0"/>
-                        </a:spcAft>
-                        <a:buClrTx/>
-                        <a:buSzTx/>
-                        <a:buFontTx/>
-                        <a:buNone/>
-                        <a:tabLst/>
-                        <a:defRPr/>
-                      </a:pPr>
-                      <a:r>
-                        <a:rPr lang="tr-TR" sz="1600" dirty="0"/>
-                        <a:t>vehicle charging</a:t>
-                      </a:r>
-                      <a:endParaRPr lang="de-AT" sz="1600" dirty="0"/>
-                    </a:p>
-                  </a:txBody>
-                  <a:tcPr/>
-                </a:tc>
-                <a:tc>
-                  <a:txBody>
-                    <a:bodyPr/>
-                    <a:lstStyle/>
-                    <a:p>
-                      <a:pPr marL="0" marR="0" lvl="0" indent="0" algn="l" defTabSz="914400" rtl="0" eaLnBrk="1" fontAlgn="auto" latinLnBrk="0" hangingPunct="1">
-                        <a:lnSpc>
-                          <a:spcPct val="100000"/>
-                        </a:lnSpc>
-                        <a:spcBef>
-                          <a:spcPts val="0"/>
-                        </a:spcBef>
-                        <a:spcAft>
-                          <a:spcPts val="0"/>
-                        </a:spcAft>
-                        <a:buClrTx/>
-                        <a:buSzTx/>
-                        <a:buFontTx/>
-                        <a:buNone/>
-                        <a:tabLst/>
-                        <a:defRPr/>
-                      </a:pPr>
-                      <a:r>
-                        <a:rPr lang="tr-TR" sz="1600" dirty="0"/>
-                        <a:t>Vehicle connected</a:t>
-                      </a:r>
-                      <a:endParaRPr lang="de-AT" sz="1600" dirty="0"/>
-                    </a:p>
-                  </a:txBody>
-                  <a:tcPr/>
-                </a:tc>
-                <a:tc>
-                  <a:txBody>
-                    <a:bodyPr/>
-                    <a:lstStyle/>
-                    <a:p>
-                      <a:pPr marL="0" marR="0" lvl="0" indent="0" algn="l" defTabSz="914400" rtl="0" eaLnBrk="1" fontAlgn="auto" latinLnBrk="0" hangingPunct="1">
-                        <a:lnSpc>
-                          <a:spcPct val="100000"/>
-                        </a:lnSpc>
-                        <a:spcBef>
-                          <a:spcPts val="0"/>
-                        </a:spcBef>
-                        <a:spcAft>
-                          <a:spcPts val="0"/>
-                        </a:spcAft>
-                        <a:buClrTx/>
-                        <a:buSzTx/>
-                        <a:buFontTx/>
-                        <a:buNone/>
-                        <a:tabLst/>
-                        <a:defRPr/>
-                      </a:pPr>
-                      <a:r>
-                        <a:rPr lang="tr-TR" sz="1600" dirty="0"/>
-                        <a:t>Ready to charge</a:t>
-                      </a:r>
-                      <a:endParaRPr lang="de-AT" sz="1600" dirty="0"/>
-                    </a:p>
-                  </a:txBody>
-                  <a:tcPr/>
-                </a:tc>
-                <a:extLst>
-                  <a:ext uri="{0D108BD9-81ED-4DB2-BD59-A6C34878D82A}">
-                    <a16:rowId xmlns:a16="http://schemas.microsoft.com/office/drawing/2014/main" val="1942272626"/>
-                  </a:ext>
-                </a:extLst>
-              </a:tr>
-            </a:tbl>
-          </a:graphicData>
-        </a:graphic>
-      </p:graphicFrame>
-      <p:sp>
-        <p:nvSpPr>
-          <p:cNvPr id="11" name="Rectangle 10">
-            <a:extLst>
-              <a:ext uri="{FF2B5EF4-FFF2-40B4-BE49-F238E27FC236}">
-                <a16:creationId xmlns:a16="http://schemas.microsoft.com/office/drawing/2014/main" id="{A2675C9D-59CF-4F29-91A3-2F5DA858D1DA}"/>
-              </a:ext>
-            </a:extLst>
-          </p:cNvPr>
-          <p:cNvSpPr/>
-          <p:nvPr/>
-        </p:nvSpPr>
-        <p:spPr>
-          <a:xfrm>
-            <a:off x="0" y="6217272"/>
-            <a:ext cx="11990522" cy="569563"/>
-          </a:xfrm>
-          <a:prstGeom prst="rect">
-            <a:avLst/>
-          </a:prstGeom>
-          <a:solidFill>
-            <a:schemeClr val="bg1"/>
-          </a:solidFill>
-          <a:ln>
-            <a:solidFill>
-              <a:schemeClr val="bg2"/>
-            </a:solidFill>
-          </a:ln>
-        </p:spPr>
-        <p:style>
-          <a:lnRef idx="2">
-            <a:schemeClr val="accent1">
-              <a:shade val="50000"/>
-            </a:schemeClr>
-          </a:lnRef>
-          <a:fillRef idx="1">
-            <a:schemeClr val="accent1"/>
-          </a:fillRef>
-          <a:effectRef idx="0">
-            <a:schemeClr val="accent1"/>
-          </a:effectRef>
-          <a:fontRef idx="minor">
-            <a:schemeClr val="lt1"/>
-          </a:fontRef>
-        </p:style>
-        <p:txBody>
-          <a:bodyPr rtlCol="0" anchor="ctr"/>
-          <a:lstStyle/>
-          <a:p>
-            <a:pPr algn="ctr"/>
-            <a:endParaRPr lang="de-AT"/>
-          </a:p>
-        </p:txBody>
-      </p:sp>
-    </p:spTree>
-    <p:extLst>
-      <p:ext uri="{BB962C8B-B14F-4D97-AF65-F5344CB8AC3E}">
-        <p14:creationId xmlns:p14="http://schemas.microsoft.com/office/powerpoint/2010/main" val="337136024"/>
-      </p:ext>
-    </p:extLst>
-  </p:cSld>
-  <p:clrMapOvr>
-    <a:masterClrMapping/>
-  </p:clrMapOvr>
-</p:sld>
-</file>
-
 <file path=ppt/theme/theme1.xml><?xml version="1.0" encoding="utf-8"?>
 <a:theme xmlns:a="http://schemas.openxmlformats.org/drawingml/2006/main" name="Wood Type">
   <a:themeElements>
@@ -15231,4 +20808,299 @@
     </a:ext>
   </a:extLst>
 </a:theme>
+</file>
+
+<file path=ppt/theme/theme2.xml><?xml version="1.0" encoding="utf-8"?>
+<a:theme xmlns:a="http://schemas.openxmlformats.org/drawingml/2006/main" name="Office Theme">
+  <a:themeElements>
+    <a:clrScheme name="Office">
+      <a:dk1>
+        <a:sysClr val="windowText" lastClr="000000"/>
+      </a:dk1>
+      <a:lt1>
+        <a:sysClr val="window" lastClr="FFFFFF"/>
+      </a:lt1>
+      <a:dk2>
+        <a:srgbClr val="44546A"/>
+      </a:dk2>
+      <a:lt2>
+        <a:srgbClr val="E7E6E6"/>
+      </a:lt2>
+      <a:accent1>
+        <a:srgbClr val="4472C4"/>
+      </a:accent1>
+      <a:accent2>
+        <a:srgbClr val="ED7D31"/>
+      </a:accent2>
+      <a:accent3>
+        <a:srgbClr val="A5A5A5"/>
+      </a:accent3>
+      <a:accent4>
+        <a:srgbClr val="FFC000"/>
+      </a:accent4>
+      <a:accent5>
+        <a:srgbClr val="5B9BD5"/>
+      </a:accent5>
+      <a:accent6>
+        <a:srgbClr val="70AD47"/>
+      </a:accent6>
+      <a:hlink>
+        <a:srgbClr val="0563C1"/>
+      </a:hlink>
+      <a:folHlink>
+        <a:srgbClr val="954F72"/>
+      </a:folHlink>
+    </a:clrScheme>
+    <a:fontScheme name="Office">
+      <a:majorFont>
+        <a:latin typeface="Calibri Light" panose="020F0302020204030204"/>
+        <a:ea typeface=""/>
+        <a:cs typeface=""/>
+        <a:font script="Jpan" typeface="游ゴシック Light"/>
+        <a:font script="Hang" typeface="맑은 고딕"/>
+        <a:font script="Hans" typeface="等线 Light"/>
+        <a:font script="Hant" typeface="新細明體"/>
+        <a:font script="Arab" typeface="Times New Roman"/>
+        <a:font script="Hebr" typeface="Times New Roman"/>
+        <a:font script="Thai" typeface="Angsana New"/>
+        <a:font script="Ethi" typeface="Nyala"/>
+        <a:font script="Beng" typeface="Vrinda"/>
+        <a:font script="Gujr" typeface="Shruti"/>
+        <a:font script="Khmr" typeface="MoolBoran"/>
+        <a:font script="Knda" typeface="Tunga"/>
+        <a:font script="Guru" typeface="Raavi"/>
+        <a:font script="Cans" typeface="Euphemia"/>
+        <a:font script="Cher" typeface="Plantagenet Cherokee"/>
+        <a:font script="Yiii" typeface="Microsoft Yi Baiti"/>
+        <a:font script="Tibt" typeface="Microsoft Himalaya"/>
+        <a:font script="Thaa" typeface="MV Boli"/>
+        <a:font script="Deva" typeface="Mangal"/>
+        <a:font script="Telu" typeface="Gautami"/>
+        <a:font script="Taml" typeface="Latha"/>
+        <a:font script="Syrc" typeface="Estrangelo Edessa"/>
+        <a:font script="Orya" typeface="Kalinga"/>
+        <a:font script="Mlym" typeface="Kartika"/>
+        <a:font script="Laoo" typeface="DokChampa"/>
+        <a:font script="Sinh" typeface="Iskoola Pota"/>
+        <a:font script="Mong" typeface="Mongolian Baiti"/>
+        <a:font script="Viet" typeface="Times New Roman"/>
+        <a:font script="Uigh" typeface="Microsoft Uighur"/>
+        <a:font script="Geor" typeface="Sylfaen"/>
+        <a:font script="Armn" typeface="Arial"/>
+        <a:font script="Bugi" typeface="Leelawadee UI"/>
+        <a:font script="Bopo" typeface="Microsoft JhengHei"/>
+        <a:font script="Java" typeface="Javanese Text"/>
+        <a:font script="Lisu" typeface="Segoe UI"/>
+        <a:font script="Mymr" typeface="Myanmar Text"/>
+        <a:font script="Nkoo" typeface="Ebrima"/>
+        <a:font script="Olck" typeface="Nirmala UI"/>
+        <a:font script="Osma" typeface="Ebrima"/>
+        <a:font script="Phag" typeface="Phagspa"/>
+        <a:font script="Syrn" typeface="Estrangelo Edessa"/>
+        <a:font script="Syrj" typeface="Estrangelo Edessa"/>
+        <a:font script="Syre" typeface="Estrangelo Edessa"/>
+        <a:font script="Sora" typeface="Nirmala UI"/>
+        <a:font script="Tale" typeface="Microsoft Tai Le"/>
+        <a:font script="Talu" typeface="Microsoft New Tai Lue"/>
+        <a:font script="Tfng" typeface="Ebrima"/>
+      </a:majorFont>
+      <a:minorFont>
+        <a:latin typeface="Calibri" panose="020F0502020204030204"/>
+        <a:ea typeface=""/>
+        <a:cs typeface=""/>
+        <a:font script="Jpan" typeface="游ゴシック"/>
+        <a:font script="Hang" typeface="맑은 고딕"/>
+        <a:font script="Hans" typeface="等线"/>
+        <a:font script="Hant" typeface="新細明體"/>
+        <a:font script="Arab" typeface="Arial"/>
+        <a:font script="Hebr" typeface="Arial"/>
+        <a:font script="Thai" typeface="Cordia New"/>
+        <a:font script="Ethi" typeface="Nyala"/>
+        <a:font script="Beng" typeface="Vrinda"/>
+        <a:font script="Gujr" typeface="Shruti"/>
+        <a:font script="Khmr" typeface="DaunPenh"/>
+        <a:font script="Knda" typeface="Tunga"/>
+        <a:font script="Guru" typeface="Raavi"/>
+        <a:font script="Cans" typeface="Euphemia"/>
+        <a:font script="Cher" typeface="Plantagenet Cherokee"/>
+        <a:font script="Yiii" typeface="Microsoft Yi Baiti"/>
+        <a:font script="Tibt" typeface="Microsoft Himalaya"/>
+        <a:font script="Thaa" typeface="MV Boli"/>
+        <a:font script="Deva" typeface="Mangal"/>
+        <a:font script="Telu" typeface="Gautami"/>
+        <a:font script="Taml" typeface="Latha"/>
+        <a:font script="Syrc" typeface="Estrangelo Edessa"/>
+        <a:font script="Orya" typeface="Kalinga"/>
+        <a:font script="Mlym" typeface="Kartika"/>
+        <a:font script="Laoo" typeface="DokChampa"/>
+        <a:font script="Sinh" typeface="Iskoola Pota"/>
+        <a:font script="Mong" typeface="Mongolian Baiti"/>
+        <a:font script="Viet" typeface="Arial"/>
+        <a:font script="Uigh" typeface="Microsoft Uighur"/>
+        <a:font script="Geor" typeface="Sylfaen"/>
+        <a:font script="Armn" typeface="Arial"/>
+        <a:font script="Bugi" typeface="Leelawadee UI"/>
+        <a:font script="Bopo" typeface="Microsoft JhengHei"/>
+        <a:font script="Java" typeface="Javanese Text"/>
+        <a:font script="Lisu" typeface="Segoe UI"/>
+        <a:font script="Mymr" typeface="Myanmar Text"/>
+        <a:font script="Nkoo" typeface="Ebrima"/>
+        <a:font script="Olck" typeface="Nirmala UI"/>
+        <a:font script="Osma" typeface="Ebrima"/>
+        <a:font script="Phag" typeface="Phagspa"/>
+        <a:font script="Syrn" typeface="Estrangelo Edessa"/>
+        <a:font script="Syrj" typeface="Estrangelo Edessa"/>
+        <a:font script="Syre" typeface="Estrangelo Edessa"/>
+        <a:font script="Sora" typeface="Nirmala UI"/>
+        <a:font script="Tale" typeface="Microsoft Tai Le"/>
+        <a:font script="Talu" typeface="Microsoft New Tai Lue"/>
+        <a:font script="Tfng" typeface="Ebrima"/>
+      </a:minorFont>
+    </a:fontScheme>
+    <a:fmtScheme name="Office">
+      <a:fillStyleLst>
+        <a:solidFill>
+          <a:schemeClr val="phClr"/>
+        </a:solidFill>
+        <a:gradFill rotWithShape="1">
+          <a:gsLst>
+            <a:gs pos="0">
+              <a:schemeClr val="phClr">
+                <a:lumMod val="110000"/>
+                <a:satMod val="105000"/>
+                <a:tint val="67000"/>
+              </a:schemeClr>
+            </a:gs>
+            <a:gs pos="50000">
+              <a:schemeClr val="phClr">
+                <a:lumMod val="105000"/>
+                <a:satMod val="103000"/>
+                <a:tint val="73000"/>
+              </a:schemeClr>
+            </a:gs>
+            <a:gs pos="100000">
+              <a:schemeClr val="phClr">
+                <a:lumMod val="105000"/>
+                <a:satMod val="109000"/>
+                <a:tint val="81000"/>
+              </a:schemeClr>
+            </a:gs>
+          </a:gsLst>
+          <a:lin ang="5400000" scaled="0"/>
+        </a:gradFill>
+        <a:gradFill rotWithShape="1">
+          <a:gsLst>
+            <a:gs pos="0">
+              <a:schemeClr val="phClr">
+                <a:satMod val="103000"/>
+                <a:lumMod val="102000"/>
+                <a:tint val="94000"/>
+              </a:schemeClr>
+            </a:gs>
+            <a:gs pos="50000">
+              <a:schemeClr val="phClr">
+                <a:satMod val="110000"/>
+                <a:lumMod val="100000"/>
+                <a:shade val="100000"/>
+              </a:schemeClr>
+            </a:gs>
+            <a:gs pos="100000">
+              <a:schemeClr val="phClr">
+                <a:lumMod val="99000"/>
+                <a:satMod val="120000"/>
+                <a:shade val="78000"/>
+              </a:schemeClr>
+            </a:gs>
+          </a:gsLst>
+          <a:lin ang="5400000" scaled="0"/>
+        </a:gradFill>
+      </a:fillStyleLst>
+      <a:lnStyleLst>
+        <a:ln w="6350" cap="flat" cmpd="sng" algn="ctr">
+          <a:solidFill>
+            <a:schemeClr val="phClr"/>
+          </a:solidFill>
+          <a:prstDash val="solid"/>
+          <a:miter lim="800000"/>
+        </a:ln>
+        <a:ln w="12700" cap="flat" cmpd="sng" algn="ctr">
+          <a:solidFill>
+            <a:schemeClr val="phClr"/>
+          </a:solidFill>
+          <a:prstDash val="solid"/>
+          <a:miter lim="800000"/>
+        </a:ln>
+        <a:ln w="19050" cap="flat" cmpd="sng" algn="ctr">
+          <a:solidFill>
+            <a:schemeClr val="phClr"/>
+          </a:solidFill>
+          <a:prstDash val="solid"/>
+          <a:miter lim="800000"/>
+        </a:ln>
+      </a:lnStyleLst>
+      <a:effectStyleLst>
+        <a:effectStyle>
+          <a:effectLst/>
+        </a:effectStyle>
+        <a:effectStyle>
+          <a:effectLst/>
+        </a:effectStyle>
+        <a:effectStyle>
+          <a:effectLst>
+            <a:outerShdw blurRad="57150" dist="19050" dir="5400000" algn="ctr" rotWithShape="0">
+              <a:srgbClr val="000000">
+                <a:alpha val="63000"/>
+              </a:srgbClr>
+            </a:outerShdw>
+          </a:effectLst>
+        </a:effectStyle>
+      </a:effectStyleLst>
+      <a:bgFillStyleLst>
+        <a:solidFill>
+          <a:schemeClr val="phClr"/>
+        </a:solidFill>
+        <a:solidFill>
+          <a:schemeClr val="phClr">
+            <a:tint val="95000"/>
+            <a:satMod val="170000"/>
+          </a:schemeClr>
+        </a:solidFill>
+        <a:gradFill rotWithShape="1">
+          <a:gsLst>
+            <a:gs pos="0">
+              <a:schemeClr val="phClr">
+                <a:tint val="93000"/>
+                <a:satMod val="150000"/>
+                <a:shade val="98000"/>
+                <a:lumMod val="102000"/>
+              </a:schemeClr>
+            </a:gs>
+            <a:gs pos="50000">
+              <a:schemeClr val="phClr">
+                <a:tint val="98000"/>
+                <a:satMod val="130000"/>
+                <a:shade val="90000"/>
+                <a:lumMod val="103000"/>
+              </a:schemeClr>
+            </a:gs>
+            <a:gs pos="100000">
+              <a:schemeClr val="phClr">
+                <a:shade val="63000"/>
+                <a:satMod val="120000"/>
+              </a:schemeClr>
+            </a:gs>
+          </a:gsLst>
+          <a:lin ang="5400000" scaled="0"/>
+        </a:gradFill>
+      </a:bgFillStyleLst>
+    </a:fmtScheme>
+  </a:themeElements>
+  <a:objectDefaults/>
+  <a:extraClrSchemeLst/>
+  <a:extLst>
+    <a:ext uri="{05A4C25C-085E-4340-85A3-A5531E510DB2}">
+      <thm15:themeFamily xmlns:thm15="http://schemas.microsoft.com/office/thememl/2012/main" name="Office Theme" id="{62F939B6-93AF-4DB8-9C6B-D6C7DFDC589F}" vid="{4A3C46E8-61CC-4603-A589-7422A47A8E4A}"/>
+    </a:ext>
+  </a:extLst>
+</a:theme>
 </file>
--- a/fordcs-docs/EDUp FORDCS-V1.0 Project-v2022.04/CUSTOMER REQUIREMENTS/EDUp-FORDCS-V1.0 Customer-Requirements-v2022.05.pptx
+++ b/fordcs-docs/EDUp FORDCS-V1.0 Project-v2022.04/CUSTOMER REQUIREMENTS/EDUp-FORDCS-V1.0 Customer-Requirements-v2022.05.pptx
@@ -5,7 +5,7 @@
     <p:sldMasterId id="2147483825" r:id="rId1"/>
   </p:sldMasterIdLst>
   <p:notesMasterIdLst>
-    <p:notesMasterId r:id="rId18"/>
+    <p:notesMasterId r:id="rId19"/>
   </p:notesMasterIdLst>
   <p:sldIdLst>
     <p:sldId id="256" r:id="rId2"/>
@@ -24,6 +24,7 @@
     <p:sldId id="353" r:id="rId15"/>
     <p:sldId id="260" r:id="rId16"/>
     <p:sldId id="267" r:id="rId17"/>
+    <p:sldId id="367" r:id="rId18"/>
   </p:sldIdLst>
   <p:sldSz cx="12192000" cy="6858000"/>
   <p:notesSz cx="6858000" cy="9144000"/>
@@ -212,7 +213,7 @@
           <a:p>
             <a:fld id="{539DD351-8589-4C54-8C15-6939E203DE67}" type="datetimeFigureOut">
               <a:rPr lang="en-US" smtClean="0"/>
-              <a:t>2/11/2024</a:t>
+              <a:t>2/12/2024</a:t>
             </a:fld>
             <a:endParaRPr lang="en-US"/>
           </a:p>
@@ -1001,7 +1002,7 @@
           <a:p>
             <a:fld id="{F5BA542F-B73B-47E7-BABB-8194D77513EA}" type="datetimeFigureOut">
               <a:rPr lang="en-GB" smtClean="0"/>
-              <a:t>11/02/2024</a:t>
+              <a:t>12/02/2024</a:t>
             </a:fld>
             <a:endParaRPr lang="en-GB" dirty="0"/>
           </a:p>
@@ -1180,7 +1181,7 @@
           <a:p>
             <a:fld id="{F5BA542F-B73B-47E7-BABB-8194D77513EA}" type="datetimeFigureOut">
               <a:rPr lang="en-GB" smtClean="0"/>
-              <a:t>11/02/2024</a:t>
+              <a:t>12/02/2024</a:t>
             </a:fld>
             <a:endParaRPr lang="en-GB" dirty="0"/>
           </a:p>
@@ -1360,7 +1361,7 @@
           <a:p>
             <a:fld id="{F5BA542F-B73B-47E7-BABB-8194D77513EA}" type="datetimeFigureOut">
               <a:rPr lang="en-GB" smtClean="0"/>
-              <a:t>11/02/2024</a:t>
+              <a:t>12/02/2024</a:t>
             </a:fld>
             <a:endParaRPr lang="en-GB" dirty="0"/>
           </a:p>
@@ -1530,7 +1531,7 @@
           <a:p>
             <a:fld id="{F5BA542F-B73B-47E7-BABB-8194D77513EA}" type="datetimeFigureOut">
               <a:rPr lang="en-GB" smtClean="0"/>
-              <a:t>11/02/2024</a:t>
+              <a:t>12/02/2024</a:t>
             </a:fld>
             <a:endParaRPr lang="en-GB" dirty="0"/>
           </a:p>
@@ -1843,7 +1844,7 @@
           <a:p>
             <a:fld id="{F5BA542F-B73B-47E7-BABB-8194D77513EA}" type="datetimeFigureOut">
               <a:rPr lang="en-GB" smtClean="0"/>
-              <a:t>11/02/2024</a:t>
+              <a:t>12/02/2024</a:t>
             </a:fld>
             <a:endParaRPr lang="en-GB" dirty="0"/>
           </a:p>
@@ -2229,7 +2230,7 @@
           <a:p>
             <a:fld id="{F5BA542F-B73B-47E7-BABB-8194D77513EA}" type="datetimeFigureOut">
               <a:rPr lang="en-GB" smtClean="0"/>
-              <a:t>11/02/2024</a:t>
+              <a:t>12/02/2024</a:t>
             </a:fld>
             <a:endParaRPr lang="en-GB" dirty="0"/>
           </a:p>
@@ -2663,7 +2664,7 @@
           <a:p>
             <a:fld id="{F5BA542F-B73B-47E7-BABB-8194D77513EA}" type="datetimeFigureOut">
               <a:rPr lang="en-GB" smtClean="0"/>
-              <a:t>11/02/2024</a:t>
+              <a:t>12/02/2024</a:t>
             </a:fld>
             <a:endParaRPr lang="en-GB" dirty="0"/>
           </a:p>
@@ -2781,7 +2782,7 @@
           <a:p>
             <a:fld id="{F5BA542F-B73B-47E7-BABB-8194D77513EA}" type="datetimeFigureOut">
               <a:rPr lang="en-GB" smtClean="0"/>
-              <a:t>11/02/2024</a:t>
+              <a:t>12/02/2024</a:t>
             </a:fld>
             <a:endParaRPr lang="en-GB" dirty="0"/>
           </a:p>
@@ -2876,7 +2877,7 @@
           <a:p>
             <a:fld id="{F5BA542F-B73B-47E7-BABB-8194D77513EA}" type="datetimeFigureOut">
               <a:rPr lang="en-GB" smtClean="0"/>
-              <a:t>11/02/2024</a:t>
+              <a:t>12/02/2024</a:t>
             </a:fld>
             <a:endParaRPr lang="en-GB" dirty="0"/>
           </a:p>
@@ -3226,7 +3227,7 @@
           <a:p>
             <a:fld id="{F5BA542F-B73B-47E7-BABB-8194D77513EA}" type="datetimeFigureOut">
               <a:rPr lang="en-GB" smtClean="0"/>
-              <a:t>11/02/2024</a:t>
+              <a:t>12/02/2024</a:t>
             </a:fld>
             <a:endParaRPr lang="en-GB" dirty="0"/>
           </a:p>
@@ -3651,7 +3652,7 @@
           <a:p>
             <a:fld id="{F5BA542F-B73B-47E7-BABB-8194D77513EA}" type="datetimeFigureOut">
               <a:rPr lang="en-GB" smtClean="0"/>
-              <a:t>11/02/2024</a:t>
+              <a:t>12/02/2024</a:t>
             </a:fld>
             <a:endParaRPr lang="en-GB" dirty="0"/>
           </a:p>
@@ -3932,7 +3933,7 @@
           <a:p>
             <a:fld id="{F5BA542F-B73B-47E7-BABB-8194D77513EA}" type="datetimeFigureOut">
               <a:rPr lang="en-GB" smtClean="0"/>
-              <a:t>11/02/2024</a:t>
+              <a:t>12/02/2024</a:t>
             </a:fld>
             <a:endParaRPr lang="en-GB" dirty="0"/>
           </a:p>
@@ -14930,6 +14931,805 @@
 </p:sld>
 </file>
 
+<file path=ppt/slides/slide17.xml><?xml version="1.0" encoding="utf-8"?>
+<p:sld xmlns:a="http://schemas.openxmlformats.org/drawingml/2006/main" xmlns:r="http://schemas.openxmlformats.org/officeDocument/2006/relationships" xmlns:p="http://schemas.openxmlformats.org/presentationml/2006/main">
+  <p:cSld>
+    <p:spTree>
+      <p:nvGrpSpPr>
+        <p:cNvPr id="1" name=""/>
+        <p:cNvGrpSpPr/>
+        <p:nvPr/>
+      </p:nvGrpSpPr>
+      <p:grpSpPr>
+        <a:xfrm>
+          <a:off x="0" y="0"/>
+          <a:ext cx="0" cy="0"/>
+          <a:chOff x="0" y="0"/>
+          <a:chExt cx="0" cy="0"/>
+        </a:xfrm>
+      </p:grpSpPr>
+      <p:sp>
+        <p:nvSpPr>
+          <p:cNvPr id="2" name="Title 1">
+            <a:extLst>
+              <a:ext uri="{FF2B5EF4-FFF2-40B4-BE49-F238E27FC236}">
+                <a16:creationId xmlns:a16="http://schemas.microsoft.com/office/drawing/2014/main" id="{16A5B27F-6B44-44F0-A5EC-A585BB3C2652}"/>
+              </a:ext>
+            </a:extLst>
+          </p:cNvPr>
+          <p:cNvSpPr>
+            <a:spLocks noGrp="1"/>
+          </p:cNvSpPr>
+          <p:nvPr>
+            <p:ph type="title"/>
+          </p:nvPr>
+        </p:nvSpPr>
+        <p:spPr>
+          <a:xfrm>
+            <a:off x="1024128" y="0"/>
+            <a:ext cx="9720072" cy="890337"/>
+          </a:xfrm>
+        </p:spPr>
+        <p:txBody>
+          <a:bodyPr/>
+          <a:lstStyle/>
+          <a:p>
+            <a:r>
+              <a:rPr lang="de-AT" dirty="0"/>
+              <a:t>FORDCS</a:t>
+            </a:r>
+            <a:r>
+              <a:rPr lang="tr-TR" dirty="0"/>
+              <a:t> </a:t>
+            </a:r>
+            <a:r>
+              <a:rPr lang="de-AT" dirty="0"/>
+              <a:t>C</a:t>
+            </a:r>
+            <a:r>
+              <a:rPr lang="tr-TR" dirty="0"/>
+              <a:t>ONTEXT – SMART HOME</a:t>
+            </a:r>
+            <a:endParaRPr lang="de-AT" dirty="0"/>
+          </a:p>
+        </p:txBody>
+      </p:sp>
+      <p:sp>
+        <p:nvSpPr>
+          <p:cNvPr id="3" name="Content Placeholder 2">
+            <a:extLst>
+              <a:ext uri="{FF2B5EF4-FFF2-40B4-BE49-F238E27FC236}">
+                <a16:creationId xmlns:a16="http://schemas.microsoft.com/office/drawing/2014/main" id="{3E6BF13F-FA46-4F06-BEFB-5B0CA69F1086}"/>
+              </a:ext>
+            </a:extLst>
+          </p:cNvPr>
+          <p:cNvSpPr>
+            <a:spLocks noGrp="1"/>
+          </p:cNvSpPr>
+          <p:nvPr>
+            <p:ph idx="1"/>
+          </p:nvPr>
+        </p:nvSpPr>
+        <p:spPr/>
+        <p:txBody>
+          <a:bodyPr/>
+          <a:lstStyle/>
+          <a:p>
+            <a:endParaRPr lang="de-AT"/>
+          </a:p>
+        </p:txBody>
+      </p:sp>
+      <p:pic>
+        <p:nvPicPr>
+          <p:cNvPr id="4" name="Picture 3">
+            <a:extLst>
+              <a:ext uri="{FF2B5EF4-FFF2-40B4-BE49-F238E27FC236}">
+                <a16:creationId xmlns:a16="http://schemas.microsoft.com/office/drawing/2014/main" id="{7680AEE7-12BC-483B-9DB1-5B494A08A5A2}"/>
+              </a:ext>
+            </a:extLst>
+          </p:cNvPr>
+          <p:cNvPicPr>
+            <a:picLocks noChangeAspect="1"/>
+          </p:cNvPicPr>
+          <p:nvPr/>
+        </p:nvPicPr>
+        <p:blipFill>
+          <a:blip r:embed="rId2"/>
+          <a:stretch>
+            <a:fillRect/>
+          </a:stretch>
+        </p:blipFill>
+        <p:spPr>
+          <a:xfrm>
+            <a:off x="6328611" y="1479884"/>
+            <a:ext cx="5860518" cy="4451684"/>
+          </a:xfrm>
+          <a:prstGeom prst="rect">
+            <a:avLst/>
+          </a:prstGeom>
+        </p:spPr>
+      </p:pic>
+      <p:grpSp>
+        <p:nvGrpSpPr>
+          <p:cNvPr id="25" name="Group 24">
+            <a:extLst>
+              <a:ext uri="{FF2B5EF4-FFF2-40B4-BE49-F238E27FC236}">
+                <a16:creationId xmlns:a16="http://schemas.microsoft.com/office/drawing/2014/main" id="{062445CD-4BCC-0326-B51D-C29D942E92A7}"/>
+              </a:ext>
+            </a:extLst>
+          </p:cNvPr>
+          <p:cNvGrpSpPr/>
+          <p:nvPr/>
+        </p:nvGrpSpPr>
+        <p:grpSpPr>
+          <a:xfrm>
+            <a:off x="-274726" y="890337"/>
+            <a:ext cx="6603337" cy="5961326"/>
+            <a:chOff x="-274726" y="890337"/>
+            <a:chExt cx="6603337" cy="5961326"/>
+          </a:xfrm>
+        </p:grpSpPr>
+        <p:pic>
+          <p:nvPicPr>
+            <p:cNvPr id="6" name="Picture 5">
+              <a:extLst>
+                <a:ext uri="{FF2B5EF4-FFF2-40B4-BE49-F238E27FC236}">
+                  <a16:creationId xmlns:a16="http://schemas.microsoft.com/office/drawing/2014/main" id="{31156CC1-9551-475E-98BA-17485BDC4B68}"/>
+                </a:ext>
+              </a:extLst>
+            </p:cNvPr>
+            <p:cNvPicPr>
+              <a:picLocks noChangeAspect="1"/>
+            </p:cNvPicPr>
+            <p:nvPr/>
+          </p:nvPicPr>
+          <p:blipFill>
+            <a:blip r:embed="rId3"/>
+            <a:stretch>
+              <a:fillRect/>
+            </a:stretch>
+          </p:blipFill>
+          <p:spPr>
+            <a:xfrm>
+              <a:off x="0" y="890337"/>
+              <a:ext cx="6328611" cy="5961326"/>
+            </a:xfrm>
+            <a:prstGeom prst="rect">
+              <a:avLst/>
+            </a:prstGeom>
+          </p:spPr>
+        </p:pic>
+        <p:sp>
+          <p:nvSpPr>
+            <p:cNvPr id="11" name="TextBox 10">
+              <a:extLst>
+                <a:ext uri="{FF2B5EF4-FFF2-40B4-BE49-F238E27FC236}">
+                  <a16:creationId xmlns:a16="http://schemas.microsoft.com/office/drawing/2014/main" id="{302743EA-C799-8ACC-8D1A-5A1650D68FE5}"/>
+                </a:ext>
+              </a:extLst>
+            </p:cNvPr>
+            <p:cNvSpPr txBox="1"/>
+            <p:nvPr/>
+          </p:nvSpPr>
+          <p:spPr>
+            <a:xfrm>
+              <a:off x="0" y="940299"/>
+              <a:ext cx="2922814" cy="261610"/>
+            </a:xfrm>
+            <a:prstGeom prst="rect">
+              <a:avLst/>
+            </a:prstGeom>
+            <a:solidFill>
+              <a:srgbClr val="D8E6F3"/>
+            </a:solidFill>
+          </p:spPr>
+          <p:txBody>
+            <a:bodyPr wrap="square">
+              <a:spAutoFit/>
+            </a:bodyPr>
+            <a:lstStyle/>
+            <a:p>
+              <a:r>
+                <a:rPr lang="en-US" sz="1100" b="1" dirty="0"/>
+                <a:t>Energy Management System (EMS)</a:t>
+              </a:r>
+            </a:p>
+          </p:txBody>
+        </p:sp>
+        <p:sp>
+          <p:nvSpPr>
+            <p:cNvPr id="13" name="TextBox 12">
+              <a:extLst>
+                <a:ext uri="{FF2B5EF4-FFF2-40B4-BE49-F238E27FC236}">
+                  <a16:creationId xmlns:a16="http://schemas.microsoft.com/office/drawing/2014/main" id="{BE684193-2C2C-9B2F-0C0A-53DFE8BE25FB}"/>
+                </a:ext>
+              </a:extLst>
+            </p:cNvPr>
+            <p:cNvSpPr txBox="1"/>
+            <p:nvPr/>
+          </p:nvSpPr>
+          <p:spPr>
+            <a:xfrm>
+              <a:off x="1943100" y="1170216"/>
+              <a:ext cx="1676123" cy="215444"/>
+            </a:xfrm>
+            <a:prstGeom prst="rect">
+              <a:avLst/>
+            </a:prstGeom>
+            <a:solidFill>
+              <a:srgbClr val="DBE7F3"/>
+            </a:solidFill>
+            <a:ln>
+              <a:solidFill>
+                <a:srgbClr val="D7E5F1"/>
+              </a:solidFill>
+            </a:ln>
+          </p:spPr>
+          <p:txBody>
+            <a:bodyPr wrap="square">
+              <a:spAutoFit/>
+            </a:bodyPr>
+            <a:lstStyle/>
+            <a:p>
+              <a:r>
+                <a:rPr lang="en-US" sz="800" dirty="0"/>
+                <a:t>low-voltage network</a:t>
+              </a:r>
+            </a:p>
+          </p:txBody>
+        </p:sp>
+        <p:sp>
+          <p:nvSpPr>
+            <p:cNvPr id="14" name="TextBox 13">
+              <a:extLst>
+                <a:ext uri="{FF2B5EF4-FFF2-40B4-BE49-F238E27FC236}">
+                  <a16:creationId xmlns:a16="http://schemas.microsoft.com/office/drawing/2014/main" id="{A02A609E-E0E8-45A1-AF6F-03397A50AFFE}"/>
+                </a:ext>
+              </a:extLst>
+            </p:cNvPr>
+            <p:cNvSpPr txBox="1"/>
+            <p:nvPr/>
+          </p:nvSpPr>
+          <p:spPr>
+            <a:xfrm>
+              <a:off x="5004706" y="1133704"/>
+              <a:ext cx="1257023" cy="200055"/>
+            </a:xfrm>
+            <a:prstGeom prst="rect">
+              <a:avLst/>
+            </a:prstGeom>
+            <a:solidFill>
+              <a:srgbClr val="DBE7F3"/>
+            </a:solidFill>
+            <a:ln>
+              <a:solidFill>
+                <a:srgbClr val="D7E5F1"/>
+              </a:solidFill>
+            </a:ln>
+          </p:spPr>
+          <p:txBody>
+            <a:bodyPr wrap="square">
+              <a:spAutoFit/>
+            </a:bodyPr>
+            <a:lstStyle/>
+            <a:p>
+              <a:r>
+                <a:rPr lang="en-US" sz="700" dirty="0"/>
+                <a:t>medium-voltage network</a:t>
+              </a:r>
+            </a:p>
+          </p:txBody>
+        </p:sp>
+        <p:sp>
+          <p:nvSpPr>
+            <p:cNvPr id="16" name="TextBox 15">
+              <a:extLst>
+                <a:ext uri="{FF2B5EF4-FFF2-40B4-BE49-F238E27FC236}">
+                  <a16:creationId xmlns:a16="http://schemas.microsoft.com/office/drawing/2014/main" id="{AB882381-ACBA-E220-F294-516AEF70A7B8}"/>
+                </a:ext>
+              </a:extLst>
+            </p:cNvPr>
+            <p:cNvSpPr txBox="1"/>
+            <p:nvPr/>
+          </p:nvSpPr>
+          <p:spPr>
+            <a:xfrm>
+              <a:off x="654909" y="5863817"/>
+              <a:ext cx="874066" cy="230832"/>
+            </a:xfrm>
+            <a:prstGeom prst="rect">
+              <a:avLst/>
+            </a:prstGeom>
+            <a:solidFill>
+              <a:srgbClr val="F3F7F9"/>
+            </a:solidFill>
+          </p:spPr>
+          <p:txBody>
+            <a:bodyPr wrap="square">
+              <a:spAutoFit/>
+            </a:bodyPr>
+            <a:lstStyle/>
+            <a:p>
+              <a:r>
+                <a:rPr lang="en-US" sz="900" dirty="0"/>
+                <a:t>heat pumps</a:t>
+              </a:r>
+            </a:p>
+          </p:txBody>
+        </p:sp>
+        <p:sp>
+          <p:nvSpPr>
+            <p:cNvPr id="17" name="TextBox 16">
+              <a:extLst>
+                <a:ext uri="{FF2B5EF4-FFF2-40B4-BE49-F238E27FC236}">
+                  <a16:creationId xmlns:a16="http://schemas.microsoft.com/office/drawing/2014/main" id="{E7B4AA98-1935-9E22-17F2-A19C2B941FAF}"/>
+                </a:ext>
+              </a:extLst>
+            </p:cNvPr>
+            <p:cNvSpPr txBox="1"/>
+            <p:nvPr/>
+          </p:nvSpPr>
+          <p:spPr>
+            <a:xfrm>
+              <a:off x="427645" y="5443028"/>
+              <a:ext cx="849672" cy="200055"/>
+            </a:xfrm>
+            <a:prstGeom prst="rect">
+              <a:avLst/>
+            </a:prstGeom>
+            <a:solidFill>
+              <a:srgbClr val="F3F7F9"/>
+            </a:solidFill>
+          </p:spPr>
+          <p:txBody>
+            <a:bodyPr wrap="square">
+              <a:spAutoFit/>
+            </a:bodyPr>
+            <a:lstStyle/>
+            <a:p>
+              <a:r>
+                <a:rPr lang="en-US" sz="700" b="1" dirty="0"/>
+                <a:t>Resident</a:t>
+              </a:r>
+            </a:p>
+          </p:txBody>
+        </p:sp>
+        <p:grpSp>
+          <p:nvGrpSpPr>
+            <p:cNvPr id="8" name="Group 7">
+              <a:extLst>
+                <a:ext uri="{FF2B5EF4-FFF2-40B4-BE49-F238E27FC236}">
+                  <a16:creationId xmlns:a16="http://schemas.microsoft.com/office/drawing/2014/main" id="{77C064F3-660A-42B4-92A3-D55D826D5D82}"/>
+                </a:ext>
+              </a:extLst>
+            </p:cNvPr>
+            <p:cNvGrpSpPr/>
+            <p:nvPr/>
+          </p:nvGrpSpPr>
+          <p:grpSpPr>
+            <a:xfrm>
+              <a:off x="-38534" y="4684532"/>
+              <a:ext cx="693442" cy="915473"/>
+              <a:chOff x="-38534" y="4684532"/>
+              <a:chExt cx="693442" cy="915473"/>
+            </a:xfrm>
+          </p:grpSpPr>
+          <p:pic>
+            <p:nvPicPr>
+              <p:cNvPr id="7" name="Picture 6">
+                <a:extLst>
+                  <a:ext uri="{FF2B5EF4-FFF2-40B4-BE49-F238E27FC236}">
+                    <a16:creationId xmlns:a16="http://schemas.microsoft.com/office/drawing/2014/main" id="{3AF0FC34-E34B-4937-9FCB-5E630862F075}"/>
+                  </a:ext>
+                </a:extLst>
+              </p:cNvPr>
+              <p:cNvPicPr>
+                <a:picLocks noChangeAspect="1"/>
+              </p:cNvPicPr>
+              <p:nvPr/>
+            </p:nvPicPr>
+            <p:blipFill>
+              <a:blip r:embed="rId4"/>
+              <a:stretch>
+                <a:fillRect/>
+              </a:stretch>
+            </p:blipFill>
+            <p:spPr>
+              <a:xfrm>
+                <a:off x="69286" y="4684532"/>
+                <a:ext cx="485165" cy="632638"/>
+              </a:xfrm>
+              <a:prstGeom prst="rect">
+                <a:avLst/>
+              </a:prstGeom>
+            </p:spPr>
+          </p:pic>
+          <p:sp>
+            <p:nvSpPr>
+              <p:cNvPr id="5" name="TextBox 4">
+                <a:extLst>
+                  <a:ext uri="{FF2B5EF4-FFF2-40B4-BE49-F238E27FC236}">
+                    <a16:creationId xmlns:a16="http://schemas.microsoft.com/office/drawing/2014/main" id="{933DF100-729D-48EF-A4A3-2D45B21EC4ED}"/>
+                  </a:ext>
+                </a:extLst>
+              </p:cNvPr>
+              <p:cNvSpPr txBox="1"/>
+              <p:nvPr/>
+            </p:nvSpPr>
+            <p:spPr>
+              <a:xfrm>
+                <a:off x="-38534" y="5230673"/>
+                <a:ext cx="693442" cy="369332"/>
+              </a:xfrm>
+              <a:prstGeom prst="rect">
+                <a:avLst/>
+              </a:prstGeom>
+              <a:noFill/>
+            </p:spPr>
+            <p:txBody>
+              <a:bodyPr wrap="square" rtlCol="0">
+                <a:spAutoFit/>
+              </a:bodyPr>
+              <a:lstStyle/>
+              <a:p>
+                <a:pPr algn="ctr"/>
+                <a:r>
+                  <a:rPr lang="tr-TR" sz="900" dirty="0"/>
+                  <a:t>Charging Station</a:t>
+                </a:r>
+                <a:endParaRPr lang="de-AT" sz="900" dirty="0"/>
+              </a:p>
+            </p:txBody>
+          </p:sp>
+        </p:grpSp>
+        <p:sp>
+          <p:nvSpPr>
+            <p:cNvPr id="9" name="Oval 8">
+              <a:extLst>
+                <a:ext uri="{FF2B5EF4-FFF2-40B4-BE49-F238E27FC236}">
+                  <a16:creationId xmlns:a16="http://schemas.microsoft.com/office/drawing/2014/main" id="{F20E80D8-E75C-4C08-9578-997329013534}"/>
+                </a:ext>
+              </a:extLst>
+            </p:cNvPr>
+            <p:cNvSpPr/>
+            <p:nvPr/>
+          </p:nvSpPr>
+          <p:spPr>
+            <a:xfrm>
+              <a:off x="-274726" y="4321057"/>
+              <a:ext cx="1555469" cy="1556951"/>
+            </a:xfrm>
+            <a:prstGeom prst="ellipse">
+              <a:avLst/>
+            </a:prstGeom>
+            <a:noFill/>
+            <a:ln w="76200">
+              <a:solidFill>
+                <a:srgbClr val="C00000"/>
+              </a:solidFill>
+            </a:ln>
+          </p:spPr>
+          <p:style>
+            <a:lnRef idx="2">
+              <a:schemeClr val="accent1">
+                <a:shade val="50000"/>
+              </a:schemeClr>
+            </a:lnRef>
+            <a:fillRef idx="1">
+              <a:schemeClr val="accent1"/>
+            </a:fillRef>
+            <a:effectRef idx="0">
+              <a:schemeClr val="accent1"/>
+            </a:effectRef>
+            <a:fontRef idx="minor">
+              <a:schemeClr val="lt1"/>
+            </a:fontRef>
+          </p:style>
+          <p:txBody>
+            <a:bodyPr rtlCol="0" anchor="ctr"/>
+            <a:lstStyle/>
+            <a:p>
+              <a:pPr algn="ctr"/>
+              <a:endParaRPr lang="de-AT"/>
+            </a:p>
+          </p:txBody>
+        </p:sp>
+        <p:sp>
+          <p:nvSpPr>
+            <p:cNvPr id="18" name="TextBox 17">
+              <a:extLst>
+                <a:ext uri="{FF2B5EF4-FFF2-40B4-BE49-F238E27FC236}">
+                  <a16:creationId xmlns:a16="http://schemas.microsoft.com/office/drawing/2014/main" id="{AE0119AD-399A-6B8F-61CB-AB76BE6B4B36}"/>
+                </a:ext>
+              </a:extLst>
+            </p:cNvPr>
+            <p:cNvSpPr txBox="1"/>
+            <p:nvPr/>
+          </p:nvSpPr>
+          <p:spPr>
+            <a:xfrm>
+              <a:off x="51412" y="1665539"/>
+              <a:ext cx="1012340" cy="415498"/>
+            </a:xfrm>
+            <a:prstGeom prst="rect">
+              <a:avLst/>
+            </a:prstGeom>
+            <a:solidFill>
+              <a:srgbClr val="DEEBF2"/>
+            </a:solidFill>
+          </p:spPr>
+          <p:txBody>
+            <a:bodyPr wrap="square">
+              <a:spAutoFit/>
+            </a:bodyPr>
+            <a:lstStyle/>
+            <a:p>
+              <a:pPr algn="ctr"/>
+              <a:r>
+                <a:rPr lang="en-US" sz="700" b="1" dirty="0"/>
+                <a:t>Electric cars with adjustable charging stations</a:t>
+              </a:r>
+            </a:p>
+          </p:txBody>
+        </p:sp>
+        <p:sp>
+          <p:nvSpPr>
+            <p:cNvPr id="19" name="TextBox 18">
+              <a:extLst>
+                <a:ext uri="{FF2B5EF4-FFF2-40B4-BE49-F238E27FC236}">
+                  <a16:creationId xmlns:a16="http://schemas.microsoft.com/office/drawing/2014/main" id="{E406F1F0-8D49-3056-6126-830CD0687A3A}"/>
+                </a:ext>
+              </a:extLst>
+            </p:cNvPr>
+            <p:cNvSpPr txBox="1"/>
+            <p:nvPr/>
+          </p:nvSpPr>
+          <p:spPr>
+            <a:xfrm>
+              <a:off x="1026500" y="1638371"/>
+              <a:ext cx="1319022" cy="630942"/>
+            </a:xfrm>
+            <a:prstGeom prst="rect">
+              <a:avLst/>
+            </a:prstGeom>
+            <a:solidFill>
+              <a:srgbClr val="DEEBF2"/>
+            </a:solidFill>
+          </p:spPr>
+          <p:txBody>
+            <a:bodyPr wrap="square">
+              <a:spAutoFit/>
+            </a:bodyPr>
+            <a:lstStyle>
+              <a:defPPr>
+                <a:defRPr lang="en-US"/>
+              </a:defPPr>
+              <a:lvl1pPr algn="ctr">
+                <a:defRPr sz="700"/>
+              </a:lvl1pPr>
+            </a:lstStyle>
+            <a:p>
+              <a:r>
+                <a:rPr lang="en-US" b="1" dirty="0"/>
+                <a:t>Home Automation Interface - customer-adjustable interface control, e.g., of heat pumps</a:t>
+              </a:r>
+            </a:p>
+          </p:txBody>
+        </p:sp>
+        <p:sp>
+          <p:nvSpPr>
+            <p:cNvPr id="20" name="TextBox 19">
+              <a:extLst>
+                <a:ext uri="{FF2B5EF4-FFF2-40B4-BE49-F238E27FC236}">
+                  <a16:creationId xmlns:a16="http://schemas.microsoft.com/office/drawing/2014/main" id="{090EFB64-8E16-6B47-4DCD-A37D8F7E62A2}"/>
+                </a:ext>
+              </a:extLst>
+            </p:cNvPr>
+            <p:cNvSpPr txBox="1"/>
+            <p:nvPr/>
+          </p:nvSpPr>
+          <p:spPr>
+            <a:xfrm>
+              <a:off x="2250549" y="1662296"/>
+              <a:ext cx="1024128" cy="523220"/>
+            </a:xfrm>
+            <a:prstGeom prst="rect">
+              <a:avLst/>
+            </a:prstGeom>
+            <a:solidFill>
+              <a:srgbClr val="DEEBF2"/>
+            </a:solidFill>
+          </p:spPr>
+          <p:txBody>
+            <a:bodyPr wrap="square">
+              <a:spAutoFit/>
+            </a:bodyPr>
+            <a:lstStyle>
+              <a:defPPr>
+                <a:defRPr lang="en-US"/>
+              </a:defPPr>
+              <a:lvl1pPr algn="ctr">
+                <a:defRPr sz="700"/>
+              </a:lvl1pPr>
+            </a:lstStyle>
+            <a:p>
+              <a:r>
+                <a:rPr lang="en-US" b="1" dirty="0"/>
+                <a:t>Photovoltaic systems with adjustable inverters</a:t>
+              </a:r>
+            </a:p>
+          </p:txBody>
+        </p:sp>
+        <p:sp>
+          <p:nvSpPr>
+            <p:cNvPr id="21" name="TextBox 20">
+              <a:extLst>
+                <a:ext uri="{FF2B5EF4-FFF2-40B4-BE49-F238E27FC236}">
+                  <a16:creationId xmlns:a16="http://schemas.microsoft.com/office/drawing/2014/main" id="{E4507318-B609-48E0-DA86-0912CC689279}"/>
+                </a:ext>
+              </a:extLst>
+            </p:cNvPr>
+            <p:cNvSpPr txBox="1"/>
+            <p:nvPr/>
+          </p:nvSpPr>
+          <p:spPr>
+            <a:xfrm>
+              <a:off x="4425113" y="2084647"/>
+              <a:ext cx="1054931" cy="369332"/>
+            </a:xfrm>
+            <a:prstGeom prst="rect">
+              <a:avLst/>
+            </a:prstGeom>
+            <a:solidFill>
+              <a:srgbClr val="E0EBF3"/>
+            </a:solidFill>
+          </p:spPr>
+          <p:txBody>
+            <a:bodyPr wrap="square">
+              <a:spAutoFit/>
+            </a:bodyPr>
+            <a:lstStyle/>
+            <a:p>
+              <a:pPr algn="ctr"/>
+              <a:r>
+                <a:rPr lang="en-US" sz="900" dirty="0"/>
+                <a:t>Power substation</a:t>
+              </a:r>
+            </a:p>
+          </p:txBody>
+        </p:sp>
+        <p:sp>
+          <p:nvSpPr>
+            <p:cNvPr id="22" name="TextBox 21">
+              <a:extLst>
+                <a:ext uri="{FF2B5EF4-FFF2-40B4-BE49-F238E27FC236}">
+                  <a16:creationId xmlns:a16="http://schemas.microsoft.com/office/drawing/2014/main" id="{21FE5AC7-B52D-9752-2FD0-8D5B7F49D329}"/>
+                </a:ext>
+              </a:extLst>
+            </p:cNvPr>
+            <p:cNvSpPr txBox="1"/>
+            <p:nvPr/>
+          </p:nvSpPr>
+          <p:spPr>
+            <a:xfrm>
+              <a:off x="5431316" y="4730200"/>
+              <a:ext cx="830413" cy="415498"/>
+            </a:xfrm>
+            <a:prstGeom prst="rect">
+              <a:avLst/>
+            </a:prstGeom>
+            <a:solidFill>
+              <a:srgbClr val="EEF3FA"/>
+            </a:solidFill>
+          </p:spPr>
+          <p:txBody>
+            <a:bodyPr wrap="square">
+              <a:spAutoFit/>
+            </a:bodyPr>
+            <a:lstStyle/>
+            <a:p>
+              <a:pPr algn="ctr"/>
+              <a:r>
+                <a:rPr lang="en-US" sz="700" b="1" dirty="0"/>
+                <a:t>250 kV regulating transformer</a:t>
+              </a:r>
+            </a:p>
+          </p:txBody>
+        </p:sp>
+        <p:sp>
+          <p:nvSpPr>
+            <p:cNvPr id="23" name="TextBox 22">
+              <a:extLst>
+                <a:ext uri="{FF2B5EF4-FFF2-40B4-BE49-F238E27FC236}">
+                  <a16:creationId xmlns:a16="http://schemas.microsoft.com/office/drawing/2014/main" id="{25CDC850-D0A1-B07F-E02F-BD4EC7070911}"/>
+                </a:ext>
+              </a:extLst>
+            </p:cNvPr>
+            <p:cNvSpPr txBox="1"/>
+            <p:nvPr/>
+          </p:nvSpPr>
+          <p:spPr>
+            <a:xfrm>
+              <a:off x="4261101" y="5686792"/>
+              <a:ext cx="1170215" cy="307777"/>
+            </a:xfrm>
+            <a:prstGeom prst="rect">
+              <a:avLst/>
+            </a:prstGeom>
+            <a:solidFill>
+              <a:srgbClr val="EEF3FA"/>
+            </a:solidFill>
+          </p:spPr>
+          <p:txBody>
+            <a:bodyPr wrap="square">
+              <a:spAutoFit/>
+            </a:bodyPr>
+            <a:lstStyle/>
+            <a:p>
+              <a:pPr algn="ctr"/>
+              <a:r>
+                <a:rPr lang="en-US" sz="700" b="1" dirty="0">
+                  <a:solidFill>
+                    <a:srgbClr val="3E9124"/>
+                  </a:solidFill>
+                </a:rPr>
+                <a:t>Communication network</a:t>
+              </a:r>
+            </a:p>
+          </p:txBody>
+        </p:sp>
+        <p:sp>
+          <p:nvSpPr>
+            <p:cNvPr id="24" name="TextBox 23">
+              <a:extLst>
+                <a:ext uri="{FF2B5EF4-FFF2-40B4-BE49-F238E27FC236}">
+                  <a16:creationId xmlns:a16="http://schemas.microsoft.com/office/drawing/2014/main" id="{1F306F0D-7440-03C1-C02A-B3A9ED62904F}"/>
+                </a:ext>
+              </a:extLst>
+            </p:cNvPr>
+            <p:cNvSpPr txBox="1"/>
+            <p:nvPr/>
+          </p:nvSpPr>
+          <p:spPr>
+            <a:xfrm>
+              <a:off x="3684539" y="3416997"/>
+              <a:ext cx="805890" cy="415498"/>
+            </a:xfrm>
+            <a:prstGeom prst="rect">
+              <a:avLst/>
+            </a:prstGeom>
+            <a:solidFill>
+              <a:srgbClr val="EEF3FA"/>
+            </a:solidFill>
+          </p:spPr>
+          <p:txBody>
+            <a:bodyPr wrap="square">
+              <a:spAutoFit/>
+            </a:bodyPr>
+            <a:lstStyle/>
+            <a:p>
+              <a:pPr algn="ctr"/>
+              <a:r>
+                <a:rPr lang="en-US" sz="700" b="1" dirty="0"/>
+                <a:t>Intelligent voltage regulator</a:t>
+              </a:r>
+            </a:p>
+          </p:txBody>
+        </p:sp>
+      </p:grpSp>
+    </p:spTree>
+    <p:extLst>
+      <p:ext uri="{BB962C8B-B14F-4D97-AF65-F5344CB8AC3E}">
+        <p14:creationId xmlns:p14="http://schemas.microsoft.com/office/powerpoint/2010/main" val="3535724427"/>
+      </p:ext>
+    </p:extLst>
+  </p:cSld>
+  <p:clrMapOvr>
+    <a:masterClrMapping/>
+  </p:clrMapOvr>
+</p:sld>
+</file>
+
 <file path=ppt/slides/slide2.xml><?xml version="1.0" encoding="utf-8"?>
 <p:sld xmlns:a="http://schemas.openxmlformats.org/drawingml/2006/main" xmlns:r="http://schemas.openxmlformats.org/officeDocument/2006/relationships" xmlns:p="http://schemas.openxmlformats.org/presentationml/2006/main">
   <p:cSld>
@@ -15971,65 +16771,52 @@
         </p:nvSpPr>
         <p:spPr>
           <a:xfrm>
-            <a:off x="1024128" y="0"/>
-            <a:ext cx="9720072" cy="890337"/>
+            <a:off x="0" y="0"/>
+            <a:ext cx="6858000" cy="2149642"/>
           </a:xfrm>
         </p:spPr>
         <p:txBody>
-          <a:bodyPr/>
+          <a:bodyPr>
+            <a:normAutofit fontScale="90000"/>
+          </a:bodyPr>
           <a:lstStyle/>
           <a:p>
             <a:r>
               <a:rPr lang="de-AT" dirty="0"/>
-              <a:t>FORDCS</a:t>
+              <a:t>FORD Charging Station</a:t>
             </a:r>
             <a:r>
               <a:rPr lang="tr-TR" dirty="0"/>
               <a:t> </a:t>
             </a:r>
+            <a:br>
+              <a:rPr lang="de-AT" dirty="0"/>
+            </a:br>
             <a:r>
               <a:rPr lang="de-AT" dirty="0"/>
               <a:t>C</a:t>
             </a:r>
             <a:r>
               <a:rPr lang="tr-TR" dirty="0"/>
-              <a:t>ONTEXT – SMART HOME</a:t>
+              <a:t>ONTEXT </a:t>
+            </a:r>
+            <a:br>
+              <a:rPr lang="de-AT" dirty="0"/>
+            </a:br>
+            <a:r>
+              <a:rPr lang="tr-TR" dirty="0"/>
+              <a:t>SMART HOME</a:t>
             </a:r>
             <a:endParaRPr lang="de-AT" dirty="0"/>
-          </a:p>
-        </p:txBody>
-      </p:sp>
-      <p:sp>
-        <p:nvSpPr>
-          <p:cNvPr id="3" name="Content Placeholder 2">
-            <a:extLst>
-              <a:ext uri="{FF2B5EF4-FFF2-40B4-BE49-F238E27FC236}">
-                <a16:creationId xmlns:a16="http://schemas.microsoft.com/office/drawing/2014/main" id="{3E6BF13F-FA46-4F06-BEFB-5B0CA69F1086}"/>
-              </a:ext>
-            </a:extLst>
-          </p:cNvPr>
-          <p:cNvSpPr>
-            <a:spLocks noGrp="1"/>
-          </p:cNvSpPr>
-          <p:nvPr>
-            <p:ph idx="1"/>
-          </p:nvPr>
-        </p:nvSpPr>
-        <p:spPr/>
-        <p:txBody>
-          <a:bodyPr/>
-          <a:lstStyle/>
-          <a:p>
-            <a:endParaRPr lang="de-AT"/>
           </a:p>
         </p:txBody>
       </p:sp>
       <p:pic>
         <p:nvPicPr>
-          <p:cNvPr id="4" name="Picture 3">
+          <p:cNvPr id="28" name="Picture 27">
             <a:extLst>
               <a:ext uri="{FF2B5EF4-FFF2-40B4-BE49-F238E27FC236}">
-                <a16:creationId xmlns:a16="http://schemas.microsoft.com/office/drawing/2014/main" id="{7680AEE7-12BC-483B-9DB1-5B494A08A5A2}"/>
+                <a16:creationId xmlns:a16="http://schemas.microsoft.com/office/drawing/2014/main" id="{16699D8E-8987-AB1D-AE02-CA84320BD962}"/>
               </a:ext>
             </a:extLst>
           </p:cNvPr>
@@ -16046,184 +16833,14 @@
         </p:blipFill>
         <p:spPr>
           <a:xfrm>
-            <a:off x="6328611" y="1479884"/>
-            <a:ext cx="5860518" cy="4451684"/>
+            <a:off x="5053264" y="408246"/>
+            <a:ext cx="7049348" cy="6330820"/>
           </a:xfrm>
           <a:prstGeom prst="rect">
             <a:avLst/>
           </a:prstGeom>
         </p:spPr>
       </p:pic>
-      <p:pic>
-        <p:nvPicPr>
-          <p:cNvPr id="6" name="Picture 5">
-            <a:extLst>
-              <a:ext uri="{FF2B5EF4-FFF2-40B4-BE49-F238E27FC236}">
-                <a16:creationId xmlns:a16="http://schemas.microsoft.com/office/drawing/2014/main" id="{31156CC1-9551-475E-98BA-17485BDC4B68}"/>
-              </a:ext>
-            </a:extLst>
-          </p:cNvPr>
-          <p:cNvPicPr>
-            <a:picLocks noChangeAspect="1"/>
-          </p:cNvPicPr>
-          <p:nvPr/>
-        </p:nvPicPr>
-        <p:blipFill>
-          <a:blip r:embed="rId3"/>
-          <a:stretch>
-            <a:fillRect/>
-          </a:stretch>
-        </p:blipFill>
-        <p:spPr>
-          <a:xfrm>
-            <a:off x="0" y="890337"/>
-            <a:ext cx="6328611" cy="5961326"/>
-          </a:xfrm>
-          <a:prstGeom prst="rect">
-            <a:avLst/>
-          </a:prstGeom>
-        </p:spPr>
-      </p:pic>
-      <p:grpSp>
-        <p:nvGrpSpPr>
-          <p:cNvPr id="8" name="Group 7">
-            <a:extLst>
-              <a:ext uri="{FF2B5EF4-FFF2-40B4-BE49-F238E27FC236}">
-                <a16:creationId xmlns:a16="http://schemas.microsoft.com/office/drawing/2014/main" id="{77C064F3-660A-42B4-92A3-D55D826D5D82}"/>
-              </a:ext>
-            </a:extLst>
-          </p:cNvPr>
-          <p:cNvGrpSpPr/>
-          <p:nvPr/>
-        </p:nvGrpSpPr>
-        <p:grpSpPr>
-          <a:xfrm>
-            <a:off x="-38534" y="4684532"/>
-            <a:ext cx="693442" cy="915473"/>
-            <a:chOff x="-38534" y="4684532"/>
-            <a:chExt cx="693442" cy="915473"/>
-          </a:xfrm>
-        </p:grpSpPr>
-        <p:pic>
-          <p:nvPicPr>
-            <p:cNvPr id="7" name="Picture 6">
-              <a:extLst>
-                <a:ext uri="{FF2B5EF4-FFF2-40B4-BE49-F238E27FC236}">
-                  <a16:creationId xmlns:a16="http://schemas.microsoft.com/office/drawing/2014/main" id="{3AF0FC34-E34B-4937-9FCB-5E630862F075}"/>
-                </a:ext>
-              </a:extLst>
-            </p:cNvPr>
-            <p:cNvPicPr>
-              <a:picLocks noChangeAspect="1"/>
-            </p:cNvPicPr>
-            <p:nvPr/>
-          </p:nvPicPr>
-          <p:blipFill>
-            <a:blip r:embed="rId4"/>
-            <a:stretch>
-              <a:fillRect/>
-            </a:stretch>
-          </p:blipFill>
-          <p:spPr>
-            <a:xfrm>
-              <a:off x="69286" y="4684532"/>
-              <a:ext cx="485165" cy="632638"/>
-            </a:xfrm>
-            <a:prstGeom prst="rect">
-              <a:avLst/>
-            </a:prstGeom>
-          </p:spPr>
-        </p:pic>
-        <p:sp>
-          <p:nvSpPr>
-            <p:cNvPr id="5" name="TextBox 4">
-              <a:extLst>
-                <a:ext uri="{FF2B5EF4-FFF2-40B4-BE49-F238E27FC236}">
-                  <a16:creationId xmlns:a16="http://schemas.microsoft.com/office/drawing/2014/main" id="{933DF100-729D-48EF-A4A3-2D45B21EC4ED}"/>
-                </a:ext>
-              </a:extLst>
-            </p:cNvPr>
-            <p:cNvSpPr txBox="1"/>
-            <p:nvPr/>
-          </p:nvSpPr>
-          <p:spPr>
-            <a:xfrm>
-              <a:off x="-38534" y="5230673"/>
-              <a:ext cx="693442" cy="369332"/>
-            </a:xfrm>
-            <a:prstGeom prst="rect">
-              <a:avLst/>
-            </a:prstGeom>
-            <a:noFill/>
-          </p:spPr>
-          <p:txBody>
-            <a:bodyPr wrap="square" rtlCol="0">
-              <a:spAutoFit/>
-            </a:bodyPr>
-            <a:lstStyle/>
-            <a:p>
-              <a:pPr algn="ctr"/>
-              <a:r>
-                <a:rPr lang="tr-TR" sz="900" dirty="0"/>
-                <a:t>Charging Station</a:t>
-              </a:r>
-              <a:endParaRPr lang="de-AT" sz="900" dirty="0"/>
-            </a:p>
-          </p:txBody>
-        </p:sp>
-      </p:grpSp>
-      <p:sp>
-        <p:nvSpPr>
-          <p:cNvPr id="9" name="Oval 8">
-            <a:extLst>
-              <a:ext uri="{FF2B5EF4-FFF2-40B4-BE49-F238E27FC236}">
-                <a16:creationId xmlns:a16="http://schemas.microsoft.com/office/drawing/2014/main" id="{F20E80D8-E75C-4C08-9578-997329013534}"/>
-              </a:ext>
-            </a:extLst>
-          </p:cNvPr>
-          <p:cNvSpPr/>
-          <p:nvPr/>
-        </p:nvSpPr>
-        <p:spPr>
-          <a:xfrm>
-            <a:off x="-531341" y="4176584"/>
-            <a:ext cx="1555469" cy="1556951"/>
-          </a:xfrm>
-          <a:prstGeom prst="ellipse">
-            <a:avLst/>
-          </a:prstGeom>
-          <a:noFill/>
-          <a:ln w="76200">
-            <a:solidFill>
-              <a:srgbClr val="C00000"/>
-            </a:solidFill>
-          </a:ln>
-        </p:spPr>
-        <p:style>
-          <a:lnRef idx="2">
-            <a:schemeClr val="accent1">
-              <a:shade val="50000"/>
-            </a:schemeClr>
-          </a:lnRef>
-          <a:fillRef idx="1">
-            <a:schemeClr val="accent1"/>
-          </a:fillRef>
-          <a:effectRef idx="0">
-            <a:schemeClr val="accent1"/>
-          </a:effectRef>
-          <a:fontRef idx="minor">
-            <a:schemeClr val="lt1"/>
-          </a:fontRef>
-        </p:style>
-        <p:txBody>
-          <a:bodyPr rtlCol="0" anchor="ctr"/>
-          <a:lstStyle/>
-          <a:p>
-            <a:pPr algn="ctr"/>
-            <a:endParaRPr lang="de-AT"/>
-          </a:p>
-        </p:txBody>
-      </p:sp>
     </p:spTree>
     <p:extLst>
       <p:ext uri="{BB962C8B-B14F-4D97-AF65-F5344CB8AC3E}">
